--- a/CM_llm_genomics.pptx
+++ b/CM_llm_genomics.pptx
@@ -5,7 +5,7 @@
     <p:sldMasterId id="2147483660" r:id="rId1"/>
   </p:sldMasterIdLst>
   <p:notesMasterIdLst>
-    <p:notesMasterId r:id="rId30"/>
+    <p:notesMasterId r:id="rId36"/>
   </p:notesMasterIdLst>
   <p:sldIdLst>
     <p:sldId id="296" r:id="rId2"/>
@@ -20,22 +20,28 @@
     <p:sldId id="578" r:id="rId11"/>
     <p:sldId id="508" r:id="rId12"/>
     <p:sldId id="579" r:id="rId13"/>
-    <p:sldId id="580" r:id="rId14"/>
-    <p:sldId id="581" r:id="rId15"/>
-    <p:sldId id="586" r:id="rId16"/>
-    <p:sldId id="587" r:id="rId17"/>
-    <p:sldId id="582" r:id="rId18"/>
-    <p:sldId id="608" r:id="rId19"/>
+    <p:sldId id="608" r:id="rId14"/>
+    <p:sldId id="580" r:id="rId15"/>
+    <p:sldId id="581" r:id="rId16"/>
+    <p:sldId id="586" r:id="rId17"/>
+    <p:sldId id="587" r:id="rId18"/>
+    <p:sldId id="582" r:id="rId19"/>
     <p:sldId id="486" r:id="rId20"/>
     <p:sldId id="609" r:id="rId21"/>
     <p:sldId id="497" r:id="rId22"/>
     <p:sldId id="509" r:id="rId23"/>
-    <p:sldId id="610" r:id="rId24"/>
-    <p:sldId id="611" r:id="rId25"/>
-    <p:sldId id="613" r:id="rId26"/>
-    <p:sldId id="612" r:id="rId27"/>
-    <p:sldId id="589" r:id="rId28"/>
-    <p:sldId id="614" r:id="rId29"/>
+    <p:sldId id="619" r:id="rId24"/>
+    <p:sldId id="610" r:id="rId25"/>
+    <p:sldId id="611" r:id="rId26"/>
+    <p:sldId id="613" r:id="rId27"/>
+    <p:sldId id="612" r:id="rId28"/>
+    <p:sldId id="626" r:id="rId29"/>
+    <p:sldId id="627" r:id="rId30"/>
+    <p:sldId id="589" r:id="rId31"/>
+    <p:sldId id="614" r:id="rId32"/>
+    <p:sldId id="628" r:id="rId33"/>
+    <p:sldId id="630" r:id="rId34"/>
+    <p:sldId id="631" r:id="rId35"/>
   </p:sldIdLst>
   <p:sldSz cx="9144000" cy="6858000" type="screen4x3"/>
   <p:notesSz cx="6858000" cy="9144000"/>
@@ -235,7 +241,7 @@
           <a:p>
             <a:fld id="{10262C5D-0A0A-4816-B566-CAF186D955C4}" type="datetimeFigureOut">
               <a:rPr lang="en-US" smtClean="0"/>
-              <a:t>1/17/2025</a:t>
+              <a:t>3/4/2025</a:t>
             </a:fld>
             <a:endParaRPr lang="en-US"/>
           </a:p>
@@ -691,7 +697,7 @@
             <a:fld id="{1D8BD707-D9CF-40AE-B4C6-C98DA3205C09}" type="datetimeFigureOut">
               <a:rPr lang="en-US" smtClean="0"/>
               <a:pPr/>
-              <a:t>1/17/2025</a:t>
+              <a:t>3/4/2025</a:t>
             </a:fld>
             <a:endParaRPr lang="en-US"/>
           </a:p>
@@ -891,7 +897,7 @@
             <a:fld id="{1D8BD707-D9CF-40AE-B4C6-C98DA3205C09}" type="datetimeFigureOut">
               <a:rPr lang="en-US" smtClean="0"/>
               <a:pPr/>
-              <a:t>1/17/2025</a:t>
+              <a:t>3/4/2025</a:t>
             </a:fld>
             <a:endParaRPr lang="en-US"/>
           </a:p>
@@ -1068,7 +1074,7 @@
             <a:fld id="{1D8BD707-D9CF-40AE-B4C6-C98DA3205C09}" type="datetimeFigureOut">
               <a:rPr lang="en-US" smtClean="0"/>
               <a:pPr/>
-              <a:t>1/17/2025</a:t>
+              <a:t>3/4/2025</a:t>
             </a:fld>
             <a:endParaRPr lang="en-US"/>
           </a:p>
@@ -1233,7 +1239,7 @@
             <a:fld id="{1D8BD707-D9CF-40AE-B4C6-C98DA3205C09}" type="datetimeFigureOut">
               <a:rPr lang="en-US" smtClean="0"/>
               <a:pPr/>
-              <a:t>1/17/2025</a:t>
+              <a:t>3/4/2025</a:t>
             </a:fld>
             <a:endParaRPr lang="en-US"/>
           </a:p>
@@ -1483,7 +1489,7 @@
             <a:fld id="{1D8BD707-D9CF-40AE-B4C6-C98DA3205C09}" type="datetimeFigureOut">
               <a:rPr lang="en-US" smtClean="0"/>
               <a:pPr/>
-              <a:t>1/17/2025</a:t>
+              <a:t>3/4/2025</a:t>
             </a:fld>
             <a:endParaRPr lang="en-US"/>
           </a:p>
@@ -1802,7 +1808,7 @@
             <a:fld id="{1D8BD707-D9CF-40AE-B4C6-C98DA3205C09}" type="datetimeFigureOut">
               <a:rPr lang="en-US" smtClean="0"/>
               <a:pPr/>
-              <a:t>1/17/2025</a:t>
+              <a:t>3/4/2025</a:t>
             </a:fld>
             <a:endParaRPr lang="en-US"/>
           </a:p>
@@ -2270,7 +2276,7 @@
             <a:fld id="{1D8BD707-D9CF-40AE-B4C6-C98DA3205C09}" type="datetimeFigureOut">
               <a:rPr lang="en-US" smtClean="0"/>
               <a:pPr/>
-              <a:t>1/17/2025</a:t>
+              <a:t>3/4/2025</a:t>
             </a:fld>
             <a:endParaRPr lang="en-US"/>
           </a:p>
@@ -2419,7 +2425,7 @@
             <a:fld id="{1D8BD707-D9CF-40AE-B4C6-C98DA3205C09}" type="datetimeFigureOut">
               <a:rPr lang="en-US" smtClean="0"/>
               <a:pPr/>
-              <a:t>1/17/2025</a:t>
+              <a:t>3/4/2025</a:t>
             </a:fld>
             <a:endParaRPr lang="en-US"/>
           </a:p>
@@ -2511,7 +2517,7 @@
             <a:fld id="{1D8BD707-D9CF-40AE-B4C6-C98DA3205C09}" type="datetimeFigureOut">
               <a:rPr lang="en-US" smtClean="0"/>
               <a:pPr/>
-              <a:t>1/17/2025</a:t>
+              <a:t>3/4/2025</a:t>
             </a:fld>
             <a:endParaRPr lang="en-US"/>
           </a:p>
@@ -2787,7 +2793,7 @@
             <a:fld id="{1D8BD707-D9CF-40AE-B4C6-C98DA3205C09}" type="datetimeFigureOut">
               <a:rPr lang="en-US" smtClean="0"/>
               <a:pPr/>
-              <a:t>1/17/2025</a:t>
+              <a:t>3/4/2025</a:t>
             </a:fld>
             <a:endParaRPr lang="en-US"/>
           </a:p>
@@ -3094,7 +3100,7 @@
             <a:fld id="{1D8BD707-D9CF-40AE-B4C6-C98DA3205C09}" type="datetimeFigureOut">
               <a:rPr lang="en-US" smtClean="0"/>
               <a:pPr/>
-              <a:t>1/17/2025</a:t>
+              <a:t>3/4/2025</a:t>
             </a:fld>
             <a:endParaRPr lang="en-US"/>
           </a:p>
@@ -3394,7 +3400,7 @@
             <a:fld id="{1D8BD707-D9CF-40AE-B4C6-C98DA3205C09}" type="datetimeFigureOut">
               <a:rPr lang="en-US" smtClean="0"/>
               <a:pPr/>
-              <a:t>1/17/2025</a:t>
+              <a:t>3/4/2025</a:t>
             </a:fld>
             <a:endParaRPr lang="en-US"/>
           </a:p>
@@ -4897,7 +4903,7 @@
           <p:cNvPr id="2" name="Titre 1">
             <a:extLst>
               <a:ext uri="{FF2B5EF4-FFF2-40B4-BE49-F238E27FC236}">
-                <a16:creationId xmlns:a16="http://schemas.microsoft.com/office/drawing/2014/main" id="{3F017E32-7B59-1E6E-2B90-91C9B6CA5931}"/>
+                <a16:creationId xmlns:a16="http://schemas.microsoft.com/office/drawing/2014/main" id="{0C23743F-F3EA-BBFF-C916-822974CC2E10}"/>
               </a:ext>
             </a:extLst>
           </p:cNvPr>
@@ -4910,12 +4916,26 @@
         </p:nvSpPr>
         <p:spPr/>
         <p:txBody>
-          <a:bodyPr/>
+          <a:bodyPr>
+            <a:normAutofit fontScale="90000"/>
+          </a:bodyPr>
           <a:lstStyle/>
           <a:p>
             <a:r>
-              <a:rPr lang="fr-FR" dirty="0" err="1"/>
-              <a:t>Masked</a:t>
+              <a:rPr lang="fr-FR" dirty="0"/>
+              <a:t>Causal </a:t>
+            </a:r>
+            <a:r>
+              <a:rPr lang="fr-FR" dirty="0" err="1"/>
+              <a:t>language</a:t>
+            </a:r>
+            <a:r>
+              <a:rPr lang="fr-FR" dirty="0"/>
+              <a:t> modeling (CLM) vs </a:t>
+            </a:r>
+            <a:r>
+              <a:rPr lang="fr-FR" dirty="0" err="1"/>
+              <a:t>masked</a:t>
             </a:r>
             <a:r>
               <a:rPr lang="fr-FR" dirty="0"/>
@@ -4927,7 +4947,318 @@
             </a:r>
             <a:r>
               <a:rPr lang="fr-FR" dirty="0"/>
-              <a:t> model</a:t>
+              <a:t> modeling (MLM)</a:t>
+            </a:r>
+            <a:endParaRPr lang="en-US" dirty="0"/>
+          </a:p>
+        </p:txBody>
+      </p:sp>
+      <p:pic>
+        <p:nvPicPr>
+          <p:cNvPr id="5" name="Image 4">
+            <a:extLst>
+              <a:ext uri="{FF2B5EF4-FFF2-40B4-BE49-F238E27FC236}">
+                <a16:creationId xmlns:a16="http://schemas.microsoft.com/office/drawing/2014/main" id="{902AC337-9A90-0D98-8ADE-9090E9CC19BC}"/>
+              </a:ext>
+            </a:extLst>
+          </p:cNvPr>
+          <p:cNvPicPr>
+            <a:picLocks noChangeAspect="1"/>
+          </p:cNvPicPr>
+          <p:nvPr/>
+        </p:nvPicPr>
+        <p:blipFill>
+          <a:blip r:embed="rId2"/>
+          <a:stretch>
+            <a:fillRect/>
+          </a:stretch>
+        </p:blipFill>
+        <p:spPr>
+          <a:xfrm>
+            <a:off x="5334000" y="2610658"/>
+            <a:ext cx="3040891" cy="2209800"/>
+          </a:xfrm>
+          <a:prstGeom prst="rect">
+            <a:avLst/>
+          </a:prstGeom>
+        </p:spPr>
+      </p:pic>
+      <p:pic>
+        <p:nvPicPr>
+          <p:cNvPr id="7" name="Image 6">
+            <a:extLst>
+              <a:ext uri="{FF2B5EF4-FFF2-40B4-BE49-F238E27FC236}">
+                <a16:creationId xmlns:a16="http://schemas.microsoft.com/office/drawing/2014/main" id="{7EE14BDF-FF38-3FDA-D43E-6DB172223674}"/>
+              </a:ext>
+            </a:extLst>
+          </p:cNvPr>
+          <p:cNvPicPr>
+            <a:picLocks noChangeAspect="1"/>
+          </p:cNvPicPr>
+          <p:nvPr/>
+        </p:nvPicPr>
+        <p:blipFill>
+          <a:blip r:embed="rId3"/>
+          <a:stretch>
+            <a:fillRect/>
+          </a:stretch>
+        </p:blipFill>
+        <p:spPr>
+          <a:xfrm>
+            <a:off x="769109" y="2610658"/>
+            <a:ext cx="3040891" cy="2266142"/>
+          </a:xfrm>
+          <a:prstGeom prst="rect">
+            <a:avLst/>
+          </a:prstGeom>
+        </p:spPr>
+      </p:pic>
+      <p:sp>
+        <p:nvSpPr>
+          <p:cNvPr id="3" name="ZoneTexte 2">
+            <a:extLst>
+              <a:ext uri="{FF2B5EF4-FFF2-40B4-BE49-F238E27FC236}">
+                <a16:creationId xmlns:a16="http://schemas.microsoft.com/office/drawing/2014/main" id="{A342B0A1-9BF5-9768-BB15-8A7E41C40949}"/>
+              </a:ext>
+            </a:extLst>
+          </p:cNvPr>
+          <p:cNvSpPr txBox="1"/>
+          <p:nvPr/>
+        </p:nvSpPr>
+        <p:spPr>
+          <a:xfrm>
+            <a:off x="769109" y="5029200"/>
+            <a:ext cx="3193291" cy="646331"/>
+          </a:xfrm>
+          <a:prstGeom prst="rect">
+            <a:avLst/>
+          </a:prstGeom>
+          <a:noFill/>
+        </p:spPr>
+        <p:txBody>
+          <a:bodyPr wrap="square" rtlCol="0">
+            <a:spAutoFit/>
+          </a:bodyPr>
+          <a:lstStyle/>
+          <a:p>
+            <a:pPr algn="ctr"/>
+            <a:r>
+              <a:rPr lang="fr-FR" dirty="0"/>
+              <a:t>Input:</a:t>
+            </a:r>
+          </a:p>
+          <a:p>
+            <a:pPr algn="ctr"/>
+            <a:r>
+              <a:rPr lang="fr-FR" dirty="0" err="1"/>
+              <a:t>Unidirectional</a:t>
+            </a:r>
+            <a:r>
+              <a:rPr lang="fr-FR" dirty="0"/>
+              <a:t> (</a:t>
+            </a:r>
+            <a:r>
+              <a:rPr lang="fr-FR" dirty="0" err="1"/>
+              <a:t>left</a:t>
+            </a:r>
+            <a:r>
+              <a:rPr lang="fr-FR" dirty="0"/>
+              <a:t> -&gt; right)</a:t>
+            </a:r>
+            <a:endParaRPr lang="en-US" dirty="0"/>
+          </a:p>
+        </p:txBody>
+      </p:sp>
+      <p:sp>
+        <p:nvSpPr>
+          <p:cNvPr id="4" name="ZoneTexte 3">
+            <a:extLst>
+              <a:ext uri="{FF2B5EF4-FFF2-40B4-BE49-F238E27FC236}">
+                <a16:creationId xmlns:a16="http://schemas.microsoft.com/office/drawing/2014/main" id="{846B5773-D2A9-302A-4369-F93BEA806FAF}"/>
+              </a:ext>
+            </a:extLst>
+          </p:cNvPr>
+          <p:cNvSpPr txBox="1"/>
+          <p:nvPr/>
+        </p:nvSpPr>
+        <p:spPr>
+          <a:xfrm>
+            <a:off x="5791200" y="5013649"/>
+            <a:ext cx="2209800" cy="646331"/>
+          </a:xfrm>
+          <a:prstGeom prst="rect">
+            <a:avLst/>
+          </a:prstGeom>
+          <a:noFill/>
+        </p:spPr>
+        <p:txBody>
+          <a:bodyPr wrap="square" rtlCol="0">
+            <a:spAutoFit/>
+          </a:bodyPr>
+          <a:lstStyle/>
+          <a:p>
+            <a:pPr algn="ctr"/>
+            <a:r>
+              <a:rPr lang="fr-FR" dirty="0"/>
+              <a:t>Input</a:t>
+            </a:r>
+          </a:p>
+          <a:p>
+            <a:pPr algn="ctr"/>
+            <a:r>
+              <a:rPr lang="fr-FR" dirty="0" err="1"/>
+              <a:t>Bidirectional</a:t>
+            </a:r>
+            <a:endParaRPr lang="en-US" dirty="0"/>
+          </a:p>
+        </p:txBody>
+      </p:sp>
+      <p:sp>
+        <p:nvSpPr>
+          <p:cNvPr id="6" name="ZoneTexte 5">
+            <a:extLst>
+              <a:ext uri="{FF2B5EF4-FFF2-40B4-BE49-F238E27FC236}">
+                <a16:creationId xmlns:a16="http://schemas.microsoft.com/office/drawing/2014/main" id="{8DBFA8D4-C487-63AC-91BD-09EE73DF3647}"/>
+              </a:ext>
+            </a:extLst>
+          </p:cNvPr>
+          <p:cNvSpPr txBox="1"/>
+          <p:nvPr/>
+        </p:nvSpPr>
+        <p:spPr>
+          <a:xfrm>
+            <a:off x="1217645" y="2057400"/>
+            <a:ext cx="2209800" cy="369332"/>
+          </a:xfrm>
+          <a:prstGeom prst="rect">
+            <a:avLst/>
+          </a:prstGeom>
+          <a:noFill/>
+        </p:spPr>
+        <p:txBody>
+          <a:bodyPr wrap="square" rtlCol="0">
+            <a:spAutoFit/>
+          </a:bodyPr>
+          <a:lstStyle/>
+          <a:p>
+            <a:pPr algn="ctr"/>
+            <a:r>
+              <a:rPr lang="fr-FR" dirty="0"/>
+              <a:t>Output</a:t>
+            </a:r>
+            <a:endParaRPr lang="en-US" dirty="0"/>
+          </a:p>
+        </p:txBody>
+      </p:sp>
+      <p:sp>
+        <p:nvSpPr>
+          <p:cNvPr id="8" name="ZoneTexte 7">
+            <a:extLst>
+              <a:ext uri="{FF2B5EF4-FFF2-40B4-BE49-F238E27FC236}">
+                <a16:creationId xmlns:a16="http://schemas.microsoft.com/office/drawing/2014/main" id="{267F71FD-C908-462A-2971-607E352E38EA}"/>
+              </a:ext>
+            </a:extLst>
+          </p:cNvPr>
+          <p:cNvSpPr txBox="1"/>
+          <p:nvPr/>
+        </p:nvSpPr>
+        <p:spPr>
+          <a:xfrm>
+            <a:off x="5715000" y="2057400"/>
+            <a:ext cx="2209800" cy="369332"/>
+          </a:xfrm>
+          <a:prstGeom prst="rect">
+            <a:avLst/>
+          </a:prstGeom>
+          <a:noFill/>
+        </p:spPr>
+        <p:txBody>
+          <a:bodyPr wrap="square" rtlCol="0">
+            <a:spAutoFit/>
+          </a:bodyPr>
+          <a:lstStyle/>
+          <a:p>
+            <a:pPr algn="ctr"/>
+            <a:r>
+              <a:rPr lang="fr-FR" dirty="0"/>
+              <a:t>Output</a:t>
+            </a:r>
+            <a:endParaRPr lang="en-US" dirty="0"/>
+          </a:p>
+        </p:txBody>
+      </p:sp>
+    </p:spTree>
+    <p:extLst>
+      <p:ext uri="{BB962C8B-B14F-4D97-AF65-F5344CB8AC3E}">
+        <p14:creationId xmlns:p14="http://schemas.microsoft.com/office/powerpoint/2010/main" val="364465460"/>
+      </p:ext>
+    </p:extLst>
+  </p:cSld>
+  <p:clrMapOvr>
+    <a:masterClrMapping/>
+  </p:clrMapOvr>
+</p:sld>
+</file>
+
+<file path=ppt/slides/slide14.xml><?xml version="1.0" encoding="utf-8"?>
+<p:sld xmlns:a="http://schemas.openxmlformats.org/drawingml/2006/main" xmlns:r="http://schemas.openxmlformats.org/officeDocument/2006/relationships" xmlns:p="http://schemas.openxmlformats.org/presentationml/2006/main">
+  <p:cSld>
+    <p:spTree>
+      <p:nvGrpSpPr>
+        <p:cNvPr id="1" name=""/>
+        <p:cNvGrpSpPr/>
+        <p:nvPr/>
+      </p:nvGrpSpPr>
+      <p:grpSpPr>
+        <a:xfrm>
+          <a:off x="0" y="0"/>
+          <a:ext cx="0" cy="0"/>
+          <a:chOff x="0" y="0"/>
+          <a:chExt cx="0" cy="0"/>
+        </a:xfrm>
+      </p:grpSpPr>
+      <p:sp>
+        <p:nvSpPr>
+          <p:cNvPr id="2" name="Titre 1">
+            <a:extLst>
+              <a:ext uri="{FF2B5EF4-FFF2-40B4-BE49-F238E27FC236}">
+                <a16:creationId xmlns:a16="http://schemas.microsoft.com/office/drawing/2014/main" id="{3F017E32-7B59-1E6E-2B90-91C9B6CA5931}"/>
+              </a:ext>
+            </a:extLst>
+          </p:cNvPr>
+          <p:cNvSpPr>
+            <a:spLocks noGrp="1"/>
+          </p:cNvSpPr>
+          <p:nvPr>
+            <p:ph type="title"/>
+          </p:nvPr>
+        </p:nvSpPr>
+        <p:spPr/>
+        <p:txBody>
+          <a:bodyPr>
+            <a:normAutofit fontScale="90000"/>
+          </a:bodyPr>
+          <a:lstStyle/>
+          <a:p>
+            <a:r>
+              <a:rPr lang="fr-FR" dirty="0"/>
+              <a:t>BERT model (</a:t>
+            </a:r>
+            <a:r>
+              <a:rPr lang="fr-FR" dirty="0" err="1"/>
+              <a:t>masked</a:t>
+            </a:r>
+            <a:r>
+              <a:rPr lang="fr-FR" dirty="0"/>
+              <a:t> </a:t>
+            </a:r>
+            <a:r>
+              <a:rPr lang="fr-FR" dirty="0" err="1"/>
+              <a:t>language</a:t>
+            </a:r>
+            <a:r>
+              <a:rPr lang="fr-FR" dirty="0"/>
+              <a:t> model)</a:t>
             </a:r>
             <a:endParaRPr lang="en-US" dirty="0"/>
           </a:p>
@@ -5191,7 +5522,7 @@
 </p:sld>
 </file>
 
-<file path=ppt/slides/slide14.xml><?xml version="1.0" encoding="utf-8"?>
+<file path=ppt/slides/slide15.xml><?xml version="1.0" encoding="utf-8"?>
 <p:sld xmlns:a="http://schemas.openxmlformats.org/drawingml/2006/main" xmlns:r="http://schemas.openxmlformats.org/officeDocument/2006/relationships" xmlns:p="http://schemas.openxmlformats.org/presentationml/2006/main">
   <p:cSld>
     <p:spTree>
@@ -5233,15 +5564,7 @@
           <a:p>
             <a:r>
               <a:rPr lang="fr-FR" dirty="0"/>
-              <a:t>GPT-1 model (</a:t>
-            </a:r>
-            <a:r>
-              <a:rPr lang="fr-FR" dirty="0" err="1"/>
-              <a:t>Masked</a:t>
-            </a:r>
-            <a:r>
-              <a:rPr lang="fr-FR" dirty="0"/>
-              <a:t> </a:t>
+              <a:t>GPT-1 model (causal </a:t>
             </a:r>
             <a:r>
               <a:rPr lang="fr-FR" dirty="0" err="1"/>
@@ -5508,7 +5831,7 @@
 </p:sld>
 </file>
 
-<file path=ppt/slides/slide15.xml><?xml version="1.0" encoding="utf-8"?>
+<file path=ppt/slides/slide16.xml><?xml version="1.0" encoding="utf-8"?>
 <p:sld xmlns:a="http://schemas.openxmlformats.org/drawingml/2006/main" xmlns:r="http://schemas.openxmlformats.org/officeDocument/2006/relationships" xmlns:p="http://schemas.openxmlformats.org/presentationml/2006/main">
   <p:cSld>
     <p:spTree>
@@ -5806,7 +6129,7 @@
 </p:sld>
 </file>
 
-<file path=ppt/slides/slide16.xml><?xml version="1.0" encoding="utf-8"?>
+<file path=ppt/slides/slide17.xml><?xml version="1.0" encoding="utf-8"?>
 <p:sld xmlns:a="http://schemas.openxmlformats.org/drawingml/2006/main" xmlns:r="http://schemas.openxmlformats.org/officeDocument/2006/relationships" xmlns:p="http://schemas.openxmlformats.org/presentationml/2006/main">
   <p:cSld>
     <p:spTree>
@@ -5900,7 +6223,7 @@
 </p:sld>
 </file>
 
-<file path=ppt/slides/slide17.xml><?xml version="1.0" encoding="utf-8"?>
+<file path=ppt/slides/slide18.xml><?xml version="1.0" encoding="utf-8"?>
 <p:sld xmlns:a="http://schemas.openxmlformats.org/drawingml/2006/main" xmlns:r="http://schemas.openxmlformats.org/officeDocument/2006/relationships" xmlns:p="http://schemas.openxmlformats.org/presentationml/2006/main">
   <p:cSld>
     <p:spTree>
@@ -6085,151 +6408,6 @@
 </p:sld>
 </file>
 
-<file path=ppt/slides/slide18.xml><?xml version="1.0" encoding="utf-8"?>
-<p:sld xmlns:a="http://schemas.openxmlformats.org/drawingml/2006/main" xmlns:r="http://schemas.openxmlformats.org/officeDocument/2006/relationships" xmlns:p="http://schemas.openxmlformats.org/presentationml/2006/main">
-  <p:cSld>
-    <p:spTree>
-      <p:nvGrpSpPr>
-        <p:cNvPr id="1" name=""/>
-        <p:cNvGrpSpPr/>
-        <p:nvPr/>
-      </p:nvGrpSpPr>
-      <p:grpSpPr>
-        <a:xfrm>
-          <a:off x="0" y="0"/>
-          <a:ext cx="0" cy="0"/>
-          <a:chOff x="0" y="0"/>
-          <a:chExt cx="0" cy="0"/>
-        </a:xfrm>
-      </p:grpSpPr>
-      <p:sp>
-        <p:nvSpPr>
-          <p:cNvPr id="2" name="Titre 1">
-            <a:extLst>
-              <a:ext uri="{FF2B5EF4-FFF2-40B4-BE49-F238E27FC236}">
-                <a16:creationId xmlns:a16="http://schemas.microsoft.com/office/drawing/2014/main" id="{0C23743F-F3EA-BBFF-C916-822974CC2E10}"/>
-              </a:ext>
-            </a:extLst>
-          </p:cNvPr>
-          <p:cNvSpPr>
-            <a:spLocks noGrp="1"/>
-          </p:cNvSpPr>
-          <p:nvPr>
-            <p:ph type="title"/>
-          </p:nvPr>
-        </p:nvSpPr>
-        <p:spPr/>
-        <p:txBody>
-          <a:bodyPr>
-            <a:normAutofit fontScale="90000"/>
-          </a:bodyPr>
-          <a:lstStyle/>
-          <a:p>
-            <a:r>
-              <a:rPr lang="fr-FR" dirty="0"/>
-              <a:t>Causal </a:t>
-            </a:r>
-            <a:r>
-              <a:rPr lang="fr-FR" dirty="0" err="1"/>
-              <a:t>language</a:t>
-            </a:r>
-            <a:r>
-              <a:rPr lang="fr-FR" dirty="0"/>
-              <a:t> modeling (CLM) vs </a:t>
-            </a:r>
-            <a:r>
-              <a:rPr lang="fr-FR" dirty="0" err="1"/>
-              <a:t>masked</a:t>
-            </a:r>
-            <a:r>
-              <a:rPr lang="fr-FR" dirty="0"/>
-              <a:t> </a:t>
-            </a:r>
-            <a:r>
-              <a:rPr lang="fr-FR" dirty="0" err="1"/>
-              <a:t>language</a:t>
-            </a:r>
-            <a:r>
-              <a:rPr lang="fr-FR" dirty="0"/>
-              <a:t> modeling (MLM)</a:t>
-            </a:r>
-            <a:endParaRPr lang="en-US" dirty="0"/>
-          </a:p>
-        </p:txBody>
-      </p:sp>
-      <p:pic>
-        <p:nvPicPr>
-          <p:cNvPr id="5" name="Image 4">
-            <a:extLst>
-              <a:ext uri="{FF2B5EF4-FFF2-40B4-BE49-F238E27FC236}">
-                <a16:creationId xmlns:a16="http://schemas.microsoft.com/office/drawing/2014/main" id="{902AC337-9A90-0D98-8ADE-9090E9CC19BC}"/>
-              </a:ext>
-            </a:extLst>
-          </p:cNvPr>
-          <p:cNvPicPr>
-            <a:picLocks noChangeAspect="1"/>
-          </p:cNvPicPr>
-          <p:nvPr/>
-        </p:nvPicPr>
-        <p:blipFill>
-          <a:blip r:embed="rId2"/>
-          <a:stretch>
-            <a:fillRect/>
-          </a:stretch>
-        </p:blipFill>
-        <p:spPr>
-          <a:xfrm>
-            <a:off x="5334000" y="2610658"/>
-            <a:ext cx="3040891" cy="2209800"/>
-          </a:xfrm>
-          <a:prstGeom prst="rect">
-            <a:avLst/>
-          </a:prstGeom>
-        </p:spPr>
-      </p:pic>
-      <p:pic>
-        <p:nvPicPr>
-          <p:cNvPr id="7" name="Image 6">
-            <a:extLst>
-              <a:ext uri="{FF2B5EF4-FFF2-40B4-BE49-F238E27FC236}">
-                <a16:creationId xmlns:a16="http://schemas.microsoft.com/office/drawing/2014/main" id="{7EE14BDF-FF38-3FDA-D43E-6DB172223674}"/>
-              </a:ext>
-            </a:extLst>
-          </p:cNvPr>
-          <p:cNvPicPr>
-            <a:picLocks noChangeAspect="1"/>
-          </p:cNvPicPr>
-          <p:nvPr/>
-        </p:nvPicPr>
-        <p:blipFill>
-          <a:blip r:embed="rId3"/>
-          <a:stretch>
-            <a:fillRect/>
-          </a:stretch>
-        </p:blipFill>
-        <p:spPr>
-          <a:xfrm>
-            <a:off x="769109" y="2610658"/>
-            <a:ext cx="3040891" cy="2266142"/>
-          </a:xfrm>
-          <a:prstGeom prst="rect">
-            <a:avLst/>
-          </a:prstGeom>
-        </p:spPr>
-      </p:pic>
-    </p:spTree>
-    <p:extLst>
-      <p:ext uri="{BB962C8B-B14F-4D97-AF65-F5344CB8AC3E}">
-        <p14:creationId xmlns:p14="http://schemas.microsoft.com/office/powerpoint/2010/main" val="364465460"/>
-      </p:ext>
-    </p:extLst>
-  </p:cSld>
-  <p:clrMapOvr>
-    <a:masterClrMapping/>
-  </p:clrMapOvr>
-</p:sld>
-</file>
-
 <file path=ppt/slides/slide19.xml><?xml version="1.0" encoding="utf-8"?>
 <p:sld xmlns:a="http://schemas.openxmlformats.org/drawingml/2006/main" xmlns:r="http://schemas.openxmlformats.org/officeDocument/2006/relationships" xmlns:p="http://schemas.openxmlformats.org/presentationml/2006/main">
   <p:cSld>
@@ -6494,12 +6672,14 @@
         </p:nvSpPr>
         <p:spPr>
           <a:xfrm>
-            <a:off x="509587" y="1771650"/>
-            <a:ext cx="8229600" cy="2343150"/>
+            <a:off x="509586" y="1771650"/>
+            <a:ext cx="8329613" cy="2343150"/>
           </a:xfrm>
         </p:spPr>
         <p:txBody>
-          <a:bodyPr/>
+          <a:bodyPr>
+            <a:normAutofit/>
+          </a:bodyPr>
           <a:lstStyle/>
           <a:p>
             <a:r>
@@ -6536,7 +6716,7 @@
             </a:r>
             <a:r>
               <a:rPr lang="fr-FR" dirty="0"/>
-              <a:t> on 22 autosomal chromosomes and </a:t>
+              <a:t> on 22 autosomal chromosomes, </a:t>
             </a:r>
             <a:r>
               <a:rPr lang="fr-FR" dirty="0" err="1"/>
@@ -6552,7 +6732,15 @@
             </a:r>
             <a:r>
               <a:rPr lang="fr-FR" dirty="0"/>
-              <a:t> chromosomes. It </a:t>
+              <a:t> chromosomes and a </a:t>
+            </a:r>
+            <a:r>
+              <a:rPr lang="fr-FR" dirty="0" err="1"/>
+              <a:t>mitochondria</a:t>
+            </a:r>
+            <a:r>
+              <a:rPr lang="fr-FR" dirty="0"/>
+              <a:t>. It </a:t>
             </a:r>
             <a:r>
               <a:rPr lang="fr-FR" dirty="0" err="1"/>
@@ -6584,12 +6772,8 @@
           </a:p>
           <a:p>
             <a:r>
-              <a:rPr lang="fr-FR" dirty="0" err="1"/>
-              <a:t>Below</a:t>
-            </a:r>
-            <a:r>
-              <a:rPr lang="fr-FR" dirty="0"/>
-              <a:t> </a:t>
+              <a:rPr lang="fr-FR" dirty="0"/>
+              <a:t>Bellow </a:t>
             </a:r>
             <a:r>
               <a:rPr lang="fr-FR" dirty="0" err="1"/>
@@ -7236,7 +7420,7 @@
           <p:cNvPr id="2" name="Titre 1">
             <a:extLst>
               <a:ext uri="{FF2B5EF4-FFF2-40B4-BE49-F238E27FC236}">
-                <a16:creationId xmlns:a16="http://schemas.microsoft.com/office/drawing/2014/main" id="{BB9B6BD2-1CC8-BD0E-2389-45A4125009EE}"/>
+                <a16:creationId xmlns:a16="http://schemas.microsoft.com/office/drawing/2014/main" id="{35A15008-3424-F238-98DB-210B27620E90}"/>
               </a:ext>
             </a:extLst>
           </p:cNvPr>
@@ -7247,16 +7431,22 @@
             <p:ph type="title"/>
           </p:nvPr>
         </p:nvSpPr>
-        <p:spPr/>
-        <p:txBody>
-          <a:bodyPr/>
+        <p:spPr>
+          <a:xfrm>
+            <a:off x="432318" y="533400"/>
+            <a:ext cx="8229600" cy="990600"/>
+          </a:xfrm>
+        </p:spPr>
+        <p:txBody>
+          <a:bodyPr>
+            <a:normAutofit/>
+          </a:bodyPr>
           <a:lstStyle/>
           <a:p>
             <a:r>
-              <a:rPr lang="fr-FR" dirty="0"/>
-              <a:t>Mistral-DNA</a:t>
-            </a:r>
-            <a:endParaRPr lang="en-US" dirty="0"/>
+              <a:rPr lang="en-US" dirty="0"/>
+              <a:t>Nucleotide Transformer</a:t>
+            </a:r>
           </a:p>
         </p:txBody>
       </p:sp>
@@ -7265,7 +7455,7 @@
           <p:cNvPr id="3" name="Espace réservé du contenu 2">
             <a:extLst>
               <a:ext uri="{FF2B5EF4-FFF2-40B4-BE49-F238E27FC236}">
-                <a16:creationId xmlns:a16="http://schemas.microsoft.com/office/drawing/2014/main" id="{5860E797-BB7F-70D2-3CDF-358509EE4F33}"/>
+                <a16:creationId xmlns:a16="http://schemas.microsoft.com/office/drawing/2014/main" id="{8FB4ABAC-1E82-758B-0E1E-599F1D45A87D}"/>
               </a:ext>
             </a:extLst>
           </p:cNvPr>
@@ -7283,6 +7473,284 @@
           <a:p>
             <a:r>
               <a:rPr lang="fr-FR" dirty="0"/>
+              <a:t>BERT model </a:t>
+            </a:r>
+            <a:r>
+              <a:rPr lang="fr-FR" dirty="0" err="1"/>
+              <a:t>trained</a:t>
+            </a:r>
+            <a:r>
+              <a:rPr lang="fr-FR" dirty="0"/>
+              <a:t> not </a:t>
+            </a:r>
+            <a:r>
+              <a:rPr lang="fr-FR" dirty="0" err="1"/>
+              <a:t>only</a:t>
+            </a:r>
+            <a:r>
+              <a:rPr lang="fr-FR" dirty="0"/>
+              <a:t> </a:t>
+            </a:r>
+            <a:r>
+              <a:rPr lang="fr-FR" dirty="0" err="1"/>
+              <a:t>from</a:t>
+            </a:r>
+            <a:r>
+              <a:rPr lang="fr-FR" dirty="0"/>
+              <a:t> the </a:t>
+            </a:r>
+            <a:r>
+              <a:rPr lang="fr-FR" dirty="0" err="1"/>
+              <a:t>human</a:t>
+            </a:r>
+            <a:r>
+              <a:rPr lang="fr-FR" dirty="0"/>
+              <a:t> </a:t>
+            </a:r>
+            <a:r>
+              <a:rPr lang="fr-FR" dirty="0" err="1"/>
+              <a:t>genome</a:t>
+            </a:r>
+            <a:r>
+              <a:rPr lang="fr-FR" dirty="0"/>
+              <a:t> (3.3 Gb) like DNABERT, but </a:t>
+            </a:r>
+            <a:r>
+              <a:rPr lang="fr-FR" dirty="0" err="1"/>
+              <a:t>trained</a:t>
+            </a:r>
+            <a:r>
+              <a:rPr lang="fr-FR" dirty="0"/>
+              <a:t> </a:t>
+            </a:r>
+            <a:r>
+              <a:rPr lang="fr-FR" dirty="0" err="1"/>
+              <a:t>from</a:t>
+            </a:r>
+            <a:r>
+              <a:rPr lang="fr-FR" dirty="0"/>
+              <a:t> </a:t>
+            </a:r>
+            <a:r>
+              <a:rPr lang="fr-FR" dirty="0" err="1"/>
+              <a:t>thousands</a:t>
+            </a:r>
+            <a:r>
+              <a:rPr lang="fr-FR" dirty="0"/>
+              <a:t> of </a:t>
+            </a:r>
+            <a:r>
+              <a:rPr lang="fr-FR" dirty="0" err="1"/>
+              <a:t>human</a:t>
+            </a:r>
+            <a:r>
+              <a:rPr lang="fr-FR" dirty="0"/>
+              <a:t> and animal </a:t>
+            </a:r>
+            <a:r>
+              <a:rPr lang="fr-FR" dirty="0" err="1"/>
+              <a:t>genomes</a:t>
+            </a:r>
+            <a:r>
+              <a:rPr lang="fr-FR" dirty="0"/>
+              <a:t>!</a:t>
+            </a:r>
+          </a:p>
+          <a:p>
+            <a:endParaRPr lang="fr-FR" dirty="0"/>
+          </a:p>
+          <a:p>
+            <a:endParaRPr lang="fr-FR" dirty="0"/>
+          </a:p>
+          <a:p>
+            <a:endParaRPr lang="fr-FR" dirty="0"/>
+          </a:p>
+          <a:p>
+            <a:endParaRPr lang="fr-FR" dirty="0"/>
+          </a:p>
+          <a:p>
+            <a:endParaRPr lang="fr-FR" dirty="0"/>
+          </a:p>
+          <a:p>
+            <a:endParaRPr lang="fr-FR" dirty="0"/>
+          </a:p>
+          <a:p>
+            <a:r>
+              <a:rPr lang="fr-FR" dirty="0"/>
+              <a:t>The </a:t>
+            </a:r>
+            <a:r>
+              <a:rPr lang="fr-FR" dirty="0" err="1"/>
+              <a:t>prediction</a:t>
+            </a:r>
+            <a:r>
+              <a:rPr lang="fr-FR" dirty="0"/>
+              <a:t> performance </a:t>
+            </a:r>
+            <a:r>
+              <a:rPr lang="fr-FR" dirty="0" err="1"/>
+              <a:t>increases</a:t>
+            </a:r>
+            <a:r>
+              <a:rPr lang="fr-FR" dirty="0"/>
+              <a:t> </a:t>
+            </a:r>
+            <a:r>
+              <a:rPr lang="fr-FR" dirty="0" err="1"/>
+              <a:t>with</a:t>
+            </a:r>
+            <a:r>
+              <a:rPr lang="fr-FR" dirty="0"/>
+              <a:t> the </a:t>
+            </a:r>
+            <a:r>
+              <a:rPr lang="fr-FR" dirty="0" err="1"/>
+              <a:t>number</a:t>
+            </a:r>
+            <a:r>
+              <a:rPr lang="fr-FR" dirty="0"/>
+              <a:t> of </a:t>
+            </a:r>
+            <a:r>
+              <a:rPr lang="fr-FR" dirty="0" err="1"/>
+              <a:t>genomes</a:t>
+            </a:r>
+            <a:r>
+              <a:rPr lang="fr-FR" dirty="0"/>
+              <a:t> </a:t>
+            </a:r>
+            <a:r>
+              <a:rPr lang="fr-FR" dirty="0" err="1"/>
+              <a:t>used</a:t>
+            </a:r>
+            <a:r>
+              <a:rPr lang="fr-FR" dirty="0"/>
+              <a:t> </a:t>
+            </a:r>
+            <a:r>
+              <a:rPr lang="fr-FR" dirty="0" err="1"/>
+              <a:t>during</a:t>
+            </a:r>
+            <a:r>
+              <a:rPr lang="fr-FR" dirty="0"/>
+              <a:t> training.</a:t>
+            </a:r>
+            <a:endParaRPr lang="en-US" dirty="0"/>
+          </a:p>
+        </p:txBody>
+      </p:sp>
+      <p:pic>
+        <p:nvPicPr>
+          <p:cNvPr id="5" name="Image 4">
+            <a:extLst>
+              <a:ext uri="{FF2B5EF4-FFF2-40B4-BE49-F238E27FC236}">
+                <a16:creationId xmlns:a16="http://schemas.microsoft.com/office/drawing/2014/main" id="{07A65544-1CAA-7747-764C-BBED706932EE}"/>
+              </a:ext>
+            </a:extLst>
+          </p:cNvPr>
+          <p:cNvPicPr>
+            <a:picLocks noChangeAspect="1"/>
+          </p:cNvPicPr>
+          <p:nvPr/>
+        </p:nvPicPr>
+        <p:blipFill>
+          <a:blip r:embed="rId2"/>
+          <a:stretch>
+            <a:fillRect/>
+          </a:stretch>
+        </p:blipFill>
+        <p:spPr>
+          <a:xfrm>
+            <a:off x="928396" y="2930888"/>
+            <a:ext cx="7287208" cy="2215423"/>
+          </a:xfrm>
+          <a:prstGeom prst="rect">
+            <a:avLst/>
+          </a:prstGeom>
+        </p:spPr>
+      </p:pic>
+    </p:spTree>
+    <p:extLst>
+      <p:ext uri="{BB962C8B-B14F-4D97-AF65-F5344CB8AC3E}">
+        <p14:creationId xmlns:p14="http://schemas.microsoft.com/office/powerpoint/2010/main" val="2980944584"/>
+      </p:ext>
+    </p:extLst>
+  </p:cSld>
+  <p:clrMapOvr>
+    <a:masterClrMapping/>
+  </p:clrMapOvr>
+</p:sld>
+</file>
+
+<file path=ppt/slides/slide24.xml><?xml version="1.0" encoding="utf-8"?>
+<p:sld xmlns:a="http://schemas.openxmlformats.org/drawingml/2006/main" xmlns:r="http://schemas.openxmlformats.org/officeDocument/2006/relationships" xmlns:p="http://schemas.openxmlformats.org/presentationml/2006/main">
+  <p:cSld>
+    <p:spTree>
+      <p:nvGrpSpPr>
+        <p:cNvPr id="1" name=""/>
+        <p:cNvGrpSpPr/>
+        <p:nvPr/>
+      </p:nvGrpSpPr>
+      <p:grpSpPr>
+        <a:xfrm>
+          <a:off x="0" y="0"/>
+          <a:ext cx="0" cy="0"/>
+          <a:chOff x="0" y="0"/>
+          <a:chExt cx="0" cy="0"/>
+        </a:xfrm>
+      </p:grpSpPr>
+      <p:sp>
+        <p:nvSpPr>
+          <p:cNvPr id="2" name="Titre 1">
+            <a:extLst>
+              <a:ext uri="{FF2B5EF4-FFF2-40B4-BE49-F238E27FC236}">
+                <a16:creationId xmlns:a16="http://schemas.microsoft.com/office/drawing/2014/main" id="{BB9B6BD2-1CC8-BD0E-2389-45A4125009EE}"/>
+              </a:ext>
+            </a:extLst>
+          </p:cNvPr>
+          <p:cNvSpPr>
+            <a:spLocks noGrp="1"/>
+          </p:cNvSpPr>
+          <p:nvPr>
+            <p:ph type="title"/>
+          </p:nvPr>
+        </p:nvSpPr>
+        <p:spPr/>
+        <p:txBody>
+          <a:bodyPr/>
+          <a:lstStyle/>
+          <a:p>
+            <a:r>
+              <a:rPr lang="fr-FR" dirty="0"/>
+              <a:t>Mistral-DNA</a:t>
+            </a:r>
+            <a:endParaRPr lang="en-US" dirty="0"/>
+          </a:p>
+        </p:txBody>
+      </p:sp>
+      <p:sp>
+        <p:nvSpPr>
+          <p:cNvPr id="3" name="Espace réservé du contenu 2">
+            <a:extLst>
+              <a:ext uri="{FF2B5EF4-FFF2-40B4-BE49-F238E27FC236}">
+                <a16:creationId xmlns:a16="http://schemas.microsoft.com/office/drawing/2014/main" id="{5860E797-BB7F-70D2-3CDF-358509EE4F33}"/>
+              </a:ext>
+            </a:extLst>
+          </p:cNvPr>
+          <p:cNvSpPr>
+            <a:spLocks noGrp="1"/>
+          </p:cNvSpPr>
+          <p:nvPr>
+            <p:ph idx="1"/>
+          </p:nvPr>
+        </p:nvSpPr>
+        <p:spPr/>
+        <p:txBody>
+          <a:bodyPr/>
+          <a:lstStyle/>
+          <a:p>
+            <a:r>
+              <a:rPr lang="fr-FR" dirty="0"/>
               <a:t>Mistral-DNA </a:t>
             </a:r>
             <a:r>
@@ -7330,6 +7798,14 @@
             <a:r>
               <a:rPr lang="fr-FR" dirty="0"/>
               <a:t> on Byte pair </a:t>
+            </a:r>
+            <a:r>
+              <a:rPr lang="fr-FR" dirty="0" err="1"/>
+              <a:t>encoding</a:t>
+            </a:r>
+            <a:r>
+              <a:rPr lang="fr-FR" dirty="0"/>
+              <a:t> (BPE) </a:t>
             </a:r>
             <a:r>
               <a:rPr lang="fr-FR" dirty="0" err="1"/>
@@ -7408,7 +7884,7 @@
 </p:sld>
 </file>
 
-<file path=ppt/slides/slide24.xml><?xml version="1.0" encoding="utf-8"?>
+<file path=ppt/slides/slide25.xml><?xml version="1.0" encoding="utf-8"?>
 <p:sld xmlns:a="http://schemas.openxmlformats.org/drawingml/2006/main" xmlns:r="http://schemas.openxmlformats.org/officeDocument/2006/relationships" xmlns:p="http://schemas.openxmlformats.org/presentationml/2006/main">
   <p:cSld>
     <p:spTree>
@@ -8205,7 +8681,7 @@
 </p:sld>
 </file>
 
-<file path=ppt/slides/slide25.xml><?xml version="1.0" encoding="utf-8"?>
+<file path=ppt/slides/slide26.xml><?xml version="1.0" encoding="utf-8"?>
 <p:sld xmlns:a="http://schemas.openxmlformats.org/drawingml/2006/main" xmlns:r="http://schemas.openxmlformats.org/officeDocument/2006/relationships" xmlns:p="http://schemas.openxmlformats.org/presentationml/2006/main">
   <p:cSld>
     <p:spTree>
@@ -8296,7 +8772,7 @@
 </p:sld>
 </file>
 
-<file path=ppt/slides/slide26.xml><?xml version="1.0" encoding="utf-8"?>
+<file path=ppt/slides/slide27.xml><?xml version="1.0" encoding="utf-8"?>
 <p:sld xmlns:a="http://schemas.openxmlformats.org/drawingml/2006/main" xmlns:r="http://schemas.openxmlformats.org/officeDocument/2006/relationships" xmlns:p="http://schemas.openxmlformats.org/presentationml/2006/main">
   <p:cSld>
     <p:spTree>
@@ -8332,13 +8808,21 @@
         <p:spPr/>
         <p:txBody>
           <a:bodyPr>
-            <a:normAutofit fontScale="90000"/>
+            <a:normAutofit/>
           </a:bodyPr>
           <a:lstStyle/>
           <a:p>
             <a:r>
               <a:rPr lang="fr-FR" dirty="0"/>
-              <a:t>1) Model modification for classification</a:t>
+              <a:t>1) </a:t>
+            </a:r>
+            <a:r>
+              <a:rPr lang="fr-FR" dirty="0" err="1"/>
+              <a:t>Finetuning</a:t>
+            </a:r>
+            <a:r>
+              <a:rPr lang="fr-FR" dirty="0"/>
+              <a:t> for classification</a:t>
             </a:r>
             <a:endParaRPr lang="en-US" dirty="0"/>
           </a:p>
@@ -8468,9 +8952,9 @@
         <p:grpSpPr>
           <a:xfrm>
             <a:off x="2076450" y="2133600"/>
-            <a:ext cx="5772149" cy="1562100"/>
+            <a:ext cx="6019801" cy="1562100"/>
             <a:chOff x="2133600" y="2263624"/>
-            <a:chExt cx="5772149" cy="1562100"/>
+            <a:chExt cx="6019801" cy="1562100"/>
           </a:xfrm>
         </p:grpSpPr>
         <p:sp>
@@ -8653,8 +9137,8 @@
           </p:nvSpPr>
           <p:spPr>
             <a:xfrm>
-              <a:off x="5219699" y="2263624"/>
-              <a:ext cx="2686050" cy="646331"/>
+              <a:off x="4781550" y="2263624"/>
+              <a:ext cx="3371851" cy="646331"/>
             </a:xfrm>
             <a:prstGeom prst="rect">
               <a:avLst/>
@@ -8681,322 +9165,157 @@
               </a:r>
               <a:r>
                 <a:rPr lang="fr-FR" dirty="0"/>
-                <a:t> at the top of the LLM</a:t>
+                <a:t> at the top of the LLM.</a:t>
               </a:r>
-              <a:endParaRPr lang="en-US" dirty="0"/>
             </a:p>
           </p:txBody>
         </p:sp>
       </p:grpSp>
-      <p:pic>
-        <p:nvPicPr>
-          <p:cNvPr id="10" name="Image 9">
+      <p:grpSp>
+        <p:nvGrpSpPr>
+          <p:cNvPr id="11" name="Groupe 10">
             <a:extLst>
               <a:ext uri="{FF2B5EF4-FFF2-40B4-BE49-F238E27FC236}">
-                <a16:creationId xmlns:a16="http://schemas.microsoft.com/office/drawing/2014/main" id="{5044CD59-7021-9321-4E27-A29F25E63308}"/>
+                <a16:creationId xmlns:a16="http://schemas.microsoft.com/office/drawing/2014/main" id="{3DC94039-7E3B-6BE1-1A25-E711CE7B61A4}"/>
               </a:ext>
             </a:extLst>
           </p:cNvPr>
-          <p:cNvPicPr>
-            <a:picLocks noChangeAspect="1"/>
-          </p:cNvPicPr>
+          <p:cNvGrpSpPr/>
           <p:nvPr/>
-        </p:nvPicPr>
-        <p:blipFill>
-          <a:blip r:embed="rId2"/>
-          <a:stretch>
-            <a:fillRect/>
-          </a:stretch>
-        </p:blipFill>
-        <p:spPr>
+        </p:nvGrpSpPr>
+        <p:grpSpPr>
           <a:xfrm>
-            <a:off x="1659731" y="4870148"/>
-            <a:ext cx="5481637" cy="1454452"/>
+            <a:off x="1659731" y="4800600"/>
+            <a:ext cx="5481637" cy="1747584"/>
+            <a:chOff x="1659731" y="4800600"/>
+            <a:chExt cx="5481637" cy="1747584"/>
           </a:xfrm>
-          <a:prstGeom prst="rect">
-            <a:avLst/>
-          </a:prstGeom>
-        </p:spPr>
-      </p:pic>
+        </p:grpSpPr>
+        <p:pic>
+          <p:nvPicPr>
+            <p:cNvPr id="10" name="Image 9">
+              <a:extLst>
+                <a:ext uri="{FF2B5EF4-FFF2-40B4-BE49-F238E27FC236}">
+                  <a16:creationId xmlns:a16="http://schemas.microsoft.com/office/drawing/2014/main" id="{5044CD59-7021-9321-4E27-A29F25E63308}"/>
+                </a:ext>
+              </a:extLst>
+            </p:cNvPr>
+            <p:cNvPicPr>
+              <a:picLocks noChangeAspect="1"/>
+            </p:cNvPicPr>
+            <p:nvPr/>
+          </p:nvPicPr>
+          <p:blipFill>
+            <a:blip r:embed="rId2"/>
+            <a:stretch>
+              <a:fillRect/>
+            </a:stretch>
+          </p:blipFill>
+          <p:spPr>
+            <a:xfrm>
+              <a:off x="1659731" y="4800600"/>
+              <a:ext cx="5481637" cy="1454452"/>
+            </a:xfrm>
+            <a:prstGeom prst="rect">
+              <a:avLst/>
+            </a:prstGeom>
+          </p:spPr>
+        </p:pic>
+        <p:sp>
+          <p:nvSpPr>
+            <p:cNvPr id="6" name="ZoneTexte 5">
+              <a:extLst>
+                <a:ext uri="{FF2B5EF4-FFF2-40B4-BE49-F238E27FC236}">
+                  <a16:creationId xmlns:a16="http://schemas.microsoft.com/office/drawing/2014/main" id="{1AC83233-FE9E-1AE5-599F-8CCB68A4DDDE}"/>
+                </a:ext>
+              </a:extLst>
+            </p:cNvPr>
+            <p:cNvSpPr txBox="1"/>
+            <p:nvPr/>
+          </p:nvSpPr>
+          <p:spPr>
+            <a:xfrm>
+              <a:off x="2076450" y="6178852"/>
+              <a:ext cx="1504950" cy="369332"/>
+            </a:xfrm>
+            <a:prstGeom prst="rect">
+              <a:avLst/>
+            </a:prstGeom>
+            <a:noFill/>
+          </p:spPr>
+          <p:txBody>
+            <a:bodyPr wrap="square" rtlCol="0">
+              <a:spAutoFit/>
+            </a:bodyPr>
+            <a:lstStyle/>
+            <a:p>
+              <a:pPr algn="ctr"/>
+              <a:r>
+                <a:rPr lang="fr-FR" dirty="0">
+                  <a:solidFill>
+                    <a:srgbClr val="FF0000"/>
+                  </a:solidFill>
+                </a:rPr>
+                <a:t>Label 1</a:t>
+              </a:r>
+              <a:endParaRPr lang="en-US" dirty="0">
+                <a:solidFill>
+                  <a:srgbClr val="FF0000"/>
+                </a:solidFill>
+              </a:endParaRPr>
+            </a:p>
+          </p:txBody>
+        </p:sp>
+        <p:sp>
+          <p:nvSpPr>
+            <p:cNvPr id="9" name="ZoneTexte 8">
+              <a:extLst>
+                <a:ext uri="{FF2B5EF4-FFF2-40B4-BE49-F238E27FC236}">
+                  <a16:creationId xmlns:a16="http://schemas.microsoft.com/office/drawing/2014/main" id="{D52A26AE-4009-AEE9-A68D-EAA904B4274D}"/>
+                </a:ext>
+              </a:extLst>
+            </p:cNvPr>
+            <p:cNvSpPr txBox="1"/>
+            <p:nvPr/>
+          </p:nvSpPr>
+          <p:spPr>
+            <a:xfrm>
+              <a:off x="5305425" y="6178852"/>
+              <a:ext cx="1504950" cy="369332"/>
+            </a:xfrm>
+            <a:prstGeom prst="rect">
+              <a:avLst/>
+            </a:prstGeom>
+            <a:noFill/>
+          </p:spPr>
+          <p:txBody>
+            <a:bodyPr wrap="square" rtlCol="0">
+              <a:spAutoFit/>
+            </a:bodyPr>
+            <a:lstStyle/>
+            <a:p>
+              <a:pPr algn="ctr"/>
+              <a:r>
+                <a:rPr lang="fr-FR" dirty="0">
+                  <a:solidFill>
+                    <a:srgbClr val="0070C0"/>
+                  </a:solidFill>
+                </a:rPr>
+                <a:t>Label 0</a:t>
+              </a:r>
+              <a:endParaRPr lang="en-US" dirty="0">
+                <a:solidFill>
+                  <a:srgbClr val="0070C0"/>
+                </a:solidFill>
+              </a:endParaRPr>
+            </a:p>
+          </p:txBody>
+        </p:sp>
+      </p:grpSp>
     </p:spTree>
     <p:extLst>
       <p:ext uri="{BB962C8B-B14F-4D97-AF65-F5344CB8AC3E}">
         <p14:creationId xmlns:p14="http://schemas.microsoft.com/office/powerpoint/2010/main" val="2830622880"/>
-      </p:ext>
-    </p:extLst>
-  </p:cSld>
-  <p:clrMapOvr>
-    <a:masterClrMapping/>
-  </p:clrMapOvr>
-</p:sld>
-</file>
-
-<file path=ppt/slides/slide27.xml><?xml version="1.0" encoding="utf-8"?>
-<p:sld xmlns:a="http://schemas.openxmlformats.org/drawingml/2006/main" xmlns:r="http://schemas.openxmlformats.org/officeDocument/2006/relationships" xmlns:p="http://schemas.openxmlformats.org/presentationml/2006/main">
-  <p:cSld>
-    <p:spTree>
-      <p:nvGrpSpPr>
-        <p:cNvPr id="1" name=""/>
-        <p:cNvGrpSpPr/>
-        <p:nvPr/>
-      </p:nvGrpSpPr>
-      <p:grpSpPr>
-        <a:xfrm>
-          <a:off x="0" y="0"/>
-          <a:ext cx="0" cy="0"/>
-          <a:chOff x="0" y="0"/>
-          <a:chExt cx="0" cy="0"/>
-        </a:xfrm>
-      </p:grpSpPr>
-      <p:sp>
-        <p:nvSpPr>
-          <p:cNvPr id="2" name="Titre 1">
-            <a:extLst>
-              <a:ext uri="{FF2B5EF4-FFF2-40B4-BE49-F238E27FC236}">
-                <a16:creationId xmlns:a16="http://schemas.microsoft.com/office/drawing/2014/main" id="{5EB65F60-DDC6-6968-7765-E648F6BD88FE}"/>
-              </a:ext>
-            </a:extLst>
-          </p:cNvPr>
-          <p:cNvSpPr>
-            <a:spLocks noGrp="1"/>
-          </p:cNvSpPr>
-          <p:nvPr>
-            <p:ph type="title"/>
-          </p:nvPr>
-        </p:nvSpPr>
-        <p:spPr/>
-        <p:txBody>
-          <a:bodyPr/>
-          <a:lstStyle/>
-          <a:p>
-            <a:r>
-              <a:rPr lang="fr-FR" dirty="0"/>
-              <a:t>2) </a:t>
-            </a:r>
-            <a:r>
-              <a:rPr lang="fr-FR" dirty="0" err="1"/>
-              <a:t>Assessing</a:t>
-            </a:r>
-            <a:r>
-              <a:rPr lang="fr-FR" dirty="0"/>
-              <a:t> the impact of a SNP</a:t>
-            </a:r>
-            <a:endParaRPr lang="en-US" dirty="0"/>
-          </a:p>
-        </p:txBody>
-      </p:sp>
-      <p:sp>
-        <p:nvSpPr>
-          <p:cNvPr id="3" name="Espace réservé du contenu 2">
-            <a:extLst>
-              <a:ext uri="{FF2B5EF4-FFF2-40B4-BE49-F238E27FC236}">
-                <a16:creationId xmlns:a16="http://schemas.microsoft.com/office/drawing/2014/main" id="{DF0ED7C4-BA94-6ECA-903A-3ADA0F5B7DCB}"/>
-              </a:ext>
-            </a:extLst>
-          </p:cNvPr>
-          <p:cNvSpPr>
-            <a:spLocks noGrp="1"/>
-          </p:cNvSpPr>
-          <p:nvPr>
-            <p:ph idx="1"/>
-          </p:nvPr>
-        </p:nvSpPr>
-        <p:spPr/>
-        <p:txBody>
-          <a:bodyPr/>
-          <a:lstStyle/>
-          <a:p>
-            <a:r>
-              <a:rPr lang="fr-FR" dirty="0" err="1"/>
-              <a:t>Easy</a:t>
-            </a:r>
-            <a:r>
-              <a:rPr lang="fr-FR" dirty="0"/>
-              <a:t> </a:t>
-            </a:r>
-            <a:r>
-              <a:rPr lang="fr-FR" dirty="0" err="1"/>
-              <a:t>way</a:t>
-            </a:r>
-            <a:r>
-              <a:rPr lang="fr-FR" dirty="0"/>
-              <a:t> to </a:t>
-            </a:r>
-            <a:r>
-              <a:rPr lang="fr-FR" dirty="0" err="1"/>
-              <a:t>assess</a:t>
-            </a:r>
-            <a:r>
-              <a:rPr lang="fr-FR" dirty="0"/>
-              <a:t> the impact of a SNP:</a:t>
-            </a:r>
-          </a:p>
-          <a:p>
-            <a:pPr lvl="1"/>
-            <a:r>
-              <a:rPr lang="fr-FR" dirty="0" err="1"/>
-              <a:t>Predict</a:t>
-            </a:r>
-            <a:r>
-              <a:rPr lang="fr-FR" dirty="0"/>
-              <a:t> the value for a </a:t>
-            </a:r>
-            <a:r>
-              <a:rPr lang="fr-FR" dirty="0" err="1"/>
-              <a:t>sequence</a:t>
-            </a:r>
-            <a:r>
-              <a:rPr lang="fr-FR" dirty="0"/>
-              <a:t> </a:t>
-            </a:r>
-            <a:r>
-              <a:rPr lang="fr-FR" dirty="0" err="1"/>
-              <a:t>with</a:t>
-            </a:r>
-            <a:r>
-              <a:rPr lang="fr-FR" dirty="0"/>
-              <a:t> the </a:t>
-            </a:r>
-            <a:r>
-              <a:rPr lang="fr-FR" dirty="0" err="1"/>
-              <a:t>reference</a:t>
-            </a:r>
-            <a:r>
-              <a:rPr lang="fr-FR" dirty="0"/>
-              <a:t> </a:t>
-            </a:r>
-            <a:r>
-              <a:rPr lang="fr-FR" dirty="0" err="1"/>
-              <a:t>allele</a:t>
-            </a:r>
-            <a:r>
-              <a:rPr lang="fr-FR" dirty="0"/>
-              <a:t> </a:t>
-            </a:r>
-            <a:r>
-              <a:rPr lang="fr-FR" b="1" dirty="0">
-                <a:solidFill>
-                  <a:srgbClr val="FF0000"/>
-                </a:solidFill>
-              </a:rPr>
-              <a:t>C</a:t>
-            </a:r>
-            <a:r>
-              <a:rPr lang="fr-FR" dirty="0"/>
-              <a:t>:</a:t>
-            </a:r>
-          </a:p>
-          <a:p>
-            <a:pPr lvl="2"/>
-            <a:r>
-              <a:rPr lang="fr-FR" dirty="0"/>
-              <a:t>ATGTAGTGGGTACC</a:t>
-            </a:r>
-            <a:r>
-              <a:rPr lang="fr-FR" b="1" dirty="0">
-                <a:solidFill>
-                  <a:srgbClr val="FF0000"/>
-                </a:solidFill>
-              </a:rPr>
-              <a:t>C</a:t>
-            </a:r>
-            <a:r>
-              <a:rPr lang="fr-FR" dirty="0"/>
-              <a:t>TGTGTAGAAGCCA</a:t>
-            </a:r>
-          </a:p>
-          <a:p>
-            <a:pPr lvl="1"/>
-            <a:endParaRPr lang="fr-FR" dirty="0"/>
-          </a:p>
-          <a:p>
-            <a:pPr lvl="1"/>
-            <a:r>
-              <a:rPr lang="fr-FR" dirty="0" err="1"/>
-              <a:t>Predict</a:t>
-            </a:r>
-            <a:r>
-              <a:rPr lang="fr-FR" dirty="0"/>
-              <a:t> the value for a </a:t>
-            </a:r>
-            <a:r>
-              <a:rPr lang="fr-FR" dirty="0" err="1"/>
-              <a:t>sequence</a:t>
-            </a:r>
-            <a:r>
-              <a:rPr lang="fr-FR" dirty="0"/>
-              <a:t> </a:t>
-            </a:r>
-            <a:r>
-              <a:rPr lang="fr-FR" dirty="0" err="1"/>
-              <a:t>with</a:t>
-            </a:r>
-            <a:r>
-              <a:rPr lang="fr-FR" dirty="0"/>
-              <a:t> the </a:t>
-            </a:r>
-            <a:r>
-              <a:rPr lang="fr-FR" dirty="0" err="1"/>
-              <a:t>reference</a:t>
-            </a:r>
-            <a:r>
-              <a:rPr lang="fr-FR" dirty="0"/>
-              <a:t> </a:t>
-            </a:r>
-            <a:r>
-              <a:rPr lang="fr-FR" dirty="0" err="1"/>
-              <a:t>allele</a:t>
-            </a:r>
-            <a:r>
-              <a:rPr lang="fr-FR" dirty="0"/>
-              <a:t> </a:t>
-            </a:r>
-            <a:r>
-              <a:rPr lang="fr-FR" b="1" dirty="0">
-                <a:solidFill>
-                  <a:srgbClr val="0070C0"/>
-                </a:solidFill>
-              </a:rPr>
-              <a:t>T</a:t>
-            </a:r>
-            <a:r>
-              <a:rPr lang="fr-FR" dirty="0"/>
-              <a:t>:</a:t>
-            </a:r>
-          </a:p>
-          <a:p>
-            <a:pPr lvl="2"/>
-            <a:r>
-              <a:rPr lang="fr-FR" dirty="0"/>
-              <a:t>ATGTAGTGGGTACC</a:t>
-            </a:r>
-            <a:r>
-              <a:rPr lang="fr-FR" b="1" dirty="0">
-                <a:solidFill>
-                  <a:srgbClr val="0070C0"/>
-                </a:solidFill>
-              </a:rPr>
-              <a:t>T</a:t>
-            </a:r>
-            <a:r>
-              <a:rPr lang="fr-FR" dirty="0"/>
-              <a:t>TGTGTAGAAGCCA</a:t>
-            </a:r>
-          </a:p>
-          <a:p>
-            <a:pPr lvl="1"/>
-            <a:endParaRPr lang="en-US" dirty="0"/>
-          </a:p>
-          <a:p>
-            <a:pPr lvl="1"/>
-            <a:endParaRPr lang="en-US" dirty="0"/>
-          </a:p>
-        </p:txBody>
-      </p:sp>
-    </p:spTree>
-    <p:extLst>
-      <p:ext uri="{BB962C8B-B14F-4D97-AF65-F5344CB8AC3E}">
-        <p14:creationId xmlns:p14="http://schemas.microsoft.com/office/powerpoint/2010/main" val="995915662"/>
       </p:ext>
     </p:extLst>
   </p:cSld>
@@ -9028,7 +9347,7 @@
           <p:cNvPr id="2" name="Titre 1">
             <a:extLst>
               <a:ext uri="{FF2B5EF4-FFF2-40B4-BE49-F238E27FC236}">
-                <a16:creationId xmlns:a16="http://schemas.microsoft.com/office/drawing/2014/main" id="{1AC361B1-7605-6EC1-4982-92D119D294BF}"/>
+                <a16:creationId xmlns:a16="http://schemas.microsoft.com/office/drawing/2014/main" id="{5B0D6B67-72B5-7805-9C55-CADA2D1CD437}"/>
               </a:ext>
             </a:extLst>
           </p:cNvPr>
@@ -9041,34 +9360,20 @@
         </p:nvSpPr>
         <p:spPr/>
         <p:txBody>
-          <a:bodyPr>
-            <a:normAutofit fontScale="90000"/>
-          </a:bodyPr>
+          <a:bodyPr/>
           <a:lstStyle/>
           <a:p>
             <a:r>
               <a:rPr lang="fr-FR" dirty="0"/>
-              <a:t>3) </a:t>
-            </a:r>
-            <a:r>
-              <a:rPr lang="fr-FR" dirty="0" err="1"/>
-              <a:t>Synthetic</a:t>
-            </a:r>
-            <a:r>
-              <a:rPr lang="fr-FR" dirty="0"/>
-              <a:t> DNA </a:t>
-            </a:r>
-            <a:r>
-              <a:rPr lang="fr-FR" dirty="0" err="1"/>
-              <a:t>sequence</a:t>
-            </a:r>
-            <a:r>
-              <a:rPr lang="fr-FR" dirty="0"/>
-              <a:t> </a:t>
-            </a:r>
-            <a:r>
-              <a:rPr lang="fr-FR" dirty="0" err="1"/>
-              <a:t>generation</a:t>
+              <a:t>1) </a:t>
+            </a:r>
+            <a:r>
+              <a:rPr lang="fr-FR" dirty="0" err="1"/>
+              <a:t>Finetuning</a:t>
+            </a:r>
+            <a:r>
+              <a:rPr lang="fr-FR" dirty="0"/>
+              <a:t> for classification</a:t>
             </a:r>
             <a:endParaRPr lang="en-US" dirty="0"/>
           </a:p>
@@ -9079,7 +9384,7 @@
           <p:cNvPr id="3" name="Espace réservé du contenu 2">
             <a:extLst>
               <a:ext uri="{FF2B5EF4-FFF2-40B4-BE49-F238E27FC236}">
-                <a16:creationId xmlns:a16="http://schemas.microsoft.com/office/drawing/2014/main" id="{F835C398-2F23-055F-86F7-D28DE66394E8}"/>
+                <a16:creationId xmlns:a16="http://schemas.microsoft.com/office/drawing/2014/main" id="{0E9FA942-F30A-7B2A-CE84-8A2780F1C982}"/>
               </a:ext>
             </a:extLst>
           </p:cNvPr>
@@ -9090,55 +9395,31 @@
             <p:ph idx="1"/>
           </p:nvPr>
         </p:nvSpPr>
-        <p:spPr/>
+        <p:spPr>
+          <a:xfrm>
+            <a:off x="461865" y="4800600"/>
+            <a:ext cx="8229600" cy="1371600"/>
+          </a:xfrm>
+        </p:spPr>
         <p:txBody>
           <a:bodyPr/>
           <a:lstStyle/>
           <a:p>
             <a:r>
-              <a:rPr lang="fr-FR" dirty="0" err="1"/>
-              <a:t>Predict</a:t>
-            </a:r>
-            <a:r>
-              <a:rPr lang="fr-FR" dirty="0"/>
-              <a:t> a </a:t>
-            </a:r>
-            <a:r>
-              <a:rPr lang="fr-FR" dirty="0" err="1"/>
-              <a:t>synthetic</a:t>
-            </a:r>
-            <a:r>
-              <a:rPr lang="fr-FR" dirty="0"/>
-              <a:t> DNA </a:t>
-            </a:r>
-            <a:r>
-              <a:rPr lang="fr-FR" dirty="0" err="1"/>
-              <a:t>sequence</a:t>
-            </a:r>
-            <a:r>
-              <a:rPr lang="fr-FR" dirty="0"/>
-              <a:t>:</a:t>
-            </a:r>
-          </a:p>
-          <a:p>
-            <a:endParaRPr lang="fr-FR" dirty="0"/>
-          </a:p>
-          <a:p>
-            <a:endParaRPr lang="fr-FR" dirty="0"/>
-          </a:p>
-          <a:p>
-            <a:endParaRPr lang="fr-FR" dirty="0"/>
-          </a:p>
-          <a:p>
-            <a:endParaRPr lang="fr-FR" dirty="0"/>
-          </a:p>
-          <a:p>
-            <a:endParaRPr lang="fr-FR" dirty="0"/>
-          </a:p>
-          <a:p>
-            <a:r>
-              <a:rPr lang="fr-FR" dirty="0" err="1"/>
-              <a:t>Repeat</a:t>
+              <a:rPr lang="fr-FR" dirty="0"/>
+              <a:t>The </a:t>
+            </a:r>
+            <a:r>
+              <a:rPr lang="fr-FR" dirty="0" err="1"/>
+              <a:t>finetuned</a:t>
+            </a:r>
+            <a:r>
+              <a:rPr lang="fr-FR" dirty="0"/>
+              <a:t> model can </a:t>
+            </a:r>
+            <a:r>
+              <a:rPr lang="fr-FR" dirty="0" err="1"/>
+              <a:t>be</a:t>
             </a:r>
             <a:r>
               <a:rPr lang="fr-FR" dirty="0"/>
@@ -9146,7 +9427,23 @@
             </a:r>
             <a:r>
               <a:rPr lang="fr-FR" dirty="0" err="1"/>
-              <a:t>same</a:t>
+              <a:t>used</a:t>
+            </a:r>
+            <a:r>
+              <a:rPr lang="fr-FR" dirty="0"/>
+              <a:t> to </a:t>
+            </a:r>
+            <a:r>
+              <a:rPr lang="fr-FR" dirty="0" err="1"/>
+              <a:t>predict</a:t>
+            </a:r>
+            <a:r>
+              <a:rPr lang="fr-FR" dirty="0"/>
+              <a:t> CTCF binding </a:t>
+            </a:r>
+            <a:r>
+              <a:rPr lang="fr-FR" dirty="0" err="1"/>
+              <a:t>peaks</a:t>
             </a:r>
             <a:r>
               <a:rPr lang="fr-FR" dirty="0"/>
@@ -9154,32 +9451,309 @@
             </a:r>
             <a:r>
               <a:rPr lang="fr-FR" dirty="0" err="1"/>
-              <a:t>task</a:t>
-            </a:r>
-            <a:r>
-              <a:rPr lang="fr-FR" dirty="0"/>
-              <a:t> </a:t>
-            </a:r>
-            <a:r>
-              <a:rPr lang="fr-FR" dirty="0" err="1"/>
-              <a:t>iteratively</a:t>
-            </a:r>
-            <a:r>
-              <a:rPr lang="fr-FR" dirty="0"/>
-              <a:t>:</a:t>
-            </a:r>
-          </a:p>
-          <a:p>
+              <a:t>along</a:t>
+            </a:r>
+            <a:r>
+              <a:rPr lang="fr-FR" dirty="0"/>
+              <a:t> the </a:t>
+            </a:r>
+            <a:r>
+              <a:rPr lang="fr-FR" dirty="0" err="1"/>
+              <a:t>genome</a:t>
+            </a:r>
+            <a:r>
+              <a:rPr lang="fr-FR" dirty="0"/>
+              <a:t>. </a:t>
+            </a:r>
             <a:endParaRPr lang="en-US" dirty="0"/>
           </a:p>
         </p:txBody>
       </p:sp>
-      <p:sp>
-        <p:nvSpPr>
-          <p:cNvPr id="4" name="ZoneTexte 3">
+      <p:grpSp>
+        <p:nvGrpSpPr>
+          <p:cNvPr id="16" name="Groupe 15">
             <a:extLst>
               <a:ext uri="{FF2B5EF4-FFF2-40B4-BE49-F238E27FC236}">
-                <a16:creationId xmlns:a16="http://schemas.microsoft.com/office/drawing/2014/main" id="{592805B7-356C-3F1F-F484-4499595DF862}"/>
+                <a16:creationId xmlns:a16="http://schemas.microsoft.com/office/drawing/2014/main" id="{6E5BDAD8-B80D-538C-ADAB-390F8BC534C2}"/>
+              </a:ext>
+            </a:extLst>
+          </p:cNvPr>
+          <p:cNvGrpSpPr/>
+          <p:nvPr/>
+        </p:nvGrpSpPr>
+        <p:grpSpPr>
+          <a:xfrm>
+            <a:off x="1143001" y="1828800"/>
+            <a:ext cx="6705599" cy="1219199"/>
+            <a:chOff x="1143001" y="1828800"/>
+            <a:chExt cx="6705599" cy="1219199"/>
+          </a:xfrm>
+        </p:grpSpPr>
+        <p:cxnSp>
+          <p:nvCxnSpPr>
+            <p:cNvPr id="7" name="Connecteur droit 6">
+              <a:extLst>
+                <a:ext uri="{FF2B5EF4-FFF2-40B4-BE49-F238E27FC236}">
+                  <a16:creationId xmlns:a16="http://schemas.microsoft.com/office/drawing/2014/main" id="{EA861DCF-1893-6E98-5194-1B3132E3B1BC}"/>
+                </a:ext>
+              </a:extLst>
+            </p:cNvPr>
+            <p:cNvCxnSpPr/>
+            <p:nvPr/>
+          </p:nvCxnSpPr>
+          <p:spPr>
+            <a:xfrm>
+              <a:off x="1905000" y="2953433"/>
+              <a:ext cx="5943600" cy="0"/>
+            </a:xfrm>
+            <a:prstGeom prst="line">
+              <a:avLst/>
+            </a:prstGeom>
+            <a:ln w="38100"/>
+          </p:spPr>
+          <p:style>
+            <a:lnRef idx="1">
+              <a:schemeClr val="dk1"/>
+            </a:lnRef>
+            <a:fillRef idx="0">
+              <a:schemeClr val="dk1"/>
+            </a:fillRef>
+            <a:effectRef idx="0">
+              <a:schemeClr val="dk1"/>
+            </a:effectRef>
+            <a:fontRef idx="minor">
+              <a:schemeClr val="tx1"/>
+            </a:fontRef>
+          </p:style>
+        </p:cxnSp>
+        <p:sp>
+          <p:nvSpPr>
+            <p:cNvPr id="10" name="Triangle isocèle 9">
+              <a:extLst>
+                <a:ext uri="{FF2B5EF4-FFF2-40B4-BE49-F238E27FC236}">
+                  <a16:creationId xmlns:a16="http://schemas.microsoft.com/office/drawing/2014/main" id="{AC8B2787-46B2-2927-6EC9-BAA93B0EB1E4}"/>
+                </a:ext>
+              </a:extLst>
+            </p:cNvPr>
+            <p:cNvSpPr/>
+            <p:nvPr/>
+          </p:nvSpPr>
+          <p:spPr>
+            <a:xfrm>
+              <a:off x="3200400" y="2420034"/>
+              <a:ext cx="381000" cy="533399"/>
+            </a:xfrm>
+            <a:prstGeom prst="triangle">
+              <a:avLst/>
+            </a:prstGeom>
+          </p:spPr>
+          <p:style>
+            <a:lnRef idx="2">
+              <a:schemeClr val="accent1">
+                <a:shade val="15000"/>
+              </a:schemeClr>
+            </a:lnRef>
+            <a:fillRef idx="1">
+              <a:schemeClr val="accent1"/>
+            </a:fillRef>
+            <a:effectRef idx="0">
+              <a:schemeClr val="accent1"/>
+            </a:effectRef>
+            <a:fontRef idx="minor">
+              <a:schemeClr val="lt1"/>
+            </a:fontRef>
+          </p:style>
+          <p:txBody>
+            <a:bodyPr rtlCol="0" anchor="ctr"/>
+            <a:lstStyle/>
+            <a:p>
+              <a:pPr algn="ctr"/>
+              <a:endParaRPr lang="en-US"/>
+            </a:p>
+          </p:txBody>
+        </p:sp>
+        <p:sp>
+          <p:nvSpPr>
+            <p:cNvPr id="11" name="Triangle isocèle 10">
+              <a:extLst>
+                <a:ext uri="{FF2B5EF4-FFF2-40B4-BE49-F238E27FC236}">
+                  <a16:creationId xmlns:a16="http://schemas.microsoft.com/office/drawing/2014/main" id="{A9200820-6B6C-FAC9-AFD6-4A377E825504}"/>
+                </a:ext>
+              </a:extLst>
+            </p:cNvPr>
+            <p:cNvSpPr/>
+            <p:nvPr/>
+          </p:nvSpPr>
+          <p:spPr>
+            <a:xfrm>
+              <a:off x="4648200" y="2648634"/>
+              <a:ext cx="381000" cy="304798"/>
+            </a:xfrm>
+            <a:prstGeom prst="triangle">
+              <a:avLst/>
+            </a:prstGeom>
+          </p:spPr>
+          <p:style>
+            <a:lnRef idx="2">
+              <a:schemeClr val="accent1">
+                <a:shade val="15000"/>
+              </a:schemeClr>
+            </a:lnRef>
+            <a:fillRef idx="1">
+              <a:schemeClr val="accent1"/>
+            </a:fillRef>
+            <a:effectRef idx="0">
+              <a:schemeClr val="accent1"/>
+            </a:effectRef>
+            <a:fontRef idx="minor">
+              <a:schemeClr val="lt1"/>
+            </a:fontRef>
+          </p:style>
+          <p:txBody>
+            <a:bodyPr rtlCol="0" anchor="ctr"/>
+            <a:lstStyle/>
+            <a:p>
+              <a:pPr algn="ctr"/>
+              <a:endParaRPr lang="en-US"/>
+            </a:p>
+          </p:txBody>
+        </p:sp>
+        <p:sp>
+          <p:nvSpPr>
+            <p:cNvPr id="12" name="Triangle isocèle 11">
+              <a:extLst>
+                <a:ext uri="{FF2B5EF4-FFF2-40B4-BE49-F238E27FC236}">
+                  <a16:creationId xmlns:a16="http://schemas.microsoft.com/office/drawing/2014/main" id="{EBD299CC-8489-72A9-A386-81DB6088251D}"/>
+                </a:ext>
+              </a:extLst>
+            </p:cNvPr>
+            <p:cNvSpPr/>
+            <p:nvPr/>
+          </p:nvSpPr>
+          <p:spPr>
+            <a:xfrm>
+              <a:off x="6858000" y="2191435"/>
+              <a:ext cx="381000" cy="761998"/>
+            </a:xfrm>
+            <a:prstGeom prst="triangle">
+              <a:avLst/>
+            </a:prstGeom>
+          </p:spPr>
+          <p:style>
+            <a:lnRef idx="2">
+              <a:schemeClr val="accent1">
+                <a:shade val="15000"/>
+              </a:schemeClr>
+            </a:lnRef>
+            <a:fillRef idx="1">
+              <a:schemeClr val="accent1"/>
+            </a:fillRef>
+            <a:effectRef idx="0">
+              <a:schemeClr val="accent1"/>
+            </a:effectRef>
+            <a:fontRef idx="minor">
+              <a:schemeClr val="lt1"/>
+            </a:fontRef>
+          </p:style>
+          <p:txBody>
+            <a:bodyPr rtlCol="0" anchor="ctr"/>
+            <a:lstStyle/>
+            <a:p>
+              <a:pPr algn="ctr"/>
+              <a:endParaRPr lang="en-US"/>
+            </a:p>
+          </p:txBody>
+        </p:sp>
+        <p:sp>
+          <p:nvSpPr>
+            <p:cNvPr id="13" name="ZoneTexte 12">
+              <a:extLst>
+                <a:ext uri="{FF2B5EF4-FFF2-40B4-BE49-F238E27FC236}">
+                  <a16:creationId xmlns:a16="http://schemas.microsoft.com/office/drawing/2014/main" id="{3E5DBE09-BFD2-968B-165A-E4659D54F34C}"/>
+                </a:ext>
+              </a:extLst>
+            </p:cNvPr>
+            <p:cNvSpPr txBox="1"/>
+            <p:nvPr/>
+          </p:nvSpPr>
+          <p:spPr>
+            <a:xfrm rot="16200000">
+              <a:off x="856567" y="2115234"/>
+              <a:ext cx="1219199" cy="646331"/>
+            </a:xfrm>
+            <a:prstGeom prst="rect">
+              <a:avLst/>
+            </a:prstGeom>
+            <a:noFill/>
+          </p:spPr>
+          <p:txBody>
+            <a:bodyPr wrap="square" rtlCol="0">
+              <a:spAutoFit/>
+            </a:bodyPr>
+            <a:lstStyle/>
+            <a:p>
+              <a:pPr algn="ctr"/>
+              <a:r>
+                <a:rPr lang="fr-FR" dirty="0"/>
+                <a:t>CTCF</a:t>
+              </a:r>
+            </a:p>
+            <a:p>
+              <a:pPr algn="ctr"/>
+              <a:r>
+                <a:rPr lang="fr-FR" dirty="0" err="1"/>
+                <a:t>ChIP-seq</a:t>
+              </a:r>
+              <a:endParaRPr lang="en-US" dirty="0"/>
+            </a:p>
+          </p:txBody>
+        </p:sp>
+        <p:cxnSp>
+          <p:nvCxnSpPr>
+            <p:cNvPr id="15" name="Connecteur droit avec flèche 14">
+              <a:extLst>
+                <a:ext uri="{FF2B5EF4-FFF2-40B4-BE49-F238E27FC236}">
+                  <a16:creationId xmlns:a16="http://schemas.microsoft.com/office/drawing/2014/main" id="{1CD49326-0192-FA4C-B426-3BB15F80BDFB}"/>
+                </a:ext>
+              </a:extLst>
+            </p:cNvPr>
+            <p:cNvCxnSpPr/>
+            <p:nvPr/>
+          </p:nvCxnSpPr>
+          <p:spPr>
+            <a:xfrm flipV="1">
+              <a:off x="1905000" y="1981200"/>
+              <a:ext cx="0" cy="972232"/>
+            </a:xfrm>
+            <a:prstGeom prst="straightConnector1">
+              <a:avLst/>
+            </a:prstGeom>
+            <a:ln w="38100">
+              <a:tailEnd type="triangle"/>
+            </a:ln>
+          </p:spPr>
+          <p:style>
+            <a:lnRef idx="1">
+              <a:schemeClr val="dk1"/>
+            </a:lnRef>
+            <a:fillRef idx="0">
+              <a:schemeClr val="dk1"/>
+            </a:fillRef>
+            <a:effectRef idx="0">
+              <a:schemeClr val="dk1"/>
+            </a:effectRef>
+            <a:fontRef idx="minor">
+              <a:schemeClr val="tx1"/>
+            </a:fontRef>
+          </p:style>
+        </p:cxnSp>
+      </p:grpSp>
+      <p:sp>
+        <p:nvSpPr>
+          <p:cNvPr id="22" name="ZoneTexte 21">
+            <a:extLst>
+              <a:ext uri="{FF2B5EF4-FFF2-40B4-BE49-F238E27FC236}">
+                <a16:creationId xmlns:a16="http://schemas.microsoft.com/office/drawing/2014/main" id="{107A921D-C50E-A9A5-83EB-FDBE95D5E35C}"/>
               </a:ext>
             </a:extLst>
           </p:cNvPr>
@@ -9187,8 +9761,1363 @@
           <p:nvPr/>
         </p:nvSpPr>
         <p:spPr>
+          <a:xfrm rot="16200000">
+            <a:off x="847236" y="3410634"/>
+            <a:ext cx="1219199" cy="646331"/>
+          </a:xfrm>
+          <a:prstGeom prst="rect">
+            <a:avLst/>
+          </a:prstGeom>
+          <a:noFill/>
+        </p:spPr>
+        <p:txBody>
+          <a:bodyPr wrap="square" rtlCol="0">
+            <a:spAutoFit/>
+          </a:bodyPr>
+          <a:lstStyle/>
+          <a:p>
+            <a:pPr algn="ctr"/>
+            <a:r>
+              <a:rPr lang="fr-FR" dirty="0" err="1">
+                <a:solidFill>
+                  <a:srgbClr val="FF0000"/>
+                </a:solidFill>
+              </a:rPr>
+              <a:t>Predicted</a:t>
+            </a:r>
+            <a:r>
+              <a:rPr lang="fr-FR" dirty="0">
+                <a:solidFill>
+                  <a:srgbClr val="FF0000"/>
+                </a:solidFill>
+              </a:rPr>
+              <a:t> </a:t>
+            </a:r>
+          </a:p>
+          <a:p>
+            <a:pPr algn="ctr"/>
+            <a:r>
+              <a:rPr lang="fr-FR" dirty="0" err="1">
+                <a:solidFill>
+                  <a:srgbClr val="FF0000"/>
+                </a:solidFill>
+              </a:rPr>
+              <a:t>peaks</a:t>
+            </a:r>
+            <a:endParaRPr lang="en-US" dirty="0">
+              <a:solidFill>
+                <a:srgbClr val="FF0000"/>
+              </a:solidFill>
+            </a:endParaRPr>
+          </a:p>
+        </p:txBody>
+      </p:sp>
+      <p:cxnSp>
+        <p:nvCxnSpPr>
+          <p:cNvPr id="25" name="Connecteur droit 24">
+            <a:extLst>
+              <a:ext uri="{FF2B5EF4-FFF2-40B4-BE49-F238E27FC236}">
+                <a16:creationId xmlns:a16="http://schemas.microsoft.com/office/drawing/2014/main" id="{CE86F550-A8B2-84D2-67DE-404EB8E9E529}"/>
+              </a:ext>
+            </a:extLst>
+          </p:cNvPr>
+          <p:cNvCxnSpPr/>
+          <p:nvPr/>
+        </p:nvCxnSpPr>
+        <p:spPr>
           <a:xfrm>
-            <a:off x="1066800" y="2743200"/>
+            <a:off x="3200400" y="3962400"/>
+            <a:ext cx="457200" cy="0"/>
+          </a:xfrm>
+          <a:prstGeom prst="line">
+            <a:avLst/>
+          </a:prstGeom>
+          <a:ln w="38100">
+            <a:solidFill>
+              <a:srgbClr val="FF0000"/>
+            </a:solidFill>
+          </a:ln>
+        </p:spPr>
+        <p:style>
+          <a:lnRef idx="1">
+            <a:schemeClr val="dk1"/>
+          </a:lnRef>
+          <a:fillRef idx="0">
+            <a:schemeClr val="dk1"/>
+          </a:fillRef>
+          <a:effectRef idx="0">
+            <a:schemeClr val="dk1"/>
+          </a:effectRef>
+          <a:fontRef idx="minor">
+            <a:schemeClr val="tx1"/>
+          </a:fontRef>
+        </p:style>
+      </p:cxnSp>
+      <p:cxnSp>
+        <p:nvCxnSpPr>
+          <p:cNvPr id="26" name="Connecteur droit 25">
+            <a:extLst>
+              <a:ext uri="{FF2B5EF4-FFF2-40B4-BE49-F238E27FC236}">
+                <a16:creationId xmlns:a16="http://schemas.microsoft.com/office/drawing/2014/main" id="{167F3781-479C-823D-6741-090329F24BE6}"/>
+              </a:ext>
+            </a:extLst>
+          </p:cNvPr>
+          <p:cNvCxnSpPr/>
+          <p:nvPr/>
+        </p:nvCxnSpPr>
+        <p:spPr>
+          <a:xfrm>
+            <a:off x="6858000" y="3962400"/>
+            <a:ext cx="457200" cy="0"/>
+          </a:xfrm>
+          <a:prstGeom prst="line">
+            <a:avLst/>
+          </a:prstGeom>
+          <a:ln w="38100">
+            <a:solidFill>
+              <a:srgbClr val="FF0000"/>
+            </a:solidFill>
+          </a:ln>
+        </p:spPr>
+        <p:style>
+          <a:lnRef idx="1">
+            <a:schemeClr val="dk1"/>
+          </a:lnRef>
+          <a:fillRef idx="0">
+            <a:schemeClr val="dk1"/>
+          </a:fillRef>
+          <a:effectRef idx="0">
+            <a:schemeClr val="dk1"/>
+          </a:effectRef>
+          <a:fontRef idx="minor">
+            <a:schemeClr val="tx1"/>
+          </a:fontRef>
+        </p:style>
+      </p:cxnSp>
+      <p:sp>
+        <p:nvSpPr>
+          <p:cNvPr id="27" name="ZoneTexte 26">
+            <a:extLst>
+              <a:ext uri="{FF2B5EF4-FFF2-40B4-BE49-F238E27FC236}">
+                <a16:creationId xmlns:a16="http://schemas.microsoft.com/office/drawing/2014/main" id="{86EDF1EE-A7C6-9C6E-BAD3-B8F8D77AAD0C}"/>
+              </a:ext>
+            </a:extLst>
+          </p:cNvPr>
+          <p:cNvSpPr txBox="1"/>
+          <p:nvPr/>
+        </p:nvSpPr>
+        <p:spPr>
+          <a:xfrm>
+            <a:off x="3733800" y="1828800"/>
+            <a:ext cx="1828800" cy="338554"/>
+          </a:xfrm>
+          <a:prstGeom prst="rect">
+            <a:avLst/>
+          </a:prstGeom>
+          <a:noFill/>
+        </p:spPr>
+        <p:txBody>
+          <a:bodyPr wrap="square" rtlCol="0">
+            <a:spAutoFit/>
+          </a:bodyPr>
+          <a:lstStyle/>
+          <a:p>
+            <a:pPr algn="ctr"/>
+            <a:r>
+              <a:rPr lang="fr-FR" sz="1600" dirty="0"/>
+              <a:t>Chromosome</a:t>
+            </a:r>
+            <a:endParaRPr lang="en-US" sz="1600" dirty="0"/>
+          </a:p>
+        </p:txBody>
+      </p:sp>
+    </p:spTree>
+    <p:extLst>
+      <p:ext uri="{BB962C8B-B14F-4D97-AF65-F5344CB8AC3E}">
+        <p14:creationId xmlns:p14="http://schemas.microsoft.com/office/powerpoint/2010/main" val="2566660644"/>
+      </p:ext>
+    </p:extLst>
+  </p:cSld>
+  <p:clrMapOvr>
+    <a:masterClrMapping/>
+  </p:clrMapOvr>
+</p:sld>
+</file>
+
+<file path=ppt/slides/slide29.xml><?xml version="1.0" encoding="utf-8"?>
+<p:sld xmlns:a="http://schemas.openxmlformats.org/drawingml/2006/main" xmlns:r="http://schemas.openxmlformats.org/officeDocument/2006/relationships" xmlns:p="http://schemas.openxmlformats.org/presentationml/2006/main">
+  <p:cSld>
+    <p:spTree>
+      <p:nvGrpSpPr>
+        <p:cNvPr id="1" name=""/>
+        <p:cNvGrpSpPr/>
+        <p:nvPr/>
+      </p:nvGrpSpPr>
+      <p:grpSpPr>
+        <a:xfrm>
+          <a:off x="0" y="0"/>
+          <a:ext cx="0" cy="0"/>
+          <a:chOff x="0" y="0"/>
+          <a:chExt cx="0" cy="0"/>
+        </a:xfrm>
+      </p:grpSpPr>
+      <p:sp>
+        <p:nvSpPr>
+          <p:cNvPr id="2" name="Titre 1">
+            <a:extLst>
+              <a:ext uri="{FF2B5EF4-FFF2-40B4-BE49-F238E27FC236}">
+                <a16:creationId xmlns:a16="http://schemas.microsoft.com/office/drawing/2014/main" id="{C6EE5D3D-54A0-C6D7-741D-5E1D5045C4A4}"/>
+              </a:ext>
+            </a:extLst>
+          </p:cNvPr>
+          <p:cNvSpPr>
+            <a:spLocks noGrp="1"/>
+          </p:cNvSpPr>
+          <p:nvPr>
+            <p:ph type="title"/>
+          </p:nvPr>
+        </p:nvSpPr>
+        <p:spPr/>
+        <p:txBody>
+          <a:bodyPr/>
+          <a:lstStyle/>
+          <a:p>
+            <a:r>
+              <a:rPr lang="fr-FR" dirty="0"/>
+              <a:t>2) </a:t>
+            </a:r>
+            <a:r>
+              <a:rPr lang="fr-FR" dirty="0" err="1"/>
+              <a:t>Assessing</a:t>
+            </a:r>
+            <a:r>
+              <a:rPr lang="fr-FR" dirty="0"/>
+              <a:t> the impact of a SNP</a:t>
+            </a:r>
+            <a:endParaRPr lang="en-US" dirty="0"/>
+          </a:p>
+        </p:txBody>
+      </p:sp>
+      <p:pic>
+        <p:nvPicPr>
+          <p:cNvPr id="5" name="Espace réservé du contenu 4">
+            <a:extLst>
+              <a:ext uri="{FF2B5EF4-FFF2-40B4-BE49-F238E27FC236}">
+                <a16:creationId xmlns:a16="http://schemas.microsoft.com/office/drawing/2014/main" id="{7E210FB8-D05A-07CB-3A09-8B1DF02A859B}"/>
+              </a:ext>
+            </a:extLst>
+          </p:cNvPr>
+          <p:cNvPicPr>
+            <a:picLocks noGrp="1" noChangeAspect="1"/>
+          </p:cNvPicPr>
+          <p:nvPr>
+            <p:ph idx="1"/>
+          </p:nvPr>
+        </p:nvPicPr>
+        <p:blipFill>
+          <a:blip r:embed="rId2">
+            <a:extLst>
+              <a:ext uri="{28A0092B-C50C-407E-A947-70E740481C1C}">
+                <a14:useLocalDpi xmlns:a14="http://schemas.microsoft.com/office/drawing/2010/main" val="0"/>
+              </a:ext>
+            </a:extLst>
+          </a:blip>
+          <a:stretch>
+            <a:fillRect/>
+          </a:stretch>
+        </p:blipFill>
+        <p:spPr>
+          <a:xfrm>
+            <a:off x="1371600" y="1541106"/>
+            <a:ext cx="6400800" cy="2133600"/>
+          </a:xfrm>
+        </p:spPr>
+      </p:pic>
+      <p:sp>
+        <p:nvSpPr>
+          <p:cNvPr id="6" name="Espace réservé du contenu 2">
+            <a:extLst>
+              <a:ext uri="{FF2B5EF4-FFF2-40B4-BE49-F238E27FC236}">
+                <a16:creationId xmlns:a16="http://schemas.microsoft.com/office/drawing/2014/main" id="{A2445F1D-88DC-3D12-FA33-29A690FCEAD5}"/>
+              </a:ext>
+            </a:extLst>
+          </p:cNvPr>
+          <p:cNvSpPr txBox="1">
+            <a:spLocks/>
+          </p:cNvSpPr>
+          <p:nvPr/>
+        </p:nvSpPr>
+        <p:spPr>
+          <a:xfrm>
+            <a:off x="457200" y="3886200"/>
+            <a:ext cx="8229600" cy="2590800"/>
+          </a:xfrm>
+          <a:prstGeom prst="rect">
+            <a:avLst/>
+          </a:prstGeom>
+        </p:spPr>
+        <p:txBody>
+          <a:bodyPr vert="horz" lIns="91440" tIns="45720" rIns="91440" bIns="45720" rtlCol="0">
+            <a:normAutofit/>
+          </a:bodyPr>
+          <a:lstStyle>
+            <a:lvl1pPr marL="182880" indent="-182880" algn="l" defTabSz="914400" rtl="0" eaLnBrk="1" latinLnBrk="0" hangingPunct="1">
+              <a:spcBef>
+                <a:spcPct val="20000"/>
+              </a:spcBef>
+              <a:buClr>
+                <a:schemeClr val="accent1"/>
+              </a:buClr>
+              <a:buSzPct val="85000"/>
+              <a:buFont typeface="Arial" pitchFamily="34" charset="0"/>
+              <a:buChar char="•"/>
+              <a:defRPr sz="2400" kern="1200">
+                <a:solidFill>
+                  <a:schemeClr val="tx1"/>
+                </a:solidFill>
+                <a:latin typeface="+mn-lt"/>
+                <a:ea typeface="+mn-ea"/>
+                <a:cs typeface="+mn-cs"/>
+              </a:defRPr>
+            </a:lvl1pPr>
+            <a:lvl2pPr marL="457200" indent="-182880" algn="l" defTabSz="914400" rtl="0" eaLnBrk="1" latinLnBrk="0" hangingPunct="1">
+              <a:spcBef>
+                <a:spcPct val="20000"/>
+              </a:spcBef>
+              <a:buClr>
+                <a:schemeClr val="accent1"/>
+              </a:buClr>
+              <a:buSzPct val="85000"/>
+              <a:buFont typeface="Arial" pitchFamily="34" charset="0"/>
+              <a:buChar char="•"/>
+              <a:defRPr sz="2000" kern="1200">
+                <a:solidFill>
+                  <a:schemeClr val="tx1"/>
+                </a:solidFill>
+                <a:latin typeface="+mn-lt"/>
+                <a:ea typeface="+mn-ea"/>
+                <a:cs typeface="+mn-cs"/>
+              </a:defRPr>
+            </a:lvl2pPr>
+            <a:lvl3pPr marL="731520" indent="-182880" algn="l" defTabSz="914400" rtl="0" eaLnBrk="1" latinLnBrk="0" hangingPunct="1">
+              <a:spcBef>
+                <a:spcPct val="20000"/>
+              </a:spcBef>
+              <a:buClr>
+                <a:schemeClr val="accent1"/>
+              </a:buClr>
+              <a:buSzPct val="90000"/>
+              <a:buFont typeface="Arial" pitchFamily="34" charset="0"/>
+              <a:buChar char="•"/>
+              <a:defRPr sz="1800" kern="1200">
+                <a:solidFill>
+                  <a:schemeClr val="tx1"/>
+                </a:solidFill>
+                <a:latin typeface="+mn-lt"/>
+                <a:ea typeface="+mn-ea"/>
+                <a:cs typeface="+mn-cs"/>
+              </a:defRPr>
+            </a:lvl3pPr>
+            <a:lvl4pPr marL="1005840" indent="-182880" algn="l" defTabSz="914400" rtl="0" eaLnBrk="1" latinLnBrk="0" hangingPunct="1">
+              <a:spcBef>
+                <a:spcPct val="20000"/>
+              </a:spcBef>
+              <a:buClr>
+                <a:schemeClr val="accent1"/>
+              </a:buClr>
+              <a:buFont typeface="Arial" pitchFamily="34" charset="0"/>
+              <a:buChar char="•"/>
+              <a:defRPr sz="1600" kern="1200">
+                <a:solidFill>
+                  <a:schemeClr val="tx1"/>
+                </a:solidFill>
+                <a:latin typeface="+mn-lt"/>
+                <a:ea typeface="+mn-ea"/>
+                <a:cs typeface="+mn-cs"/>
+              </a:defRPr>
+            </a:lvl4pPr>
+            <a:lvl5pPr marL="1188720" indent="-137160" algn="l" defTabSz="914400" rtl="0" eaLnBrk="1" latinLnBrk="0" hangingPunct="1">
+              <a:spcBef>
+                <a:spcPct val="20000"/>
+              </a:spcBef>
+              <a:buClr>
+                <a:schemeClr val="accent1"/>
+              </a:buClr>
+              <a:buSzPct val="100000"/>
+              <a:buFont typeface="Arial" pitchFamily="34" charset="0"/>
+              <a:buChar char="•"/>
+              <a:defRPr sz="1400" kern="1200" baseline="0">
+                <a:solidFill>
+                  <a:schemeClr val="tx1"/>
+                </a:solidFill>
+                <a:latin typeface="+mn-lt"/>
+                <a:ea typeface="+mn-ea"/>
+                <a:cs typeface="+mn-cs"/>
+              </a:defRPr>
+            </a:lvl5pPr>
+            <a:lvl6pPr marL="1371600" indent="-182880" algn="l" defTabSz="914400" rtl="0" eaLnBrk="1" latinLnBrk="0" hangingPunct="1">
+              <a:spcBef>
+                <a:spcPct val="20000"/>
+              </a:spcBef>
+              <a:buClr>
+                <a:schemeClr val="accent1"/>
+              </a:buClr>
+              <a:buFont typeface="Arial" pitchFamily="34" charset="0"/>
+              <a:buChar char="•"/>
+              <a:defRPr sz="1300" kern="1200">
+                <a:solidFill>
+                  <a:schemeClr val="tx1"/>
+                </a:solidFill>
+                <a:latin typeface="+mn-lt"/>
+                <a:ea typeface="+mn-ea"/>
+                <a:cs typeface="+mn-cs"/>
+              </a:defRPr>
+            </a:lvl6pPr>
+            <a:lvl7pPr marL="1554480" indent="-182880" algn="l" defTabSz="914400" rtl="0" eaLnBrk="1" latinLnBrk="0" hangingPunct="1">
+              <a:spcBef>
+                <a:spcPct val="20000"/>
+              </a:spcBef>
+              <a:buClr>
+                <a:schemeClr val="accent1"/>
+              </a:buClr>
+              <a:buFont typeface="Arial" pitchFamily="34" charset="0"/>
+              <a:buChar char="•"/>
+              <a:defRPr sz="1300" kern="1200">
+                <a:solidFill>
+                  <a:schemeClr val="tx1"/>
+                </a:solidFill>
+                <a:latin typeface="+mn-lt"/>
+                <a:ea typeface="+mn-ea"/>
+                <a:cs typeface="+mn-cs"/>
+              </a:defRPr>
+            </a:lvl7pPr>
+            <a:lvl8pPr marL="1737360" indent="-182880" algn="l" defTabSz="914400" rtl="0" eaLnBrk="1" latinLnBrk="0" hangingPunct="1">
+              <a:spcBef>
+                <a:spcPct val="20000"/>
+              </a:spcBef>
+              <a:buClr>
+                <a:schemeClr val="accent1"/>
+              </a:buClr>
+              <a:buFont typeface="Arial" pitchFamily="34" charset="0"/>
+              <a:buChar char="•"/>
+              <a:defRPr sz="1300" kern="1200">
+                <a:solidFill>
+                  <a:schemeClr val="tx1"/>
+                </a:solidFill>
+                <a:latin typeface="+mn-lt"/>
+                <a:ea typeface="+mn-ea"/>
+                <a:cs typeface="+mn-cs"/>
+              </a:defRPr>
+            </a:lvl8pPr>
+            <a:lvl9pPr marL="1920240" indent="-182880" algn="l" defTabSz="914400" rtl="0" eaLnBrk="1" latinLnBrk="0" hangingPunct="1">
+              <a:spcBef>
+                <a:spcPct val="20000"/>
+              </a:spcBef>
+              <a:buClr>
+                <a:schemeClr val="accent1"/>
+              </a:buClr>
+              <a:buFont typeface="Arial" pitchFamily="34" charset="0"/>
+              <a:buChar char="•"/>
+              <a:defRPr sz="1300" kern="1200">
+                <a:solidFill>
+                  <a:schemeClr val="tx1"/>
+                </a:solidFill>
+                <a:latin typeface="+mn-lt"/>
+                <a:ea typeface="+mn-ea"/>
+                <a:cs typeface="+mn-cs"/>
+              </a:defRPr>
+            </a:lvl9pPr>
+          </a:lstStyle>
+          <a:p>
+            <a:r>
+              <a:rPr lang="fr-FR" dirty="0"/>
+              <a:t>The LLM </a:t>
+            </a:r>
+            <a:r>
+              <a:rPr lang="fr-FR" dirty="0" err="1"/>
+              <a:t>is</a:t>
+            </a:r>
+            <a:r>
+              <a:rPr lang="fr-FR" dirty="0"/>
+              <a:t> a </a:t>
+            </a:r>
+            <a:r>
+              <a:rPr lang="fr-FR" dirty="0" err="1"/>
+              <a:t>way</a:t>
+            </a:r>
+            <a:r>
+              <a:rPr lang="fr-FR" dirty="0"/>
+              <a:t> to </a:t>
+            </a:r>
+            <a:r>
+              <a:rPr lang="fr-FR" dirty="0" err="1"/>
+              <a:t>convert</a:t>
+            </a:r>
+            <a:r>
+              <a:rPr lang="fr-FR" dirty="0"/>
+              <a:t> a DNA </a:t>
+            </a:r>
+            <a:r>
+              <a:rPr lang="fr-FR" dirty="0" err="1"/>
+              <a:t>sequence</a:t>
+            </a:r>
+            <a:r>
+              <a:rPr lang="fr-FR" dirty="0"/>
+              <a:t> </a:t>
+            </a:r>
+            <a:r>
+              <a:rPr lang="fr-FR" dirty="0" err="1"/>
+              <a:t>into</a:t>
+            </a:r>
+            <a:r>
+              <a:rPr lang="fr-FR" dirty="0"/>
+              <a:t> a </a:t>
+            </a:r>
+            <a:r>
+              <a:rPr lang="fr-FR" dirty="0" err="1"/>
+              <a:t>vector</a:t>
+            </a:r>
+            <a:r>
+              <a:rPr lang="fr-FR" dirty="0"/>
+              <a:t> of </a:t>
+            </a:r>
+            <a:r>
+              <a:rPr lang="fr-FR" dirty="0" err="1"/>
+              <a:t>numbers</a:t>
+            </a:r>
+            <a:r>
+              <a:rPr lang="fr-FR" dirty="0"/>
+              <a:t> (an </a:t>
+            </a:r>
+            <a:r>
+              <a:rPr lang="fr-FR" dirty="0" err="1"/>
+              <a:t>embedding</a:t>
+            </a:r>
+            <a:r>
+              <a:rPr lang="fr-FR" dirty="0"/>
+              <a:t>). </a:t>
+            </a:r>
+          </a:p>
+          <a:p>
+            <a:endParaRPr lang="fr-FR" dirty="0"/>
+          </a:p>
+          <a:p>
+            <a:r>
+              <a:rPr lang="fr-FR" dirty="0" err="1"/>
+              <a:t>We</a:t>
+            </a:r>
+            <a:r>
+              <a:rPr lang="fr-FR" dirty="0"/>
+              <a:t> can assume </a:t>
+            </a:r>
+            <a:r>
+              <a:rPr lang="fr-FR" dirty="0" err="1"/>
+              <a:t>that</a:t>
+            </a:r>
+            <a:r>
+              <a:rPr lang="fr-FR" dirty="0"/>
+              <a:t> if </a:t>
+            </a:r>
+            <a:r>
+              <a:rPr lang="fr-FR" dirty="0" err="1"/>
+              <a:t>two</a:t>
+            </a:r>
+            <a:r>
+              <a:rPr lang="fr-FR" dirty="0"/>
+              <a:t> </a:t>
+            </a:r>
+            <a:r>
+              <a:rPr lang="fr-FR" dirty="0" err="1"/>
+              <a:t>sequences</a:t>
+            </a:r>
+            <a:r>
+              <a:rPr lang="fr-FR" dirty="0"/>
+              <a:t> are </a:t>
+            </a:r>
+            <a:r>
+              <a:rPr lang="fr-FR" dirty="0" err="1"/>
+              <a:t>functionally</a:t>
+            </a:r>
+            <a:r>
+              <a:rPr lang="fr-FR" dirty="0"/>
+              <a:t> </a:t>
+            </a:r>
+            <a:r>
+              <a:rPr lang="fr-FR" dirty="0" err="1"/>
+              <a:t>different</a:t>
+            </a:r>
+            <a:r>
+              <a:rPr lang="fr-FR" dirty="0"/>
+              <a:t>, </a:t>
+            </a:r>
+            <a:r>
+              <a:rPr lang="fr-FR" dirty="0" err="1"/>
+              <a:t>they</a:t>
+            </a:r>
+            <a:r>
+              <a:rPr lang="fr-FR" dirty="0"/>
+              <a:t> </a:t>
+            </a:r>
+            <a:r>
+              <a:rPr lang="fr-FR" dirty="0" err="1"/>
+              <a:t>should</a:t>
+            </a:r>
+            <a:r>
+              <a:rPr lang="fr-FR" dirty="0"/>
+              <a:t> have </a:t>
+            </a:r>
+            <a:r>
+              <a:rPr lang="fr-FR" dirty="0" err="1"/>
+              <a:t>different</a:t>
+            </a:r>
+            <a:r>
+              <a:rPr lang="fr-FR" dirty="0"/>
+              <a:t> </a:t>
+            </a:r>
+            <a:r>
+              <a:rPr lang="fr-FR" dirty="0" err="1"/>
+              <a:t>embeddings</a:t>
+            </a:r>
+            <a:r>
+              <a:rPr lang="fr-FR" dirty="0"/>
+              <a:t>.</a:t>
+            </a:r>
+          </a:p>
+          <a:p>
+            <a:pPr lvl="1"/>
+            <a:endParaRPr lang="en-US" dirty="0"/>
+          </a:p>
+          <a:p>
+            <a:pPr lvl="1"/>
+            <a:endParaRPr lang="en-US" dirty="0"/>
+          </a:p>
+        </p:txBody>
+      </p:sp>
+    </p:spTree>
+    <p:extLst>
+      <p:ext uri="{BB962C8B-B14F-4D97-AF65-F5344CB8AC3E}">
+        <p14:creationId xmlns:p14="http://schemas.microsoft.com/office/powerpoint/2010/main" val="1288994380"/>
+      </p:ext>
+    </p:extLst>
+  </p:cSld>
+  <p:clrMapOvr>
+    <a:masterClrMapping/>
+  </p:clrMapOvr>
+</p:sld>
+</file>
+
+<file path=ppt/slides/slide3.xml><?xml version="1.0" encoding="utf-8"?>
+<p:sld xmlns:a="http://schemas.openxmlformats.org/drawingml/2006/main" xmlns:r="http://schemas.openxmlformats.org/officeDocument/2006/relationships" xmlns:p="http://schemas.openxmlformats.org/presentationml/2006/main">
+  <p:cSld>
+    <p:spTree>
+      <p:nvGrpSpPr>
+        <p:cNvPr id="1" name=""/>
+        <p:cNvGrpSpPr/>
+        <p:nvPr/>
+      </p:nvGrpSpPr>
+      <p:grpSpPr>
+        <a:xfrm>
+          <a:off x="0" y="0"/>
+          <a:ext cx="0" cy="0"/>
+          <a:chOff x="0" y="0"/>
+          <a:chExt cx="0" cy="0"/>
+        </a:xfrm>
+      </p:grpSpPr>
+      <p:sp>
+        <p:nvSpPr>
+          <p:cNvPr id="2" name="Titre 1">
+            <a:extLst>
+              <a:ext uri="{FF2B5EF4-FFF2-40B4-BE49-F238E27FC236}">
+                <a16:creationId xmlns:a16="http://schemas.microsoft.com/office/drawing/2014/main" id="{CB408BB5-3DB9-46FF-AFE9-1725FB975D46}"/>
+              </a:ext>
+            </a:extLst>
+          </p:cNvPr>
+          <p:cNvSpPr>
+            <a:spLocks noGrp="1"/>
+          </p:cNvSpPr>
+          <p:nvPr>
+            <p:ph type="title"/>
+          </p:nvPr>
+        </p:nvSpPr>
+        <p:spPr/>
+        <p:txBody>
+          <a:bodyPr/>
+          <a:lstStyle/>
+          <a:p>
+            <a:r>
+              <a:rPr lang="fr-FR" dirty="0" err="1"/>
+              <a:t>Deep</a:t>
+            </a:r>
+            <a:r>
+              <a:rPr lang="fr-FR" dirty="0"/>
+              <a:t> </a:t>
+            </a:r>
+            <a:r>
+              <a:rPr lang="fr-FR" dirty="0" err="1"/>
+              <a:t>learning</a:t>
+            </a:r>
+            <a:r>
+              <a:rPr lang="fr-FR" dirty="0"/>
+              <a:t> as a </a:t>
+            </a:r>
+            <a:r>
+              <a:rPr lang="fr-FR" dirty="0" err="1"/>
+              <a:t>branch</a:t>
+            </a:r>
+            <a:r>
+              <a:rPr lang="fr-FR" dirty="0"/>
+              <a:t> of AI</a:t>
+            </a:r>
+            <a:endParaRPr lang="en-US" dirty="0"/>
+          </a:p>
+        </p:txBody>
+      </p:sp>
+      <p:pic>
+        <p:nvPicPr>
+          <p:cNvPr id="5" name="Espace réservé du contenu 4">
+            <a:extLst>
+              <a:ext uri="{FF2B5EF4-FFF2-40B4-BE49-F238E27FC236}">
+                <a16:creationId xmlns:a16="http://schemas.microsoft.com/office/drawing/2014/main" id="{33074E2E-225D-4BD0-BAB4-766BEAAFBBE0}"/>
+              </a:ext>
+            </a:extLst>
+          </p:cNvPr>
+          <p:cNvPicPr>
+            <a:picLocks noGrp="1" noChangeAspect="1"/>
+          </p:cNvPicPr>
+          <p:nvPr>
+            <p:ph idx="1"/>
+          </p:nvPr>
+        </p:nvPicPr>
+        <p:blipFill>
+          <a:blip r:embed="rId2">
+            <a:extLst>
+              <a:ext uri="{28A0092B-C50C-407E-A947-70E740481C1C}">
+                <a14:useLocalDpi xmlns:a14="http://schemas.microsoft.com/office/drawing/2010/main" val="0"/>
+              </a:ext>
+            </a:extLst>
+          </a:blip>
+          <a:stretch>
+            <a:fillRect/>
+          </a:stretch>
+        </p:blipFill>
+        <p:spPr>
+          <a:xfrm>
+            <a:off x="1259309" y="1828800"/>
+            <a:ext cx="6625382" cy="4343400"/>
+          </a:xfrm>
+        </p:spPr>
+      </p:pic>
+    </p:spTree>
+    <p:extLst>
+      <p:ext uri="{BB962C8B-B14F-4D97-AF65-F5344CB8AC3E}">
+        <p14:creationId xmlns:p14="http://schemas.microsoft.com/office/powerpoint/2010/main" val="1363182354"/>
+      </p:ext>
+    </p:extLst>
+  </p:cSld>
+  <p:clrMapOvr>
+    <a:masterClrMapping/>
+  </p:clrMapOvr>
+</p:sld>
+</file>
+
+<file path=ppt/slides/slide30.xml><?xml version="1.0" encoding="utf-8"?>
+<p:sld xmlns:a="http://schemas.openxmlformats.org/drawingml/2006/main" xmlns:r="http://schemas.openxmlformats.org/officeDocument/2006/relationships" xmlns:p="http://schemas.openxmlformats.org/presentationml/2006/main">
+  <p:cSld>
+    <p:spTree>
+      <p:nvGrpSpPr>
+        <p:cNvPr id="1" name=""/>
+        <p:cNvGrpSpPr/>
+        <p:nvPr/>
+      </p:nvGrpSpPr>
+      <p:grpSpPr>
+        <a:xfrm>
+          <a:off x="0" y="0"/>
+          <a:ext cx="0" cy="0"/>
+          <a:chOff x="0" y="0"/>
+          <a:chExt cx="0" cy="0"/>
+        </a:xfrm>
+      </p:grpSpPr>
+      <p:sp>
+        <p:nvSpPr>
+          <p:cNvPr id="2" name="Titre 1">
+            <a:extLst>
+              <a:ext uri="{FF2B5EF4-FFF2-40B4-BE49-F238E27FC236}">
+                <a16:creationId xmlns:a16="http://schemas.microsoft.com/office/drawing/2014/main" id="{5EB65F60-DDC6-6968-7765-E648F6BD88FE}"/>
+              </a:ext>
+            </a:extLst>
+          </p:cNvPr>
+          <p:cNvSpPr>
+            <a:spLocks noGrp="1"/>
+          </p:cNvSpPr>
+          <p:nvPr>
+            <p:ph type="title"/>
+          </p:nvPr>
+        </p:nvSpPr>
+        <p:spPr/>
+        <p:txBody>
+          <a:bodyPr/>
+          <a:lstStyle/>
+          <a:p>
+            <a:r>
+              <a:rPr lang="fr-FR" dirty="0"/>
+              <a:t>2) </a:t>
+            </a:r>
+            <a:r>
+              <a:rPr lang="fr-FR" dirty="0" err="1"/>
+              <a:t>Assessing</a:t>
+            </a:r>
+            <a:r>
+              <a:rPr lang="fr-FR" dirty="0"/>
+              <a:t> the impact of a SNP</a:t>
+            </a:r>
+            <a:endParaRPr lang="en-US" dirty="0"/>
+          </a:p>
+        </p:txBody>
+      </p:sp>
+      <p:sp>
+        <p:nvSpPr>
+          <p:cNvPr id="3" name="Espace réservé du contenu 2">
+            <a:extLst>
+              <a:ext uri="{FF2B5EF4-FFF2-40B4-BE49-F238E27FC236}">
+                <a16:creationId xmlns:a16="http://schemas.microsoft.com/office/drawing/2014/main" id="{DF0ED7C4-BA94-6ECA-903A-3ADA0F5B7DCB}"/>
+              </a:ext>
+            </a:extLst>
+          </p:cNvPr>
+          <p:cNvSpPr>
+            <a:spLocks noGrp="1"/>
+          </p:cNvSpPr>
+          <p:nvPr>
+            <p:ph idx="1"/>
+          </p:nvPr>
+        </p:nvSpPr>
+        <p:spPr/>
+        <p:txBody>
+          <a:bodyPr/>
+          <a:lstStyle/>
+          <a:p>
+            <a:r>
+              <a:rPr lang="fr-FR" dirty="0" err="1"/>
+              <a:t>Easy</a:t>
+            </a:r>
+            <a:r>
+              <a:rPr lang="fr-FR" dirty="0"/>
+              <a:t> </a:t>
+            </a:r>
+            <a:r>
+              <a:rPr lang="fr-FR" dirty="0" err="1"/>
+              <a:t>way</a:t>
+            </a:r>
+            <a:r>
+              <a:rPr lang="fr-FR" dirty="0"/>
+              <a:t> to </a:t>
+            </a:r>
+            <a:r>
+              <a:rPr lang="fr-FR" dirty="0" err="1"/>
+              <a:t>assess</a:t>
+            </a:r>
+            <a:r>
+              <a:rPr lang="fr-FR" dirty="0"/>
+              <a:t> the impact of a SNP:</a:t>
+            </a:r>
+          </a:p>
+          <a:p>
+            <a:pPr lvl="1"/>
+            <a:r>
+              <a:rPr lang="fr-FR" dirty="0" err="1"/>
+              <a:t>Predict</a:t>
+            </a:r>
+            <a:r>
+              <a:rPr lang="fr-FR" dirty="0"/>
+              <a:t> the </a:t>
+            </a:r>
+            <a:r>
+              <a:rPr lang="fr-FR" dirty="0" err="1"/>
+              <a:t>embedding</a:t>
+            </a:r>
+            <a:r>
+              <a:rPr lang="fr-FR" dirty="0"/>
+              <a:t> for a </a:t>
+            </a:r>
+            <a:r>
+              <a:rPr lang="fr-FR" dirty="0" err="1"/>
+              <a:t>sequence</a:t>
+            </a:r>
+            <a:r>
+              <a:rPr lang="fr-FR" dirty="0"/>
+              <a:t> </a:t>
+            </a:r>
+            <a:r>
+              <a:rPr lang="fr-FR" dirty="0" err="1"/>
+              <a:t>with</a:t>
+            </a:r>
+            <a:r>
+              <a:rPr lang="fr-FR" dirty="0"/>
+              <a:t> the </a:t>
+            </a:r>
+            <a:r>
+              <a:rPr lang="fr-FR" dirty="0" err="1"/>
+              <a:t>reference</a:t>
+            </a:r>
+            <a:r>
+              <a:rPr lang="fr-FR" dirty="0"/>
+              <a:t> </a:t>
+            </a:r>
+            <a:r>
+              <a:rPr lang="fr-FR" dirty="0" err="1"/>
+              <a:t>allele</a:t>
+            </a:r>
+            <a:r>
+              <a:rPr lang="fr-FR" dirty="0"/>
+              <a:t> </a:t>
+            </a:r>
+            <a:r>
+              <a:rPr lang="fr-FR" b="1" dirty="0">
+                <a:solidFill>
+                  <a:srgbClr val="FF0000"/>
+                </a:solidFill>
+              </a:rPr>
+              <a:t>C</a:t>
+            </a:r>
+            <a:r>
+              <a:rPr lang="fr-FR" dirty="0"/>
+              <a:t>:</a:t>
+            </a:r>
+          </a:p>
+          <a:p>
+            <a:pPr lvl="2"/>
+            <a:r>
+              <a:rPr lang="fr-FR" dirty="0"/>
+              <a:t>ATGTAGTGGGTACC</a:t>
+            </a:r>
+            <a:r>
+              <a:rPr lang="fr-FR" b="1" dirty="0">
+                <a:solidFill>
+                  <a:srgbClr val="FF0000"/>
+                </a:solidFill>
+              </a:rPr>
+              <a:t>C</a:t>
+            </a:r>
+            <a:r>
+              <a:rPr lang="fr-FR" dirty="0"/>
+              <a:t>TGTGTAGAAGCCA</a:t>
+            </a:r>
+          </a:p>
+          <a:p>
+            <a:pPr lvl="1"/>
+            <a:endParaRPr lang="fr-FR" dirty="0"/>
+          </a:p>
+          <a:p>
+            <a:pPr lvl="1"/>
+            <a:r>
+              <a:rPr lang="fr-FR" dirty="0" err="1"/>
+              <a:t>Predict</a:t>
+            </a:r>
+            <a:r>
+              <a:rPr lang="fr-FR" dirty="0"/>
+              <a:t> the </a:t>
+            </a:r>
+            <a:r>
+              <a:rPr lang="fr-FR" dirty="0" err="1"/>
+              <a:t>embedding</a:t>
+            </a:r>
+            <a:r>
+              <a:rPr lang="fr-FR" dirty="0"/>
+              <a:t> for a </a:t>
+            </a:r>
+            <a:r>
+              <a:rPr lang="fr-FR" dirty="0" err="1"/>
+              <a:t>sequence</a:t>
+            </a:r>
+            <a:r>
+              <a:rPr lang="fr-FR" dirty="0"/>
+              <a:t> </a:t>
+            </a:r>
+            <a:r>
+              <a:rPr lang="fr-FR" dirty="0" err="1"/>
+              <a:t>with</a:t>
+            </a:r>
+            <a:r>
+              <a:rPr lang="fr-FR" dirty="0"/>
+              <a:t> the </a:t>
+            </a:r>
+            <a:r>
+              <a:rPr lang="fr-FR" dirty="0" err="1"/>
+              <a:t>reference</a:t>
+            </a:r>
+            <a:r>
+              <a:rPr lang="fr-FR" dirty="0"/>
+              <a:t> </a:t>
+            </a:r>
+            <a:r>
+              <a:rPr lang="fr-FR" dirty="0" err="1"/>
+              <a:t>allele</a:t>
+            </a:r>
+            <a:r>
+              <a:rPr lang="fr-FR" dirty="0"/>
+              <a:t> </a:t>
+            </a:r>
+            <a:r>
+              <a:rPr lang="fr-FR" b="1" dirty="0">
+                <a:solidFill>
+                  <a:srgbClr val="0070C0"/>
+                </a:solidFill>
+              </a:rPr>
+              <a:t>T</a:t>
+            </a:r>
+            <a:r>
+              <a:rPr lang="fr-FR" dirty="0"/>
+              <a:t>:</a:t>
+            </a:r>
+          </a:p>
+          <a:p>
+            <a:pPr lvl="2"/>
+            <a:r>
+              <a:rPr lang="fr-FR" dirty="0"/>
+              <a:t>ATGTAGTGGGTACC</a:t>
+            </a:r>
+            <a:r>
+              <a:rPr lang="fr-FR" b="1" dirty="0">
+                <a:solidFill>
+                  <a:srgbClr val="0070C0"/>
+                </a:solidFill>
+              </a:rPr>
+              <a:t>T</a:t>
+            </a:r>
+            <a:r>
+              <a:rPr lang="fr-FR" dirty="0"/>
+              <a:t>TGTGTAGAAGCCA</a:t>
+            </a:r>
+          </a:p>
+          <a:p>
+            <a:pPr lvl="1"/>
+            <a:endParaRPr lang="en-US" dirty="0"/>
+          </a:p>
+          <a:p>
+            <a:pPr lvl="1"/>
+            <a:endParaRPr lang="en-US" dirty="0"/>
+          </a:p>
+        </p:txBody>
+      </p:sp>
+      <p:pic>
+        <p:nvPicPr>
+          <p:cNvPr id="5" name="Image 4">
+            <a:extLst>
+              <a:ext uri="{FF2B5EF4-FFF2-40B4-BE49-F238E27FC236}">
+                <a16:creationId xmlns:a16="http://schemas.microsoft.com/office/drawing/2014/main" id="{356EDA84-4CF1-E2BC-6062-581289A369CA}"/>
+              </a:ext>
+            </a:extLst>
+          </p:cNvPr>
+          <p:cNvPicPr>
+            <a:picLocks noChangeAspect="1"/>
+          </p:cNvPicPr>
+          <p:nvPr/>
+        </p:nvPicPr>
+        <p:blipFill>
+          <a:blip r:embed="rId2">
+            <a:extLst>
+              <a:ext uri="{28A0092B-C50C-407E-A947-70E740481C1C}">
+                <a14:useLocalDpi xmlns:a14="http://schemas.microsoft.com/office/drawing/2010/main" val="0"/>
+              </a:ext>
+            </a:extLst>
+          </a:blip>
+          <a:stretch>
+            <a:fillRect/>
+          </a:stretch>
+        </p:blipFill>
+        <p:spPr>
+          <a:xfrm>
+            <a:off x="5289799" y="3948125"/>
+            <a:ext cx="3320801" cy="2525765"/>
+          </a:xfrm>
+          <a:prstGeom prst="rect">
+            <a:avLst/>
+          </a:prstGeom>
+        </p:spPr>
+      </p:pic>
+      <p:sp>
+        <p:nvSpPr>
+          <p:cNvPr id="6" name="ZoneTexte 5">
+            <a:extLst>
+              <a:ext uri="{FF2B5EF4-FFF2-40B4-BE49-F238E27FC236}">
+                <a16:creationId xmlns:a16="http://schemas.microsoft.com/office/drawing/2014/main" id="{6A98D8BA-E3E8-4048-AE87-73C502427453}"/>
+              </a:ext>
+            </a:extLst>
+          </p:cNvPr>
+          <p:cNvSpPr txBox="1"/>
+          <p:nvPr/>
+        </p:nvSpPr>
+        <p:spPr>
+          <a:xfrm>
+            <a:off x="838200" y="4191000"/>
+            <a:ext cx="4267200" cy="1754326"/>
+          </a:xfrm>
+          <a:prstGeom prst="rect">
+            <a:avLst/>
+          </a:prstGeom>
+          <a:noFill/>
+        </p:spPr>
+        <p:txBody>
+          <a:bodyPr wrap="square" rtlCol="0">
+            <a:spAutoFit/>
+          </a:bodyPr>
+          <a:lstStyle/>
+          <a:p>
+            <a:r>
+              <a:rPr lang="en-US" dirty="0"/>
+              <a:t>Compute the L2 distance (for instance) between the two embeddings.</a:t>
+            </a:r>
+          </a:p>
+          <a:p>
+            <a:endParaRPr lang="en-US" dirty="0"/>
+          </a:p>
+          <a:p>
+            <a:r>
+              <a:rPr lang="en-US" dirty="0"/>
+              <a:t>On the right, L2 distances computed for a set of SNPs inside exons and a set of SNPs inside introns.</a:t>
+            </a:r>
+          </a:p>
+        </p:txBody>
+      </p:sp>
+    </p:spTree>
+    <p:extLst>
+      <p:ext uri="{BB962C8B-B14F-4D97-AF65-F5344CB8AC3E}">
+        <p14:creationId xmlns:p14="http://schemas.microsoft.com/office/powerpoint/2010/main" val="995915662"/>
+      </p:ext>
+    </p:extLst>
+  </p:cSld>
+  <p:clrMapOvr>
+    <a:masterClrMapping/>
+  </p:clrMapOvr>
+</p:sld>
+</file>
+
+<file path=ppt/slides/slide31.xml><?xml version="1.0" encoding="utf-8"?>
+<p:sld xmlns:a="http://schemas.openxmlformats.org/drawingml/2006/main" xmlns:r="http://schemas.openxmlformats.org/officeDocument/2006/relationships" xmlns:p="http://schemas.openxmlformats.org/presentationml/2006/main">
+  <p:cSld>
+    <p:spTree>
+      <p:nvGrpSpPr>
+        <p:cNvPr id="1" name=""/>
+        <p:cNvGrpSpPr/>
+        <p:nvPr/>
+      </p:nvGrpSpPr>
+      <p:grpSpPr>
+        <a:xfrm>
+          <a:off x="0" y="0"/>
+          <a:ext cx="0" cy="0"/>
+          <a:chOff x="0" y="0"/>
+          <a:chExt cx="0" cy="0"/>
+        </a:xfrm>
+      </p:grpSpPr>
+      <p:sp>
+        <p:nvSpPr>
+          <p:cNvPr id="2" name="Titre 1">
+            <a:extLst>
+              <a:ext uri="{FF2B5EF4-FFF2-40B4-BE49-F238E27FC236}">
+                <a16:creationId xmlns:a16="http://schemas.microsoft.com/office/drawing/2014/main" id="{1AC361B1-7605-6EC1-4982-92D119D294BF}"/>
+              </a:ext>
+            </a:extLst>
+          </p:cNvPr>
+          <p:cNvSpPr>
+            <a:spLocks noGrp="1"/>
+          </p:cNvSpPr>
+          <p:nvPr>
+            <p:ph type="title"/>
+          </p:nvPr>
+        </p:nvSpPr>
+        <p:spPr/>
+        <p:txBody>
+          <a:bodyPr>
+            <a:normAutofit fontScale="90000"/>
+          </a:bodyPr>
+          <a:lstStyle/>
+          <a:p>
+            <a:r>
+              <a:rPr lang="fr-FR" dirty="0"/>
+              <a:t>3) </a:t>
+            </a:r>
+            <a:r>
+              <a:rPr lang="fr-FR" dirty="0" err="1"/>
+              <a:t>Synthetic</a:t>
+            </a:r>
+            <a:r>
+              <a:rPr lang="fr-FR" dirty="0"/>
+              <a:t> DNA </a:t>
+            </a:r>
+            <a:r>
+              <a:rPr lang="fr-FR" dirty="0" err="1"/>
+              <a:t>sequence</a:t>
+            </a:r>
+            <a:r>
+              <a:rPr lang="fr-FR" dirty="0"/>
+              <a:t> </a:t>
+            </a:r>
+            <a:r>
+              <a:rPr lang="fr-FR" dirty="0" err="1"/>
+              <a:t>generation</a:t>
+            </a:r>
+            <a:br>
+              <a:rPr lang="fr-FR" dirty="0"/>
+            </a:br>
+            <a:r>
+              <a:rPr lang="fr-FR" dirty="0"/>
+              <a:t>(</a:t>
+            </a:r>
+            <a:r>
+              <a:rPr lang="fr-FR" dirty="0" err="1"/>
+              <a:t>only</a:t>
+            </a:r>
+            <a:r>
+              <a:rPr lang="fr-FR" dirty="0"/>
+              <a:t> </a:t>
+            </a:r>
+            <a:r>
+              <a:rPr lang="fr-FR" dirty="0" err="1"/>
+              <a:t>works</a:t>
+            </a:r>
+            <a:r>
+              <a:rPr lang="fr-FR" dirty="0"/>
+              <a:t> </a:t>
+            </a:r>
+            <a:r>
+              <a:rPr lang="fr-FR" dirty="0" err="1"/>
+              <a:t>with</a:t>
+            </a:r>
+            <a:r>
+              <a:rPr lang="fr-FR" dirty="0"/>
+              <a:t> CLM </a:t>
+            </a:r>
+            <a:r>
+              <a:rPr lang="fr-FR" dirty="0" err="1"/>
+              <a:t>models</a:t>
+            </a:r>
+            <a:r>
+              <a:rPr lang="fr-FR" dirty="0"/>
+              <a:t>)</a:t>
+            </a:r>
+            <a:endParaRPr lang="en-US" dirty="0"/>
+          </a:p>
+        </p:txBody>
+      </p:sp>
+      <p:sp>
+        <p:nvSpPr>
+          <p:cNvPr id="3" name="Espace réservé du contenu 2">
+            <a:extLst>
+              <a:ext uri="{FF2B5EF4-FFF2-40B4-BE49-F238E27FC236}">
+                <a16:creationId xmlns:a16="http://schemas.microsoft.com/office/drawing/2014/main" id="{F835C398-2F23-055F-86F7-D28DE66394E8}"/>
+              </a:ext>
+            </a:extLst>
+          </p:cNvPr>
+          <p:cNvSpPr>
+            <a:spLocks noGrp="1"/>
+          </p:cNvSpPr>
+          <p:nvPr>
+            <p:ph idx="1"/>
+          </p:nvPr>
+        </p:nvSpPr>
+        <p:spPr>
+          <a:xfrm>
+            <a:off x="457200" y="1752600"/>
+            <a:ext cx="8229600" cy="4876800"/>
+          </a:xfrm>
+        </p:spPr>
+        <p:txBody>
+          <a:bodyPr/>
+          <a:lstStyle/>
+          <a:p>
+            <a:r>
+              <a:rPr lang="fr-FR" dirty="0" err="1"/>
+              <a:t>Predict</a:t>
+            </a:r>
+            <a:r>
+              <a:rPr lang="fr-FR" dirty="0"/>
+              <a:t> a </a:t>
+            </a:r>
+            <a:r>
+              <a:rPr lang="fr-FR" dirty="0" err="1"/>
+              <a:t>synthetic</a:t>
+            </a:r>
+            <a:r>
+              <a:rPr lang="fr-FR" dirty="0"/>
+              <a:t> DNA </a:t>
+            </a:r>
+            <a:r>
+              <a:rPr lang="fr-FR" dirty="0" err="1"/>
+              <a:t>sequence</a:t>
+            </a:r>
+            <a:r>
+              <a:rPr lang="fr-FR" dirty="0"/>
+              <a:t>:</a:t>
+            </a:r>
+          </a:p>
+          <a:p>
+            <a:endParaRPr lang="fr-FR" dirty="0"/>
+          </a:p>
+          <a:p>
+            <a:endParaRPr lang="fr-FR" dirty="0"/>
+          </a:p>
+          <a:p>
+            <a:endParaRPr lang="fr-FR" dirty="0"/>
+          </a:p>
+          <a:p>
+            <a:endParaRPr lang="fr-FR" dirty="0"/>
+          </a:p>
+          <a:p>
+            <a:endParaRPr lang="fr-FR" dirty="0"/>
+          </a:p>
+          <a:p>
+            <a:r>
+              <a:rPr lang="fr-FR" dirty="0" err="1"/>
+              <a:t>Repeat</a:t>
+            </a:r>
+            <a:r>
+              <a:rPr lang="fr-FR" dirty="0"/>
+              <a:t> </a:t>
+            </a:r>
+            <a:r>
+              <a:rPr lang="fr-FR" dirty="0" err="1"/>
+              <a:t>same</a:t>
+            </a:r>
+            <a:r>
+              <a:rPr lang="fr-FR" dirty="0"/>
+              <a:t> </a:t>
+            </a:r>
+            <a:r>
+              <a:rPr lang="fr-FR" dirty="0" err="1"/>
+              <a:t>task</a:t>
+            </a:r>
+            <a:r>
+              <a:rPr lang="fr-FR" dirty="0"/>
+              <a:t> </a:t>
+            </a:r>
+            <a:r>
+              <a:rPr lang="fr-FR" dirty="0" err="1"/>
+              <a:t>iteratively</a:t>
+            </a:r>
+            <a:r>
+              <a:rPr lang="fr-FR" dirty="0"/>
+              <a:t>:</a:t>
+            </a:r>
+          </a:p>
+          <a:p>
+            <a:endParaRPr lang="en-US" dirty="0"/>
+          </a:p>
+        </p:txBody>
+      </p:sp>
+      <p:sp>
+        <p:nvSpPr>
+          <p:cNvPr id="4" name="ZoneTexte 3">
+            <a:extLst>
+              <a:ext uri="{FF2B5EF4-FFF2-40B4-BE49-F238E27FC236}">
+                <a16:creationId xmlns:a16="http://schemas.microsoft.com/office/drawing/2014/main" id="{592805B7-356C-3F1F-F484-4499595DF862}"/>
+              </a:ext>
+            </a:extLst>
+          </p:cNvPr>
+          <p:cNvSpPr txBox="1"/>
+          <p:nvPr/>
+        </p:nvSpPr>
+        <p:spPr>
+          <a:xfrm>
+            <a:off x="1066800" y="2895600"/>
             <a:ext cx="3429000" cy="461665"/>
           </a:xfrm>
           <a:prstGeom prst="rect">
@@ -9229,7 +11158,7 @@
         </p:nvSpPr>
         <p:spPr>
           <a:xfrm>
-            <a:off x="5486400" y="2743200"/>
+            <a:off x="5486400" y="2895600"/>
             <a:ext cx="1371600" cy="461665"/>
           </a:xfrm>
           <a:prstGeom prst="rect">
@@ -9266,7 +11195,7 @@
         </p:nvSpPr>
         <p:spPr>
           <a:xfrm>
-            <a:off x="4641980" y="2831068"/>
+            <a:off x="4641980" y="2983468"/>
             <a:ext cx="615820" cy="293132"/>
           </a:xfrm>
           <a:prstGeom prst="rightArrow">
@@ -9315,7 +11244,7 @@
         </p:nvSpPr>
         <p:spPr>
           <a:xfrm>
-            <a:off x="1752600" y="3429000"/>
+            <a:off x="1752600" y="3581400"/>
             <a:ext cx="1828800" cy="369332"/>
           </a:xfrm>
           <a:prstGeom prst="rect">
@@ -9355,7 +11284,7 @@
         </p:nvSpPr>
         <p:spPr>
           <a:xfrm>
-            <a:off x="5257800" y="3429000"/>
+            <a:off x="5257800" y="3581400"/>
             <a:ext cx="2286000" cy="369332"/>
           </a:xfrm>
           <a:prstGeom prst="rect">
@@ -9399,7 +11328,7 @@
         </p:nvSpPr>
         <p:spPr>
           <a:xfrm>
-            <a:off x="1219200" y="2743200"/>
+            <a:off x="1219200" y="2895600"/>
             <a:ext cx="3124200" cy="461665"/>
           </a:xfrm>
           <a:prstGeom prst="roundRect">
@@ -9451,7 +11380,7 @@
         </p:nvSpPr>
         <p:spPr>
           <a:xfrm>
-            <a:off x="5708780" y="2743200"/>
+            <a:off x="5708780" y="2895600"/>
             <a:ext cx="920620" cy="461665"/>
           </a:xfrm>
           <a:prstGeom prst="roundRect">
@@ -9503,7 +11432,7 @@
         </p:nvSpPr>
         <p:spPr>
           <a:xfrm>
-            <a:off x="2362200" y="2362200"/>
+            <a:off x="2362200" y="2514600"/>
             <a:ext cx="838200" cy="307777"/>
           </a:xfrm>
           <a:prstGeom prst="rect">
@@ -9544,7 +11473,7 @@
         </p:nvSpPr>
         <p:spPr>
           <a:xfrm>
-            <a:off x="5749990" y="2362200"/>
+            <a:off x="5749990" y="2514600"/>
             <a:ext cx="838200" cy="307777"/>
           </a:xfrm>
           <a:prstGeom prst="rect">
@@ -9585,7 +11514,7 @@
         </p:nvSpPr>
         <p:spPr>
           <a:xfrm>
-            <a:off x="152400" y="5193268"/>
+            <a:off x="152400" y="5345668"/>
             <a:ext cx="3429000" cy="461665"/>
           </a:xfrm>
           <a:prstGeom prst="rect">
@@ -9626,7 +11555,7 @@
         </p:nvSpPr>
         <p:spPr>
           <a:xfrm>
-            <a:off x="3276600" y="5193268"/>
+            <a:off x="3276600" y="5345668"/>
             <a:ext cx="1371600" cy="461665"/>
           </a:xfrm>
           <a:prstGeom prst="rect">
@@ -9663,7 +11592,7 @@
         </p:nvSpPr>
         <p:spPr>
           <a:xfrm>
-            <a:off x="4641980" y="5281136"/>
+            <a:off x="4641980" y="5433536"/>
             <a:ext cx="615820" cy="293132"/>
           </a:xfrm>
           <a:prstGeom prst="rightArrow">
@@ -9712,7 +11641,7 @@
         </p:nvSpPr>
         <p:spPr>
           <a:xfrm>
-            <a:off x="1752600" y="5879068"/>
+            <a:off x="1752600" y="6031468"/>
             <a:ext cx="1828800" cy="369332"/>
           </a:xfrm>
           <a:prstGeom prst="rect">
@@ -9752,7 +11681,7 @@
         </p:nvSpPr>
         <p:spPr>
           <a:xfrm>
-            <a:off x="5257800" y="5879068"/>
+            <a:off x="5257800" y="6031468"/>
             <a:ext cx="2286000" cy="369332"/>
           </a:xfrm>
           <a:prstGeom prst="rect">
@@ -9796,7 +11725,7 @@
         </p:nvSpPr>
         <p:spPr>
           <a:xfrm>
-            <a:off x="304800" y="5193268"/>
+            <a:off x="304800" y="5345668"/>
             <a:ext cx="3124200" cy="461665"/>
           </a:xfrm>
           <a:prstGeom prst="roundRect">
@@ -9848,7 +11777,7 @@
         </p:nvSpPr>
         <p:spPr>
           <a:xfrm>
-            <a:off x="3498980" y="5193268"/>
+            <a:off x="3498980" y="5345668"/>
             <a:ext cx="920620" cy="461665"/>
           </a:xfrm>
           <a:prstGeom prst="roundRect">
@@ -9900,7 +11829,7 @@
         </p:nvSpPr>
         <p:spPr>
           <a:xfrm>
-            <a:off x="1447800" y="4812268"/>
+            <a:off x="1447800" y="4964668"/>
             <a:ext cx="838200" cy="307777"/>
           </a:xfrm>
           <a:prstGeom prst="rect">
@@ -9941,7 +11870,7 @@
         </p:nvSpPr>
         <p:spPr>
           <a:xfrm>
-            <a:off x="3540190" y="4812268"/>
+            <a:off x="3540190" y="4964668"/>
             <a:ext cx="838200" cy="307777"/>
           </a:xfrm>
           <a:prstGeom prst="rect">
@@ -9982,7 +11911,7 @@
         </p:nvSpPr>
         <p:spPr>
           <a:xfrm>
-            <a:off x="5410200" y="5193268"/>
+            <a:off x="5410200" y="5345668"/>
             <a:ext cx="1371600" cy="461665"/>
           </a:xfrm>
           <a:prstGeom prst="rect">
@@ -9999,7 +11928,7 @@
             <a:pPr algn="ctr"/>
             <a:r>
               <a:rPr lang="fr-FR" sz="2400" dirty="0"/>
-              <a:t>TGA</a:t>
+              <a:t>GCC</a:t>
             </a:r>
             <a:endParaRPr lang="en-US" sz="2400" dirty="0"/>
           </a:p>
@@ -10019,7 +11948,7 @@
         </p:nvSpPr>
         <p:spPr>
           <a:xfrm>
-            <a:off x="5632580" y="5193268"/>
+            <a:off x="5632580" y="5345668"/>
             <a:ext cx="920620" cy="461665"/>
           </a:xfrm>
           <a:prstGeom prst="roundRect">
@@ -10071,7 +12000,7 @@
         </p:nvSpPr>
         <p:spPr>
           <a:xfrm>
-            <a:off x="5673790" y="4812268"/>
+            <a:off x="5673790" y="4964668"/>
             <a:ext cx="838200" cy="307777"/>
           </a:xfrm>
           <a:prstGeom prst="rect">
@@ -10095,6 +12024,80 @@
               <a:t> 3</a:t>
             </a:r>
             <a:endParaRPr lang="en-US" sz="1400" dirty="0"/>
+          </a:p>
+        </p:txBody>
+      </p:sp>
+      <p:sp>
+        <p:nvSpPr>
+          <p:cNvPr id="10" name="ZoneTexte 9">
+            <a:extLst>
+              <a:ext uri="{FF2B5EF4-FFF2-40B4-BE49-F238E27FC236}">
+                <a16:creationId xmlns:a16="http://schemas.microsoft.com/office/drawing/2014/main" id="{D0CB29C9-01B4-8392-FA03-E1C749C30334}"/>
+              </a:ext>
+            </a:extLst>
+          </p:cNvPr>
+          <p:cNvSpPr txBox="1"/>
+          <p:nvPr/>
+        </p:nvSpPr>
+        <p:spPr>
+          <a:xfrm>
+            <a:off x="4419600" y="2300525"/>
+            <a:ext cx="990600" cy="646331"/>
+          </a:xfrm>
+          <a:prstGeom prst="rect">
+            <a:avLst/>
+          </a:prstGeom>
+          <a:noFill/>
+        </p:spPr>
+        <p:txBody>
+          <a:bodyPr wrap="square" rtlCol="0">
+            <a:spAutoFit/>
+          </a:bodyPr>
+          <a:lstStyle/>
+          <a:p>
+            <a:pPr algn="ctr"/>
+            <a:r>
+              <a:rPr lang="fr-FR" dirty="0"/>
+              <a:t>CLM model</a:t>
+            </a:r>
+            <a:endParaRPr lang="en-US" dirty="0"/>
+          </a:p>
+        </p:txBody>
+      </p:sp>
+      <p:sp>
+        <p:nvSpPr>
+          <p:cNvPr id="11" name="ZoneTexte 10">
+            <a:extLst>
+              <a:ext uri="{FF2B5EF4-FFF2-40B4-BE49-F238E27FC236}">
+                <a16:creationId xmlns:a16="http://schemas.microsoft.com/office/drawing/2014/main" id="{D3FBC3EA-3DF2-0A18-2C08-00D64A682E39}"/>
+              </a:ext>
+            </a:extLst>
+          </p:cNvPr>
+          <p:cNvSpPr txBox="1"/>
+          <p:nvPr/>
+        </p:nvSpPr>
+        <p:spPr>
+          <a:xfrm>
+            <a:off x="4419600" y="4800600"/>
+            <a:ext cx="990600" cy="646331"/>
+          </a:xfrm>
+          <a:prstGeom prst="rect">
+            <a:avLst/>
+          </a:prstGeom>
+          <a:noFill/>
+        </p:spPr>
+        <p:txBody>
+          <a:bodyPr wrap="square" rtlCol="0">
+            <a:spAutoFit/>
+          </a:bodyPr>
+          <a:lstStyle/>
+          <a:p>
+            <a:pPr algn="ctr"/>
+            <a:r>
+              <a:rPr lang="fr-FR" dirty="0"/>
+              <a:t>CLM model</a:t>
+            </a:r>
+            <a:endParaRPr lang="en-US" dirty="0"/>
           </a:p>
         </p:txBody>
       </p:sp>
@@ -10111,7 +12114,7 @@
 </p:sld>
 </file>
 
-<file path=ppt/slides/slide3.xml><?xml version="1.0" encoding="utf-8"?>
+<file path=ppt/slides/slide32.xml><?xml version="1.0" encoding="utf-8"?>
 <p:sld xmlns:a="http://schemas.openxmlformats.org/drawingml/2006/main" xmlns:r="http://schemas.openxmlformats.org/officeDocument/2006/relationships" xmlns:p="http://schemas.openxmlformats.org/presentationml/2006/main">
   <p:cSld>
     <p:spTree>
@@ -10133,7 +12136,7 @@
           <p:cNvPr id="2" name="Titre 1">
             <a:extLst>
               <a:ext uri="{FF2B5EF4-FFF2-40B4-BE49-F238E27FC236}">
-                <a16:creationId xmlns:a16="http://schemas.microsoft.com/office/drawing/2014/main" id="{CB408BB5-3DB9-46FF-AFE9-1725FB975D46}"/>
+                <a16:creationId xmlns:a16="http://schemas.microsoft.com/office/drawing/2014/main" id="{C6653CB9-CF53-C830-2F02-8BF413A5A859}"/>
               </a:ext>
             </a:extLst>
           </p:cNvPr>
@@ -10146,12 +12149,26 @@
         </p:nvSpPr>
         <p:spPr/>
         <p:txBody>
-          <a:bodyPr/>
+          <a:bodyPr>
+            <a:normAutofit fontScale="90000"/>
+          </a:bodyPr>
           <a:lstStyle/>
           <a:p>
             <a:r>
-              <a:rPr lang="fr-FR" dirty="0" err="1"/>
-              <a:t>Deep</a:t>
+              <a:rPr lang="fr-FR" dirty="0"/>
+              <a:t>3) </a:t>
+            </a:r>
+            <a:r>
+              <a:rPr lang="fr-FR" dirty="0" err="1"/>
+              <a:t>Synthetic</a:t>
+            </a:r>
+            <a:r>
+              <a:rPr lang="fr-FR" dirty="0"/>
+              <a:t> DNA </a:t>
+            </a:r>
+            <a:r>
+              <a:rPr lang="fr-FR" dirty="0" err="1"/>
+              <a:t>sequence</a:t>
             </a:r>
             <a:r>
               <a:rPr lang="fr-FR" dirty="0"/>
@@ -10159,63 +12176,1638 @@
             </a:r>
             <a:r>
               <a:rPr lang="fr-FR" dirty="0" err="1"/>
-              <a:t>learning</a:t>
-            </a:r>
-            <a:r>
-              <a:rPr lang="fr-FR" dirty="0"/>
-              <a:t> as a </a:t>
-            </a:r>
-            <a:r>
-              <a:rPr lang="fr-FR" dirty="0" err="1"/>
-              <a:t>branch</a:t>
-            </a:r>
-            <a:r>
-              <a:rPr lang="fr-FR" dirty="0"/>
-              <a:t> of AI</a:t>
+              <a:t>generation</a:t>
             </a:r>
             <a:endParaRPr lang="en-US" dirty="0"/>
           </a:p>
         </p:txBody>
       </p:sp>
-      <p:pic>
-        <p:nvPicPr>
-          <p:cNvPr id="5" name="Espace réservé du contenu 4">
+      <p:sp>
+        <p:nvSpPr>
+          <p:cNvPr id="3" name="Espace réservé du contenu 2">
             <a:extLst>
               <a:ext uri="{FF2B5EF4-FFF2-40B4-BE49-F238E27FC236}">
-                <a16:creationId xmlns:a16="http://schemas.microsoft.com/office/drawing/2014/main" id="{33074E2E-225D-4BD0-BAB4-766BEAAFBBE0}"/>
+                <a16:creationId xmlns:a16="http://schemas.microsoft.com/office/drawing/2014/main" id="{12E76440-CC95-E579-10A1-A1AA624C39FC}"/>
               </a:ext>
             </a:extLst>
           </p:cNvPr>
-          <p:cNvPicPr>
-            <a:picLocks noGrp="1" noChangeAspect="1"/>
-          </p:cNvPicPr>
+          <p:cNvSpPr>
+            <a:spLocks noGrp="1"/>
+          </p:cNvSpPr>
           <p:nvPr>
             <p:ph idx="1"/>
           </p:nvPr>
+        </p:nvSpPr>
+        <p:spPr>
+          <a:xfrm>
+            <a:off x="457200" y="3276600"/>
+            <a:ext cx="8229600" cy="3200400"/>
+          </a:xfrm>
+        </p:spPr>
+        <p:txBody>
+          <a:bodyPr/>
+          <a:lstStyle/>
+          <a:p>
+            <a:r>
+              <a:rPr lang="fr-FR" dirty="0"/>
+              <a:t>For instance, for the 1st </a:t>
+            </a:r>
+            <a:r>
+              <a:rPr lang="fr-FR" dirty="0" err="1"/>
+              <a:t>sequence</a:t>
+            </a:r>
+            <a:r>
+              <a:rPr lang="fr-FR" dirty="0"/>
+              <a:t>, BLAST shows no </a:t>
+            </a:r>
+            <a:r>
+              <a:rPr lang="fr-FR" dirty="0" err="1"/>
+              <a:t>matching</a:t>
+            </a:r>
+            <a:r>
+              <a:rPr lang="fr-FR" dirty="0"/>
+              <a:t> to </a:t>
+            </a:r>
+            <a:r>
+              <a:rPr lang="fr-FR" dirty="0" err="1"/>
+              <a:t>any</a:t>
+            </a:r>
+            <a:r>
+              <a:rPr lang="fr-FR" dirty="0"/>
+              <a:t> </a:t>
+            </a:r>
+            <a:r>
+              <a:rPr lang="fr-FR" dirty="0" err="1"/>
+              <a:t>known</a:t>
+            </a:r>
+            <a:r>
+              <a:rPr lang="fr-FR" dirty="0"/>
+              <a:t> DNA </a:t>
+            </a:r>
+            <a:r>
+              <a:rPr lang="fr-FR" dirty="0" err="1"/>
+              <a:t>sequence</a:t>
+            </a:r>
+            <a:r>
+              <a:rPr lang="fr-FR" dirty="0"/>
+              <a:t>:</a:t>
+            </a:r>
+            <a:endParaRPr lang="en-US" dirty="0"/>
+          </a:p>
+        </p:txBody>
+      </p:sp>
+      <p:pic>
+        <p:nvPicPr>
+          <p:cNvPr id="5" name="Image 4">
+            <a:extLst>
+              <a:ext uri="{FF2B5EF4-FFF2-40B4-BE49-F238E27FC236}">
+                <a16:creationId xmlns:a16="http://schemas.microsoft.com/office/drawing/2014/main" id="{4D526BED-C68E-44F8-E549-8785971B47BC}"/>
+              </a:ext>
+            </a:extLst>
+          </p:cNvPr>
+          <p:cNvPicPr>
+            <a:picLocks noChangeAspect="1"/>
+          </p:cNvPicPr>
+          <p:nvPr/>
         </p:nvPicPr>
         <p:blipFill>
-          <a:blip r:embed="rId2">
-            <a:extLst>
-              <a:ext uri="{28A0092B-C50C-407E-A947-70E740481C1C}">
-                <a14:useLocalDpi xmlns:a14="http://schemas.microsoft.com/office/drawing/2010/main" val="0"/>
-              </a:ext>
-            </a:extLst>
-          </a:blip>
+          <a:blip r:embed="rId2"/>
           <a:stretch>
             <a:fillRect/>
           </a:stretch>
         </p:blipFill>
         <p:spPr>
           <a:xfrm>
-            <a:off x="1259309" y="1828800"/>
-            <a:ext cx="6625382" cy="4343400"/>
+            <a:off x="443204" y="1625256"/>
+            <a:ext cx="8249510" cy="1346543"/>
           </a:xfrm>
+          <a:prstGeom prst="rect">
+            <a:avLst/>
+          </a:prstGeom>
+        </p:spPr>
+      </p:pic>
+      <p:pic>
+        <p:nvPicPr>
+          <p:cNvPr id="7" name="Image 6">
+            <a:extLst>
+              <a:ext uri="{FF2B5EF4-FFF2-40B4-BE49-F238E27FC236}">
+                <a16:creationId xmlns:a16="http://schemas.microsoft.com/office/drawing/2014/main" id="{A6543250-7AAA-A2E5-7B5F-48A2F2588D82}"/>
+              </a:ext>
+            </a:extLst>
+          </p:cNvPr>
+          <p:cNvPicPr>
+            <a:picLocks noChangeAspect="1"/>
+          </p:cNvPicPr>
+          <p:nvPr/>
+        </p:nvPicPr>
+        <p:blipFill>
+          <a:blip r:embed="rId3"/>
+          <a:stretch>
+            <a:fillRect/>
+          </a:stretch>
+        </p:blipFill>
+        <p:spPr>
+          <a:xfrm>
+            <a:off x="609599" y="4338398"/>
+            <a:ext cx="7890299" cy="1833801"/>
+          </a:xfrm>
+          <a:prstGeom prst="rect">
+            <a:avLst/>
+          </a:prstGeom>
         </p:spPr>
       </p:pic>
     </p:spTree>
     <p:extLst>
       <p:ext uri="{BB962C8B-B14F-4D97-AF65-F5344CB8AC3E}">
-        <p14:creationId xmlns:p14="http://schemas.microsoft.com/office/powerpoint/2010/main" val="1363182354"/>
+        <p14:creationId xmlns:p14="http://schemas.microsoft.com/office/powerpoint/2010/main" val="804637523"/>
+      </p:ext>
+    </p:extLst>
+  </p:cSld>
+  <p:clrMapOvr>
+    <a:masterClrMapping/>
+  </p:clrMapOvr>
+</p:sld>
+</file>
+
+<file path=ppt/slides/slide33.xml><?xml version="1.0" encoding="utf-8"?>
+<p:sld xmlns:a="http://schemas.openxmlformats.org/drawingml/2006/main" xmlns:r="http://schemas.openxmlformats.org/officeDocument/2006/relationships" xmlns:p="http://schemas.openxmlformats.org/presentationml/2006/main">
+  <p:cSld>
+    <p:spTree>
+      <p:nvGrpSpPr>
+        <p:cNvPr id="1" name=""/>
+        <p:cNvGrpSpPr/>
+        <p:nvPr/>
+      </p:nvGrpSpPr>
+      <p:grpSpPr>
+        <a:xfrm>
+          <a:off x="0" y="0"/>
+          <a:ext cx="0" cy="0"/>
+          <a:chOff x="0" y="0"/>
+          <a:chExt cx="0" cy="0"/>
+        </a:xfrm>
+      </p:grpSpPr>
+      <p:sp>
+        <p:nvSpPr>
+          <p:cNvPr id="2" name="Titre 1">
+            <a:extLst>
+              <a:ext uri="{FF2B5EF4-FFF2-40B4-BE49-F238E27FC236}">
+                <a16:creationId xmlns:a16="http://schemas.microsoft.com/office/drawing/2014/main" id="{FB5DA8C1-8CB9-3C74-61AD-2C9EC48E917A}"/>
+              </a:ext>
+            </a:extLst>
+          </p:cNvPr>
+          <p:cNvSpPr>
+            <a:spLocks noGrp="1"/>
+          </p:cNvSpPr>
+          <p:nvPr>
+            <p:ph type="title"/>
+          </p:nvPr>
+        </p:nvSpPr>
+        <p:spPr/>
+        <p:txBody>
+          <a:bodyPr/>
+          <a:lstStyle/>
+          <a:p>
+            <a:r>
+              <a:rPr lang="fr-FR" dirty="0"/>
+              <a:t>4) DNA </a:t>
+            </a:r>
+            <a:r>
+              <a:rPr lang="fr-FR" dirty="0" err="1"/>
+              <a:t>sequence</a:t>
+            </a:r>
+            <a:r>
+              <a:rPr lang="fr-FR" dirty="0"/>
+              <a:t> </a:t>
+            </a:r>
+            <a:r>
+              <a:rPr lang="fr-FR" dirty="0" err="1"/>
+              <a:t>optimization</a:t>
+            </a:r>
+            <a:endParaRPr lang="en-US" dirty="0"/>
+          </a:p>
+        </p:txBody>
+      </p:sp>
+      <p:sp>
+        <p:nvSpPr>
+          <p:cNvPr id="3" name="Espace réservé du contenu 2">
+            <a:extLst>
+              <a:ext uri="{FF2B5EF4-FFF2-40B4-BE49-F238E27FC236}">
+                <a16:creationId xmlns:a16="http://schemas.microsoft.com/office/drawing/2014/main" id="{B20F60A2-CE0B-61F7-5954-F1D91BDC6EEE}"/>
+              </a:ext>
+            </a:extLst>
+          </p:cNvPr>
+          <p:cNvSpPr>
+            <a:spLocks noGrp="1"/>
+          </p:cNvSpPr>
+          <p:nvPr>
+            <p:ph idx="1"/>
+          </p:nvPr>
+        </p:nvSpPr>
+        <p:spPr/>
+        <p:txBody>
+          <a:bodyPr/>
+          <a:lstStyle/>
+          <a:p>
+            <a:r>
+              <a:rPr lang="fr-FR" dirty="0"/>
+              <a:t>DNA </a:t>
+            </a:r>
+            <a:r>
+              <a:rPr lang="fr-FR" dirty="0" err="1"/>
+              <a:t>sequence</a:t>
+            </a:r>
+            <a:r>
+              <a:rPr lang="fr-FR" dirty="0"/>
+              <a:t> </a:t>
+            </a:r>
+            <a:r>
+              <a:rPr lang="fr-FR" dirty="0" err="1"/>
+              <a:t>optimization</a:t>
+            </a:r>
+            <a:r>
+              <a:rPr lang="fr-FR" dirty="0"/>
+              <a:t> </a:t>
+            </a:r>
+            <a:r>
+              <a:rPr lang="fr-FR" dirty="0" err="1"/>
+              <a:t>consists</a:t>
+            </a:r>
+            <a:r>
+              <a:rPr lang="fr-FR" dirty="0"/>
+              <a:t> in </a:t>
+            </a:r>
+            <a:r>
+              <a:rPr lang="fr-FR" dirty="0" err="1"/>
+              <a:t>finding</a:t>
+            </a:r>
+            <a:r>
+              <a:rPr lang="fr-FR" dirty="0"/>
+              <a:t> the </a:t>
+            </a:r>
+            <a:r>
+              <a:rPr lang="fr-FR" dirty="0" err="1"/>
+              <a:t>sequence</a:t>
+            </a:r>
+            <a:r>
+              <a:rPr lang="fr-FR" dirty="0"/>
+              <a:t> </a:t>
+            </a:r>
+            <a:r>
+              <a:rPr lang="fr-FR" dirty="0" err="1"/>
+              <a:t>with</a:t>
+            </a:r>
+            <a:r>
+              <a:rPr lang="fr-FR" dirty="0"/>
+              <a:t> a </a:t>
+            </a:r>
+            <a:r>
+              <a:rPr lang="fr-FR" dirty="0" err="1"/>
+              <a:t>highest</a:t>
+            </a:r>
+            <a:r>
+              <a:rPr lang="fr-FR" dirty="0"/>
+              <a:t> (or </a:t>
+            </a:r>
+            <a:r>
+              <a:rPr lang="fr-FR" dirty="0" err="1"/>
+              <a:t>lowest</a:t>
+            </a:r>
+            <a:r>
+              <a:rPr lang="fr-FR" dirty="0"/>
+              <a:t>) score </a:t>
+            </a:r>
+            <a:r>
+              <a:rPr lang="fr-FR" dirty="0" err="1"/>
+              <a:t>predicted</a:t>
+            </a:r>
+            <a:r>
+              <a:rPr lang="fr-FR" dirty="0"/>
+              <a:t> by a </a:t>
+            </a:r>
+            <a:r>
+              <a:rPr lang="fr-FR" dirty="0" err="1"/>
+              <a:t>previously</a:t>
+            </a:r>
+            <a:r>
+              <a:rPr lang="fr-FR" dirty="0"/>
+              <a:t> training model. </a:t>
+            </a:r>
+          </a:p>
+          <a:p>
+            <a:endParaRPr lang="fr-FR" dirty="0"/>
+          </a:p>
+          <a:p>
+            <a:endParaRPr lang="fr-FR" dirty="0"/>
+          </a:p>
+          <a:p>
+            <a:endParaRPr lang="fr-FR" dirty="0"/>
+          </a:p>
+          <a:p>
+            <a:endParaRPr lang="fr-FR" dirty="0"/>
+          </a:p>
+          <a:p>
+            <a:endParaRPr lang="fr-FR" dirty="0"/>
+          </a:p>
+          <a:p>
+            <a:r>
+              <a:rPr lang="fr-FR" dirty="0"/>
+              <a:t>For instance, </a:t>
+            </a:r>
+            <a:r>
+              <a:rPr lang="fr-FR" dirty="0" err="1"/>
+              <a:t>we</a:t>
+            </a:r>
+            <a:r>
+              <a:rPr lang="fr-FR" dirty="0"/>
+              <a:t> have </a:t>
+            </a:r>
+            <a:r>
+              <a:rPr lang="fr-FR" dirty="0" err="1"/>
+              <a:t>finetuned</a:t>
+            </a:r>
+            <a:r>
+              <a:rPr lang="fr-FR" dirty="0"/>
+              <a:t> an LLM for </a:t>
+            </a:r>
+            <a:r>
+              <a:rPr lang="fr-FR" dirty="0" err="1"/>
+              <a:t>promoter</a:t>
+            </a:r>
+            <a:r>
+              <a:rPr lang="fr-FR" dirty="0"/>
+              <a:t> </a:t>
+            </a:r>
+            <a:r>
+              <a:rPr lang="fr-FR" dirty="0" err="1"/>
+              <a:t>prediction</a:t>
+            </a:r>
+            <a:r>
+              <a:rPr lang="fr-FR" dirty="0"/>
+              <a:t>. </a:t>
+            </a:r>
+            <a:r>
+              <a:rPr lang="fr-FR" dirty="0" err="1"/>
+              <a:t>We</a:t>
+            </a:r>
+            <a:r>
+              <a:rPr lang="fr-FR" dirty="0"/>
+              <a:t> can </a:t>
+            </a:r>
+            <a:r>
+              <a:rPr lang="fr-FR" dirty="0" err="1"/>
+              <a:t>take</a:t>
+            </a:r>
+            <a:r>
+              <a:rPr lang="fr-FR" dirty="0"/>
+              <a:t> a </a:t>
+            </a:r>
+            <a:r>
+              <a:rPr lang="fr-FR" dirty="0" err="1"/>
+              <a:t>given</a:t>
+            </a:r>
+            <a:r>
+              <a:rPr lang="fr-FR" dirty="0"/>
+              <a:t> DNA </a:t>
+            </a:r>
+            <a:r>
+              <a:rPr lang="fr-FR" dirty="0" err="1"/>
+              <a:t>sequence</a:t>
+            </a:r>
+            <a:r>
+              <a:rPr lang="fr-FR" dirty="0"/>
+              <a:t> and </a:t>
+            </a:r>
+            <a:r>
+              <a:rPr lang="fr-FR" dirty="0" err="1"/>
+              <a:t>optimize</a:t>
+            </a:r>
+            <a:r>
+              <a:rPr lang="fr-FR" dirty="0"/>
+              <a:t> </a:t>
+            </a:r>
+            <a:r>
+              <a:rPr lang="fr-FR" dirty="0" err="1"/>
+              <a:t>it</a:t>
+            </a:r>
+            <a:r>
+              <a:rPr lang="fr-FR" dirty="0"/>
+              <a:t> to </a:t>
+            </a:r>
+            <a:r>
+              <a:rPr lang="fr-FR" dirty="0" err="1"/>
+              <a:t>be</a:t>
+            </a:r>
+            <a:r>
+              <a:rPr lang="fr-FR" dirty="0"/>
+              <a:t> a </a:t>
+            </a:r>
+            <a:r>
+              <a:rPr lang="fr-FR" dirty="0" err="1"/>
+              <a:t>strong</a:t>
+            </a:r>
+            <a:r>
+              <a:rPr lang="fr-FR" dirty="0"/>
+              <a:t> </a:t>
+            </a:r>
+            <a:r>
+              <a:rPr lang="fr-FR" dirty="0" err="1"/>
+              <a:t>promoter</a:t>
+            </a:r>
+            <a:r>
+              <a:rPr lang="fr-FR" dirty="0"/>
+              <a:t> (high score). </a:t>
+            </a:r>
+            <a:endParaRPr lang="en-US" dirty="0"/>
+          </a:p>
+        </p:txBody>
+      </p:sp>
+      <p:cxnSp>
+        <p:nvCxnSpPr>
+          <p:cNvPr id="5" name="Connecteur droit avec flèche 4">
+            <a:extLst>
+              <a:ext uri="{FF2B5EF4-FFF2-40B4-BE49-F238E27FC236}">
+                <a16:creationId xmlns:a16="http://schemas.microsoft.com/office/drawing/2014/main" id="{B90CFF06-BDB8-0F7F-625F-FE79701D43CD}"/>
+              </a:ext>
+            </a:extLst>
+          </p:cNvPr>
+          <p:cNvCxnSpPr/>
+          <p:nvPr/>
+        </p:nvCxnSpPr>
+        <p:spPr>
+          <a:xfrm flipV="1">
+            <a:off x="1905000" y="2971800"/>
+            <a:ext cx="0" cy="1371600"/>
+          </a:xfrm>
+          <a:prstGeom prst="straightConnector1">
+            <a:avLst/>
+          </a:prstGeom>
+          <a:ln w="38100">
+            <a:tailEnd type="triangle"/>
+          </a:ln>
+        </p:spPr>
+        <p:style>
+          <a:lnRef idx="1">
+            <a:schemeClr val="dk1"/>
+          </a:lnRef>
+          <a:fillRef idx="0">
+            <a:schemeClr val="dk1"/>
+          </a:fillRef>
+          <a:effectRef idx="0">
+            <a:schemeClr val="dk1"/>
+          </a:effectRef>
+          <a:fontRef idx="minor">
+            <a:schemeClr val="tx1"/>
+          </a:fontRef>
+        </p:style>
+      </p:cxnSp>
+      <p:cxnSp>
+        <p:nvCxnSpPr>
+          <p:cNvPr id="6" name="Connecteur droit avec flèche 5">
+            <a:extLst>
+              <a:ext uri="{FF2B5EF4-FFF2-40B4-BE49-F238E27FC236}">
+                <a16:creationId xmlns:a16="http://schemas.microsoft.com/office/drawing/2014/main" id="{204F2CE2-A9EF-5EDB-D75D-9667EF02CB76}"/>
+              </a:ext>
+            </a:extLst>
+          </p:cNvPr>
+          <p:cNvCxnSpPr>
+            <a:cxnSpLocks/>
+          </p:cNvCxnSpPr>
+          <p:nvPr/>
+        </p:nvCxnSpPr>
+        <p:spPr>
+          <a:xfrm>
+            <a:off x="1905000" y="4341845"/>
+            <a:ext cx="5562600" cy="0"/>
+          </a:xfrm>
+          <a:prstGeom prst="straightConnector1">
+            <a:avLst/>
+          </a:prstGeom>
+          <a:ln w="38100">
+            <a:tailEnd type="triangle"/>
+          </a:ln>
+        </p:spPr>
+        <p:style>
+          <a:lnRef idx="1">
+            <a:schemeClr val="dk1"/>
+          </a:lnRef>
+          <a:fillRef idx="0">
+            <a:schemeClr val="dk1"/>
+          </a:fillRef>
+          <a:effectRef idx="0">
+            <a:schemeClr val="dk1"/>
+          </a:effectRef>
+          <a:fontRef idx="minor">
+            <a:schemeClr val="tx1"/>
+          </a:fontRef>
+        </p:style>
+      </p:cxnSp>
+      <p:sp>
+        <p:nvSpPr>
+          <p:cNvPr id="8" name="ZoneTexte 7">
+            <a:extLst>
+              <a:ext uri="{FF2B5EF4-FFF2-40B4-BE49-F238E27FC236}">
+                <a16:creationId xmlns:a16="http://schemas.microsoft.com/office/drawing/2014/main" id="{B0394BFB-2567-2E8A-6887-A333B402344A}"/>
+              </a:ext>
+            </a:extLst>
+          </p:cNvPr>
+          <p:cNvSpPr txBox="1"/>
+          <p:nvPr/>
+        </p:nvSpPr>
+        <p:spPr>
+          <a:xfrm rot="16200000">
+            <a:off x="695668" y="3370979"/>
+            <a:ext cx="1295400" cy="646331"/>
+          </a:xfrm>
+          <a:prstGeom prst="rect">
+            <a:avLst/>
+          </a:prstGeom>
+          <a:noFill/>
+        </p:spPr>
+        <p:txBody>
+          <a:bodyPr wrap="square" rtlCol="0">
+            <a:spAutoFit/>
+          </a:bodyPr>
+          <a:lstStyle/>
+          <a:p>
+            <a:pPr algn="ctr"/>
+            <a:r>
+              <a:rPr lang="fr-FR" dirty="0" err="1"/>
+              <a:t>Predicted</a:t>
+            </a:r>
+            <a:r>
+              <a:rPr lang="fr-FR" dirty="0"/>
+              <a:t> score</a:t>
+            </a:r>
+            <a:endParaRPr lang="en-US" dirty="0"/>
+          </a:p>
+        </p:txBody>
+      </p:sp>
+      <p:sp>
+        <p:nvSpPr>
+          <p:cNvPr id="9" name="Forme libre : forme 8">
+            <a:extLst>
+              <a:ext uri="{FF2B5EF4-FFF2-40B4-BE49-F238E27FC236}">
+                <a16:creationId xmlns:a16="http://schemas.microsoft.com/office/drawing/2014/main" id="{89D1E825-CF82-7D10-ABA9-D6D65275A98A}"/>
+              </a:ext>
+            </a:extLst>
+          </p:cNvPr>
+          <p:cNvSpPr/>
+          <p:nvPr/>
+        </p:nvSpPr>
+        <p:spPr>
+          <a:xfrm>
+            <a:off x="2127380" y="3046444"/>
+            <a:ext cx="5111618" cy="1133670"/>
+          </a:xfrm>
+          <a:custGeom>
+            <a:avLst/>
+            <a:gdLst>
+              <a:gd name="connsiteX0" fmla="*/ 0 w 3685591"/>
+              <a:gd name="connsiteY0" fmla="*/ 139972 h 1175670"/>
+              <a:gd name="connsiteX1" fmla="*/ 326571 w 3685591"/>
+              <a:gd name="connsiteY1" fmla="*/ 149303 h 1175670"/>
+              <a:gd name="connsiteX2" fmla="*/ 438538 w 3685591"/>
+              <a:gd name="connsiteY2" fmla="*/ 214617 h 1175670"/>
+              <a:gd name="connsiteX3" fmla="*/ 494522 w 3685591"/>
+              <a:gd name="connsiteY3" fmla="*/ 279932 h 1175670"/>
+              <a:gd name="connsiteX4" fmla="*/ 541175 w 3685591"/>
+              <a:gd name="connsiteY4" fmla="*/ 391899 h 1175670"/>
+              <a:gd name="connsiteX5" fmla="*/ 569167 w 3685591"/>
+              <a:gd name="connsiteY5" fmla="*/ 438552 h 1175670"/>
+              <a:gd name="connsiteX6" fmla="*/ 625151 w 3685591"/>
+              <a:gd name="connsiteY6" fmla="*/ 541189 h 1175670"/>
+              <a:gd name="connsiteX7" fmla="*/ 662473 w 3685591"/>
+              <a:gd name="connsiteY7" fmla="*/ 587842 h 1175670"/>
+              <a:gd name="connsiteX8" fmla="*/ 699796 w 3685591"/>
+              <a:gd name="connsiteY8" fmla="*/ 606503 h 1175670"/>
+              <a:gd name="connsiteX9" fmla="*/ 802432 w 3685591"/>
+              <a:gd name="connsiteY9" fmla="*/ 578511 h 1175670"/>
+              <a:gd name="connsiteX10" fmla="*/ 839755 w 3685591"/>
+              <a:gd name="connsiteY10" fmla="*/ 531858 h 1175670"/>
+              <a:gd name="connsiteX11" fmla="*/ 867747 w 3685591"/>
+              <a:gd name="connsiteY11" fmla="*/ 485205 h 1175670"/>
+              <a:gd name="connsiteX12" fmla="*/ 905069 w 3685591"/>
+              <a:gd name="connsiteY12" fmla="*/ 475874 h 1175670"/>
+              <a:gd name="connsiteX13" fmla="*/ 989044 w 3685591"/>
+              <a:gd name="connsiteY13" fmla="*/ 503866 h 1175670"/>
+              <a:gd name="connsiteX14" fmla="*/ 1017036 w 3685591"/>
+              <a:gd name="connsiteY14" fmla="*/ 522527 h 1175670"/>
+              <a:gd name="connsiteX15" fmla="*/ 1026367 w 3685591"/>
+              <a:gd name="connsiteY15" fmla="*/ 559850 h 1175670"/>
+              <a:gd name="connsiteX16" fmla="*/ 1045028 w 3685591"/>
+              <a:gd name="connsiteY16" fmla="*/ 615834 h 1175670"/>
+              <a:gd name="connsiteX17" fmla="*/ 1073020 w 3685591"/>
+              <a:gd name="connsiteY17" fmla="*/ 858429 h 1175670"/>
+              <a:gd name="connsiteX18" fmla="*/ 1091681 w 3685591"/>
+              <a:gd name="connsiteY18" fmla="*/ 886421 h 1175670"/>
+              <a:gd name="connsiteX19" fmla="*/ 1101012 w 3685591"/>
+              <a:gd name="connsiteY19" fmla="*/ 923744 h 1175670"/>
+              <a:gd name="connsiteX20" fmla="*/ 1166326 w 3685591"/>
+              <a:gd name="connsiteY20" fmla="*/ 979727 h 1175670"/>
+              <a:gd name="connsiteX21" fmla="*/ 1184987 w 3685591"/>
+              <a:gd name="connsiteY21" fmla="*/ 1007719 h 1175670"/>
+              <a:gd name="connsiteX22" fmla="*/ 1231640 w 3685591"/>
+              <a:gd name="connsiteY22" fmla="*/ 1017050 h 1175670"/>
+              <a:gd name="connsiteX23" fmla="*/ 1259632 w 3685591"/>
+              <a:gd name="connsiteY23" fmla="*/ 1026380 h 1175670"/>
+              <a:gd name="connsiteX24" fmla="*/ 1296955 w 3685591"/>
+              <a:gd name="connsiteY24" fmla="*/ 1035711 h 1175670"/>
+              <a:gd name="connsiteX25" fmla="*/ 1399591 w 3685591"/>
+              <a:gd name="connsiteY25" fmla="*/ 1026380 h 1175670"/>
+              <a:gd name="connsiteX26" fmla="*/ 1464906 w 3685591"/>
+              <a:gd name="connsiteY26" fmla="*/ 989058 h 1175670"/>
+              <a:gd name="connsiteX27" fmla="*/ 1586204 w 3685591"/>
+              <a:gd name="connsiteY27" fmla="*/ 1007719 h 1175670"/>
+              <a:gd name="connsiteX28" fmla="*/ 1623526 w 3685591"/>
+              <a:gd name="connsiteY28" fmla="*/ 1035711 h 1175670"/>
+              <a:gd name="connsiteX29" fmla="*/ 1660849 w 3685591"/>
+              <a:gd name="connsiteY29" fmla="*/ 1045042 h 1175670"/>
+              <a:gd name="connsiteX30" fmla="*/ 1688840 w 3685591"/>
+              <a:gd name="connsiteY30" fmla="*/ 1073034 h 1175670"/>
+              <a:gd name="connsiteX31" fmla="*/ 1763485 w 3685591"/>
+              <a:gd name="connsiteY31" fmla="*/ 1110356 h 1175670"/>
+              <a:gd name="connsiteX32" fmla="*/ 1978089 w 3685591"/>
+              <a:gd name="connsiteY32" fmla="*/ 1138348 h 1175670"/>
+              <a:gd name="connsiteX33" fmla="*/ 2080726 w 3685591"/>
+              <a:gd name="connsiteY33" fmla="*/ 1157009 h 1175670"/>
+              <a:gd name="connsiteX34" fmla="*/ 2164702 w 3685591"/>
+              <a:gd name="connsiteY34" fmla="*/ 1175670 h 1175670"/>
+              <a:gd name="connsiteX35" fmla="*/ 2341983 w 3685591"/>
+              <a:gd name="connsiteY35" fmla="*/ 1166340 h 1175670"/>
+              <a:gd name="connsiteX36" fmla="*/ 2360644 w 3685591"/>
+              <a:gd name="connsiteY36" fmla="*/ 1147678 h 1175670"/>
+              <a:gd name="connsiteX37" fmla="*/ 2388636 w 3685591"/>
+              <a:gd name="connsiteY37" fmla="*/ 1129017 h 1175670"/>
+              <a:gd name="connsiteX38" fmla="*/ 2463281 w 3685591"/>
+              <a:gd name="connsiteY38" fmla="*/ 1017050 h 1175670"/>
+              <a:gd name="connsiteX39" fmla="*/ 2500604 w 3685591"/>
+              <a:gd name="connsiteY39" fmla="*/ 942405 h 1175670"/>
+              <a:gd name="connsiteX40" fmla="*/ 2528596 w 3685591"/>
+              <a:gd name="connsiteY40" fmla="*/ 877091 h 1175670"/>
+              <a:gd name="connsiteX41" fmla="*/ 2565918 w 3685591"/>
+              <a:gd name="connsiteY41" fmla="*/ 839768 h 1175670"/>
+              <a:gd name="connsiteX42" fmla="*/ 2603240 w 3685591"/>
+              <a:gd name="connsiteY42" fmla="*/ 765123 h 1175670"/>
+              <a:gd name="connsiteX43" fmla="*/ 2771191 w 3685591"/>
+              <a:gd name="connsiteY43" fmla="*/ 615834 h 1175670"/>
+              <a:gd name="connsiteX44" fmla="*/ 2817844 w 3685591"/>
+              <a:gd name="connsiteY44" fmla="*/ 606503 h 1175670"/>
+              <a:gd name="connsiteX45" fmla="*/ 3135085 w 3685591"/>
+              <a:gd name="connsiteY45" fmla="*/ 578511 h 1175670"/>
+              <a:gd name="connsiteX46" fmla="*/ 3163077 w 3685591"/>
+              <a:gd name="connsiteY46" fmla="*/ 550519 h 1175670"/>
+              <a:gd name="connsiteX47" fmla="*/ 3200400 w 3685591"/>
+              <a:gd name="connsiteY47" fmla="*/ 429221 h 1175670"/>
+              <a:gd name="connsiteX48" fmla="*/ 3209730 w 3685591"/>
+              <a:gd name="connsiteY48" fmla="*/ 373238 h 1175670"/>
+              <a:gd name="connsiteX49" fmla="*/ 3256383 w 3685591"/>
+              <a:gd name="connsiteY49" fmla="*/ 289262 h 1175670"/>
+              <a:gd name="connsiteX50" fmla="*/ 3275044 w 3685591"/>
+              <a:gd name="connsiteY50" fmla="*/ 261270 h 1175670"/>
+              <a:gd name="connsiteX51" fmla="*/ 3368351 w 3685591"/>
+              <a:gd name="connsiteY51" fmla="*/ 167964 h 1175670"/>
+              <a:gd name="connsiteX52" fmla="*/ 3452326 w 3685591"/>
+              <a:gd name="connsiteY52" fmla="*/ 130642 h 1175670"/>
+              <a:gd name="connsiteX53" fmla="*/ 3517640 w 3685591"/>
+              <a:gd name="connsiteY53" fmla="*/ 93319 h 1175670"/>
+              <a:gd name="connsiteX54" fmla="*/ 3629608 w 3685591"/>
+              <a:gd name="connsiteY54" fmla="*/ 55997 h 1175670"/>
+              <a:gd name="connsiteX55" fmla="*/ 3685591 w 3685591"/>
+              <a:gd name="connsiteY55" fmla="*/ 13 h 1175670"/>
+            </a:gdLst>
+            <a:ahLst/>
+            <a:cxnLst>
+              <a:cxn ang="0">
+                <a:pos x="connsiteX0" y="connsiteY0"/>
+              </a:cxn>
+              <a:cxn ang="0">
+                <a:pos x="connsiteX1" y="connsiteY1"/>
+              </a:cxn>
+              <a:cxn ang="0">
+                <a:pos x="connsiteX2" y="connsiteY2"/>
+              </a:cxn>
+              <a:cxn ang="0">
+                <a:pos x="connsiteX3" y="connsiteY3"/>
+              </a:cxn>
+              <a:cxn ang="0">
+                <a:pos x="connsiteX4" y="connsiteY4"/>
+              </a:cxn>
+              <a:cxn ang="0">
+                <a:pos x="connsiteX5" y="connsiteY5"/>
+              </a:cxn>
+              <a:cxn ang="0">
+                <a:pos x="connsiteX6" y="connsiteY6"/>
+              </a:cxn>
+              <a:cxn ang="0">
+                <a:pos x="connsiteX7" y="connsiteY7"/>
+              </a:cxn>
+              <a:cxn ang="0">
+                <a:pos x="connsiteX8" y="connsiteY8"/>
+              </a:cxn>
+              <a:cxn ang="0">
+                <a:pos x="connsiteX9" y="connsiteY9"/>
+              </a:cxn>
+              <a:cxn ang="0">
+                <a:pos x="connsiteX10" y="connsiteY10"/>
+              </a:cxn>
+              <a:cxn ang="0">
+                <a:pos x="connsiteX11" y="connsiteY11"/>
+              </a:cxn>
+              <a:cxn ang="0">
+                <a:pos x="connsiteX12" y="connsiteY12"/>
+              </a:cxn>
+              <a:cxn ang="0">
+                <a:pos x="connsiteX13" y="connsiteY13"/>
+              </a:cxn>
+              <a:cxn ang="0">
+                <a:pos x="connsiteX14" y="connsiteY14"/>
+              </a:cxn>
+              <a:cxn ang="0">
+                <a:pos x="connsiteX15" y="connsiteY15"/>
+              </a:cxn>
+              <a:cxn ang="0">
+                <a:pos x="connsiteX16" y="connsiteY16"/>
+              </a:cxn>
+              <a:cxn ang="0">
+                <a:pos x="connsiteX17" y="connsiteY17"/>
+              </a:cxn>
+              <a:cxn ang="0">
+                <a:pos x="connsiteX18" y="connsiteY18"/>
+              </a:cxn>
+              <a:cxn ang="0">
+                <a:pos x="connsiteX19" y="connsiteY19"/>
+              </a:cxn>
+              <a:cxn ang="0">
+                <a:pos x="connsiteX20" y="connsiteY20"/>
+              </a:cxn>
+              <a:cxn ang="0">
+                <a:pos x="connsiteX21" y="connsiteY21"/>
+              </a:cxn>
+              <a:cxn ang="0">
+                <a:pos x="connsiteX22" y="connsiteY22"/>
+              </a:cxn>
+              <a:cxn ang="0">
+                <a:pos x="connsiteX23" y="connsiteY23"/>
+              </a:cxn>
+              <a:cxn ang="0">
+                <a:pos x="connsiteX24" y="connsiteY24"/>
+              </a:cxn>
+              <a:cxn ang="0">
+                <a:pos x="connsiteX25" y="connsiteY25"/>
+              </a:cxn>
+              <a:cxn ang="0">
+                <a:pos x="connsiteX26" y="connsiteY26"/>
+              </a:cxn>
+              <a:cxn ang="0">
+                <a:pos x="connsiteX27" y="connsiteY27"/>
+              </a:cxn>
+              <a:cxn ang="0">
+                <a:pos x="connsiteX28" y="connsiteY28"/>
+              </a:cxn>
+              <a:cxn ang="0">
+                <a:pos x="connsiteX29" y="connsiteY29"/>
+              </a:cxn>
+              <a:cxn ang="0">
+                <a:pos x="connsiteX30" y="connsiteY30"/>
+              </a:cxn>
+              <a:cxn ang="0">
+                <a:pos x="connsiteX31" y="connsiteY31"/>
+              </a:cxn>
+              <a:cxn ang="0">
+                <a:pos x="connsiteX32" y="connsiteY32"/>
+              </a:cxn>
+              <a:cxn ang="0">
+                <a:pos x="connsiteX33" y="connsiteY33"/>
+              </a:cxn>
+              <a:cxn ang="0">
+                <a:pos x="connsiteX34" y="connsiteY34"/>
+              </a:cxn>
+              <a:cxn ang="0">
+                <a:pos x="connsiteX35" y="connsiteY35"/>
+              </a:cxn>
+              <a:cxn ang="0">
+                <a:pos x="connsiteX36" y="connsiteY36"/>
+              </a:cxn>
+              <a:cxn ang="0">
+                <a:pos x="connsiteX37" y="connsiteY37"/>
+              </a:cxn>
+              <a:cxn ang="0">
+                <a:pos x="connsiteX38" y="connsiteY38"/>
+              </a:cxn>
+              <a:cxn ang="0">
+                <a:pos x="connsiteX39" y="connsiteY39"/>
+              </a:cxn>
+              <a:cxn ang="0">
+                <a:pos x="connsiteX40" y="connsiteY40"/>
+              </a:cxn>
+              <a:cxn ang="0">
+                <a:pos x="connsiteX41" y="connsiteY41"/>
+              </a:cxn>
+              <a:cxn ang="0">
+                <a:pos x="connsiteX42" y="connsiteY42"/>
+              </a:cxn>
+              <a:cxn ang="0">
+                <a:pos x="connsiteX43" y="connsiteY43"/>
+              </a:cxn>
+              <a:cxn ang="0">
+                <a:pos x="connsiteX44" y="connsiteY44"/>
+              </a:cxn>
+              <a:cxn ang="0">
+                <a:pos x="connsiteX45" y="connsiteY45"/>
+              </a:cxn>
+              <a:cxn ang="0">
+                <a:pos x="connsiteX46" y="connsiteY46"/>
+              </a:cxn>
+              <a:cxn ang="0">
+                <a:pos x="connsiteX47" y="connsiteY47"/>
+              </a:cxn>
+              <a:cxn ang="0">
+                <a:pos x="connsiteX48" y="connsiteY48"/>
+              </a:cxn>
+              <a:cxn ang="0">
+                <a:pos x="connsiteX49" y="connsiteY49"/>
+              </a:cxn>
+              <a:cxn ang="0">
+                <a:pos x="connsiteX50" y="connsiteY50"/>
+              </a:cxn>
+              <a:cxn ang="0">
+                <a:pos x="connsiteX51" y="connsiteY51"/>
+              </a:cxn>
+              <a:cxn ang="0">
+                <a:pos x="connsiteX52" y="connsiteY52"/>
+              </a:cxn>
+              <a:cxn ang="0">
+                <a:pos x="connsiteX53" y="connsiteY53"/>
+              </a:cxn>
+              <a:cxn ang="0">
+                <a:pos x="connsiteX54" y="connsiteY54"/>
+              </a:cxn>
+              <a:cxn ang="0">
+                <a:pos x="connsiteX55" y="connsiteY55"/>
+              </a:cxn>
+            </a:cxnLst>
+            <a:rect l="l" t="t" r="r" b="b"/>
+            <a:pathLst>
+              <a:path w="3685591" h="1175670">
+                <a:moveTo>
+                  <a:pt x="0" y="139972"/>
+                </a:moveTo>
+                <a:cubicBezTo>
+                  <a:pt x="108857" y="143082"/>
+                  <a:pt x="219214" y="131029"/>
+                  <a:pt x="326571" y="149303"/>
+                </a:cubicBezTo>
+                <a:cubicBezTo>
+                  <a:pt x="369167" y="156553"/>
+                  <a:pt x="407985" y="184064"/>
+                  <a:pt x="438538" y="214617"/>
+                </a:cubicBezTo>
+                <a:cubicBezTo>
+                  <a:pt x="462292" y="238371"/>
+                  <a:pt x="476566" y="250006"/>
+                  <a:pt x="494522" y="279932"/>
+                </a:cubicBezTo>
+                <a:cubicBezTo>
+                  <a:pt x="548507" y="369906"/>
+                  <a:pt x="499704" y="300662"/>
+                  <a:pt x="541175" y="391899"/>
+                </a:cubicBezTo>
+                <a:cubicBezTo>
+                  <a:pt x="548679" y="408409"/>
+                  <a:pt x="560483" y="422631"/>
+                  <a:pt x="569167" y="438552"/>
+                </a:cubicBezTo>
+                <a:cubicBezTo>
+                  <a:pt x="593929" y="483950"/>
+                  <a:pt x="596281" y="499947"/>
+                  <a:pt x="625151" y="541189"/>
+                </a:cubicBezTo>
+                <a:cubicBezTo>
+                  <a:pt x="636571" y="557504"/>
+                  <a:pt x="647485" y="574728"/>
+                  <a:pt x="662473" y="587842"/>
+                </a:cubicBezTo>
+                <a:cubicBezTo>
+                  <a:pt x="672941" y="597001"/>
+                  <a:pt x="687355" y="600283"/>
+                  <a:pt x="699796" y="606503"/>
+                </a:cubicBezTo>
+                <a:cubicBezTo>
+                  <a:pt x="734008" y="597172"/>
+                  <a:pt x="771142" y="595199"/>
+                  <a:pt x="802432" y="578511"/>
+                </a:cubicBezTo>
+                <a:cubicBezTo>
+                  <a:pt x="820004" y="569139"/>
+                  <a:pt x="829200" y="548746"/>
+                  <a:pt x="839755" y="531858"/>
+                </a:cubicBezTo>
+                <a:cubicBezTo>
+                  <a:pt x="854267" y="508639"/>
+                  <a:pt x="839983" y="499087"/>
+                  <a:pt x="867747" y="485205"/>
+                </a:cubicBezTo>
+                <a:cubicBezTo>
+                  <a:pt x="879217" y="479470"/>
+                  <a:pt x="892628" y="478984"/>
+                  <a:pt x="905069" y="475874"/>
+                </a:cubicBezTo>
+                <a:cubicBezTo>
+                  <a:pt x="933061" y="485205"/>
+                  <a:pt x="961808" y="492518"/>
+                  <a:pt x="989044" y="503866"/>
+                </a:cubicBezTo>
+                <a:cubicBezTo>
+                  <a:pt x="999395" y="508179"/>
+                  <a:pt x="1010816" y="513196"/>
+                  <a:pt x="1017036" y="522527"/>
+                </a:cubicBezTo>
+                <a:cubicBezTo>
+                  <a:pt x="1024149" y="533197"/>
+                  <a:pt x="1022682" y="547567"/>
+                  <a:pt x="1026367" y="559850"/>
+                </a:cubicBezTo>
+                <a:cubicBezTo>
+                  <a:pt x="1032019" y="578691"/>
+                  <a:pt x="1045028" y="615834"/>
+                  <a:pt x="1045028" y="615834"/>
+                </a:cubicBezTo>
+                <a:cubicBezTo>
+                  <a:pt x="1050076" y="701640"/>
+                  <a:pt x="1046100" y="777668"/>
+                  <a:pt x="1073020" y="858429"/>
+                </a:cubicBezTo>
+                <a:cubicBezTo>
+                  <a:pt x="1076566" y="869068"/>
+                  <a:pt x="1085461" y="877090"/>
+                  <a:pt x="1091681" y="886421"/>
+                </a:cubicBezTo>
+                <a:cubicBezTo>
+                  <a:pt x="1094791" y="898862"/>
+                  <a:pt x="1094650" y="912610"/>
+                  <a:pt x="1101012" y="923744"/>
+                </a:cubicBezTo>
+                <a:cubicBezTo>
+                  <a:pt x="1110759" y="940802"/>
+                  <a:pt x="1152907" y="969663"/>
+                  <a:pt x="1166326" y="979727"/>
+                </a:cubicBezTo>
+                <a:cubicBezTo>
+                  <a:pt x="1172546" y="989058"/>
+                  <a:pt x="1175251" y="1002155"/>
+                  <a:pt x="1184987" y="1007719"/>
+                </a:cubicBezTo>
+                <a:cubicBezTo>
+                  <a:pt x="1198756" y="1015587"/>
+                  <a:pt x="1216255" y="1013204"/>
+                  <a:pt x="1231640" y="1017050"/>
+                </a:cubicBezTo>
+                <a:cubicBezTo>
+                  <a:pt x="1241182" y="1019435"/>
+                  <a:pt x="1250175" y="1023678"/>
+                  <a:pt x="1259632" y="1026380"/>
+                </a:cubicBezTo>
+                <a:cubicBezTo>
+                  <a:pt x="1271963" y="1029903"/>
+                  <a:pt x="1284514" y="1032601"/>
+                  <a:pt x="1296955" y="1035711"/>
+                </a:cubicBezTo>
+                <a:cubicBezTo>
+                  <a:pt x="1331167" y="1032601"/>
+                  <a:pt x="1365905" y="1033117"/>
+                  <a:pt x="1399591" y="1026380"/>
+                </a:cubicBezTo>
+                <a:cubicBezTo>
+                  <a:pt x="1416503" y="1022997"/>
+                  <a:pt x="1449882" y="999074"/>
+                  <a:pt x="1464906" y="989058"/>
+                </a:cubicBezTo>
+                <a:cubicBezTo>
+                  <a:pt x="1505339" y="995278"/>
+                  <a:pt x="1546958" y="996176"/>
+                  <a:pt x="1586204" y="1007719"/>
+                </a:cubicBezTo>
+                <a:cubicBezTo>
+                  <a:pt x="1601123" y="1012107"/>
+                  <a:pt x="1609617" y="1028756"/>
+                  <a:pt x="1623526" y="1035711"/>
+                </a:cubicBezTo>
+                <a:cubicBezTo>
+                  <a:pt x="1634996" y="1041446"/>
+                  <a:pt x="1648408" y="1041932"/>
+                  <a:pt x="1660849" y="1045042"/>
+                </a:cubicBezTo>
+                <a:cubicBezTo>
+                  <a:pt x="1670179" y="1054373"/>
+                  <a:pt x="1677708" y="1065950"/>
+                  <a:pt x="1688840" y="1073034"/>
+                </a:cubicBezTo>
+                <a:cubicBezTo>
+                  <a:pt x="1712309" y="1087969"/>
+                  <a:pt x="1736207" y="1104900"/>
+                  <a:pt x="1763485" y="1110356"/>
+                </a:cubicBezTo>
+                <a:cubicBezTo>
+                  <a:pt x="1865372" y="1130734"/>
+                  <a:pt x="1794376" y="1117936"/>
+                  <a:pt x="1978089" y="1138348"/>
+                </a:cubicBezTo>
+                <a:cubicBezTo>
+                  <a:pt x="2069245" y="1161135"/>
+                  <a:pt x="1946985" y="1131932"/>
+                  <a:pt x="2080726" y="1157009"/>
+                </a:cubicBezTo>
+                <a:cubicBezTo>
+                  <a:pt x="2108910" y="1162293"/>
+                  <a:pt x="2136710" y="1169450"/>
+                  <a:pt x="2164702" y="1175670"/>
+                </a:cubicBezTo>
+                <a:cubicBezTo>
+                  <a:pt x="2223796" y="1172560"/>
+                  <a:pt x="2283402" y="1174709"/>
+                  <a:pt x="2341983" y="1166340"/>
+                </a:cubicBezTo>
+                <a:cubicBezTo>
+                  <a:pt x="2350692" y="1165096"/>
+                  <a:pt x="2353775" y="1153174"/>
+                  <a:pt x="2360644" y="1147678"/>
+                </a:cubicBezTo>
+                <a:cubicBezTo>
+                  <a:pt x="2369401" y="1140673"/>
+                  <a:pt x="2379305" y="1135237"/>
+                  <a:pt x="2388636" y="1129017"/>
+                </a:cubicBezTo>
+                <a:cubicBezTo>
+                  <a:pt x="2443531" y="1041185"/>
+                  <a:pt x="2417684" y="1077845"/>
+                  <a:pt x="2463281" y="1017050"/>
+                </a:cubicBezTo>
+                <a:cubicBezTo>
+                  <a:pt x="2486194" y="925400"/>
+                  <a:pt x="2453021" y="1037571"/>
+                  <a:pt x="2500604" y="942405"/>
+                </a:cubicBezTo>
+                <a:cubicBezTo>
+                  <a:pt x="2529789" y="884036"/>
+                  <a:pt x="2487836" y="924644"/>
+                  <a:pt x="2528596" y="877091"/>
+                </a:cubicBezTo>
+                <a:cubicBezTo>
+                  <a:pt x="2540046" y="863733"/>
+                  <a:pt x="2556159" y="854407"/>
+                  <a:pt x="2565918" y="839768"/>
+                </a:cubicBezTo>
+                <a:cubicBezTo>
+                  <a:pt x="2581349" y="816622"/>
+                  <a:pt x="2585862" y="786846"/>
+                  <a:pt x="2603240" y="765123"/>
+                </a:cubicBezTo>
+                <a:cubicBezTo>
+                  <a:pt x="2628196" y="733928"/>
+                  <a:pt x="2715002" y="641375"/>
+                  <a:pt x="2771191" y="615834"/>
+                </a:cubicBezTo>
+                <a:cubicBezTo>
+                  <a:pt x="2785628" y="609271"/>
+                  <a:pt x="2802293" y="609613"/>
+                  <a:pt x="2817844" y="606503"/>
+                </a:cubicBezTo>
+                <a:cubicBezTo>
+                  <a:pt x="2982211" y="613975"/>
+                  <a:pt x="3004206" y="639589"/>
+                  <a:pt x="3135085" y="578511"/>
+                </a:cubicBezTo>
+                <a:cubicBezTo>
+                  <a:pt x="3147043" y="572931"/>
+                  <a:pt x="3153746" y="559850"/>
+                  <a:pt x="3163077" y="550519"/>
+                </a:cubicBezTo>
+                <a:cubicBezTo>
+                  <a:pt x="3188749" y="422164"/>
+                  <a:pt x="3148191" y="611954"/>
+                  <a:pt x="3200400" y="429221"/>
+                </a:cubicBezTo>
+                <a:cubicBezTo>
+                  <a:pt x="3205597" y="411031"/>
+                  <a:pt x="3204752" y="391490"/>
+                  <a:pt x="3209730" y="373238"/>
+                </a:cubicBezTo>
+                <a:cubicBezTo>
+                  <a:pt x="3222794" y="325336"/>
+                  <a:pt x="3228901" y="327737"/>
+                  <a:pt x="3256383" y="289262"/>
+                </a:cubicBezTo>
+                <a:cubicBezTo>
+                  <a:pt x="3262901" y="280137"/>
+                  <a:pt x="3268316" y="270241"/>
+                  <a:pt x="3275044" y="261270"/>
+                </a:cubicBezTo>
+                <a:cubicBezTo>
+                  <a:pt x="3302981" y="224021"/>
+                  <a:pt x="3327026" y="192759"/>
+                  <a:pt x="3368351" y="167964"/>
+                </a:cubicBezTo>
+                <a:cubicBezTo>
+                  <a:pt x="3394618" y="152204"/>
+                  <a:pt x="3424928" y="144341"/>
+                  <a:pt x="3452326" y="130642"/>
+                </a:cubicBezTo>
+                <a:cubicBezTo>
+                  <a:pt x="3474754" y="119428"/>
+                  <a:pt x="3494358" y="102632"/>
+                  <a:pt x="3517640" y="93319"/>
+                </a:cubicBezTo>
+                <a:cubicBezTo>
+                  <a:pt x="3738015" y="5168"/>
+                  <a:pt x="3497630" y="121984"/>
+                  <a:pt x="3629608" y="55997"/>
+                </a:cubicBezTo>
+                <a:cubicBezTo>
+                  <a:pt x="3678252" y="-2376"/>
+                  <a:pt x="3651969" y="13"/>
+                  <a:pt x="3685591" y="13"/>
+                </a:cubicBezTo>
+              </a:path>
+            </a:pathLst>
+          </a:custGeom>
+          <a:noFill/>
+        </p:spPr>
+        <p:style>
+          <a:lnRef idx="2">
+            <a:schemeClr val="accent1">
+              <a:shade val="15000"/>
+            </a:schemeClr>
+          </a:lnRef>
+          <a:fillRef idx="1">
+            <a:schemeClr val="accent1"/>
+          </a:fillRef>
+          <a:effectRef idx="0">
+            <a:schemeClr val="accent1"/>
+          </a:effectRef>
+          <a:fontRef idx="minor">
+            <a:schemeClr val="lt1"/>
+          </a:fontRef>
+        </p:style>
+        <p:txBody>
+          <a:bodyPr rtlCol="0" anchor="ctr"/>
+          <a:lstStyle/>
+          <a:p>
+            <a:pPr algn="ctr"/>
+            <a:endParaRPr lang="en-US"/>
+          </a:p>
+        </p:txBody>
+      </p:sp>
+      <p:sp>
+        <p:nvSpPr>
+          <p:cNvPr id="10" name="ZoneTexte 9">
+            <a:extLst>
+              <a:ext uri="{FF2B5EF4-FFF2-40B4-BE49-F238E27FC236}">
+                <a16:creationId xmlns:a16="http://schemas.microsoft.com/office/drawing/2014/main" id="{749FEA24-CFA4-0134-CABC-7AFD75AAF128}"/>
+              </a:ext>
+            </a:extLst>
+          </p:cNvPr>
+          <p:cNvSpPr txBox="1"/>
+          <p:nvPr/>
+        </p:nvSpPr>
+        <p:spPr>
+          <a:xfrm>
+            <a:off x="3657600" y="4425822"/>
+            <a:ext cx="2590800" cy="380999"/>
+          </a:xfrm>
+          <a:prstGeom prst="rect">
+            <a:avLst/>
+          </a:prstGeom>
+          <a:noFill/>
+        </p:spPr>
+        <p:txBody>
+          <a:bodyPr wrap="square" rtlCol="0">
+            <a:spAutoFit/>
+          </a:bodyPr>
+          <a:lstStyle/>
+          <a:p>
+            <a:pPr algn="ctr"/>
+            <a:r>
+              <a:rPr lang="fr-FR" dirty="0"/>
+              <a:t>DNA </a:t>
+            </a:r>
+            <a:r>
+              <a:rPr lang="fr-FR" dirty="0" err="1"/>
+              <a:t>sequence</a:t>
+            </a:r>
+            <a:r>
+              <a:rPr lang="fr-FR" dirty="0"/>
+              <a:t> </a:t>
+            </a:r>
+            <a:r>
+              <a:rPr lang="fr-FR" dirty="0" err="1"/>
+              <a:t>space</a:t>
+            </a:r>
+            <a:endParaRPr lang="en-US" dirty="0"/>
+          </a:p>
+        </p:txBody>
+      </p:sp>
+      <p:cxnSp>
+        <p:nvCxnSpPr>
+          <p:cNvPr id="12" name="Connecteur droit avec flèche 11">
+            <a:extLst>
+              <a:ext uri="{FF2B5EF4-FFF2-40B4-BE49-F238E27FC236}">
+                <a16:creationId xmlns:a16="http://schemas.microsoft.com/office/drawing/2014/main" id="{F743C880-8646-33B2-F839-3A8F247DDFB1}"/>
+              </a:ext>
+            </a:extLst>
+          </p:cNvPr>
+          <p:cNvCxnSpPr>
+            <a:cxnSpLocks/>
+            <a:stCxn id="15" idx="2"/>
+          </p:cNvCxnSpPr>
+          <p:nvPr/>
+        </p:nvCxnSpPr>
+        <p:spPr>
+          <a:xfrm>
+            <a:off x="5391151" y="3278863"/>
+            <a:ext cx="0" cy="815714"/>
+          </a:xfrm>
+          <a:prstGeom prst="straightConnector1">
+            <a:avLst/>
+          </a:prstGeom>
+          <a:ln w="19050">
+            <a:tailEnd type="triangle"/>
+          </a:ln>
+        </p:spPr>
+        <p:style>
+          <a:lnRef idx="1">
+            <a:schemeClr val="dk1"/>
+          </a:lnRef>
+          <a:fillRef idx="0">
+            <a:schemeClr val="dk1"/>
+          </a:fillRef>
+          <a:effectRef idx="0">
+            <a:schemeClr val="dk1"/>
+          </a:effectRef>
+          <a:fontRef idx="minor">
+            <a:schemeClr val="tx1"/>
+          </a:fontRef>
+        </p:style>
+      </p:cxnSp>
+      <p:sp>
+        <p:nvSpPr>
+          <p:cNvPr id="15" name="ZoneTexte 14">
+            <a:extLst>
+              <a:ext uri="{FF2B5EF4-FFF2-40B4-BE49-F238E27FC236}">
+                <a16:creationId xmlns:a16="http://schemas.microsoft.com/office/drawing/2014/main" id="{3BD48ACF-D9FD-5755-573C-C2A90B9F43EA}"/>
+              </a:ext>
+            </a:extLst>
+          </p:cNvPr>
+          <p:cNvSpPr txBox="1"/>
+          <p:nvPr/>
+        </p:nvSpPr>
+        <p:spPr>
+          <a:xfrm>
+            <a:off x="4381502" y="2755643"/>
+            <a:ext cx="2019298" cy="523220"/>
+          </a:xfrm>
+          <a:prstGeom prst="rect">
+            <a:avLst/>
+          </a:prstGeom>
+          <a:noFill/>
+        </p:spPr>
+        <p:txBody>
+          <a:bodyPr wrap="square" rtlCol="0">
+            <a:spAutoFit/>
+          </a:bodyPr>
+          <a:lstStyle/>
+          <a:p>
+            <a:pPr algn="ctr"/>
+            <a:r>
+              <a:rPr lang="fr-FR" sz="1400" dirty="0"/>
+              <a:t>Best </a:t>
+            </a:r>
+            <a:r>
+              <a:rPr lang="fr-FR" sz="1400" dirty="0" err="1"/>
+              <a:t>sequence</a:t>
+            </a:r>
+            <a:r>
+              <a:rPr lang="fr-FR" sz="1400" dirty="0"/>
+              <a:t>:</a:t>
+            </a:r>
+          </a:p>
+          <a:p>
+            <a:pPr algn="ctr"/>
+            <a:r>
+              <a:rPr lang="fr-FR" sz="1400" dirty="0"/>
+              <a:t>TGGATCGT</a:t>
+            </a:r>
+            <a:endParaRPr lang="en-US" sz="1400" dirty="0"/>
+          </a:p>
+        </p:txBody>
+      </p:sp>
+      <p:sp>
+        <p:nvSpPr>
+          <p:cNvPr id="17" name="ZoneTexte 16">
+            <a:extLst>
+              <a:ext uri="{FF2B5EF4-FFF2-40B4-BE49-F238E27FC236}">
+                <a16:creationId xmlns:a16="http://schemas.microsoft.com/office/drawing/2014/main" id="{3E4AB59C-FD83-A106-F337-85C8C5BD17F7}"/>
+              </a:ext>
+            </a:extLst>
+          </p:cNvPr>
+          <p:cNvSpPr txBox="1"/>
+          <p:nvPr/>
+        </p:nvSpPr>
+        <p:spPr>
+          <a:xfrm>
+            <a:off x="2428535" y="2757198"/>
+            <a:ext cx="2019298" cy="523220"/>
+          </a:xfrm>
+          <a:prstGeom prst="rect">
+            <a:avLst/>
+          </a:prstGeom>
+          <a:noFill/>
+        </p:spPr>
+        <p:txBody>
+          <a:bodyPr wrap="square" rtlCol="0">
+            <a:spAutoFit/>
+          </a:bodyPr>
+          <a:lstStyle/>
+          <a:p>
+            <a:pPr algn="ctr"/>
+            <a:r>
+              <a:rPr lang="fr-FR" sz="1400" dirty="0"/>
+              <a:t>Initial </a:t>
+            </a:r>
+            <a:r>
+              <a:rPr lang="fr-FR" sz="1400" dirty="0" err="1"/>
+              <a:t>sequence</a:t>
+            </a:r>
+            <a:r>
+              <a:rPr lang="fr-FR" sz="1400" dirty="0"/>
+              <a:t>:</a:t>
+            </a:r>
+          </a:p>
+          <a:p>
+            <a:pPr algn="ctr"/>
+            <a:r>
+              <a:rPr lang="fr-FR" sz="1400" dirty="0"/>
+              <a:t>TCCGATGT</a:t>
+            </a:r>
+            <a:endParaRPr lang="en-US" sz="1400" dirty="0"/>
+          </a:p>
+        </p:txBody>
+      </p:sp>
+      <p:cxnSp>
+        <p:nvCxnSpPr>
+          <p:cNvPr id="18" name="Connecteur droit avec flèche 17">
+            <a:extLst>
+              <a:ext uri="{FF2B5EF4-FFF2-40B4-BE49-F238E27FC236}">
+                <a16:creationId xmlns:a16="http://schemas.microsoft.com/office/drawing/2014/main" id="{1B78D6B5-B4AA-5959-727A-8CDB2C8F3DF1}"/>
+              </a:ext>
+            </a:extLst>
+          </p:cNvPr>
+          <p:cNvCxnSpPr>
+            <a:cxnSpLocks/>
+          </p:cNvCxnSpPr>
+          <p:nvPr/>
+        </p:nvCxnSpPr>
+        <p:spPr>
+          <a:xfrm>
+            <a:off x="3352800" y="3250163"/>
+            <a:ext cx="0" cy="178837"/>
+          </a:xfrm>
+          <a:prstGeom prst="straightConnector1">
+            <a:avLst/>
+          </a:prstGeom>
+          <a:ln w="19050">
+            <a:tailEnd type="triangle"/>
+          </a:ln>
+        </p:spPr>
+        <p:style>
+          <a:lnRef idx="1">
+            <a:schemeClr val="dk1"/>
+          </a:lnRef>
+          <a:fillRef idx="0">
+            <a:schemeClr val="dk1"/>
+          </a:fillRef>
+          <a:effectRef idx="0">
+            <a:schemeClr val="dk1"/>
+          </a:effectRef>
+          <a:fontRef idx="minor">
+            <a:schemeClr val="tx1"/>
+          </a:fontRef>
+        </p:style>
+      </p:cxnSp>
+    </p:spTree>
+    <p:extLst>
+      <p:ext uri="{BB962C8B-B14F-4D97-AF65-F5344CB8AC3E}">
+        <p14:creationId xmlns:p14="http://schemas.microsoft.com/office/powerpoint/2010/main" val="1699180750"/>
+      </p:ext>
+    </p:extLst>
+  </p:cSld>
+  <p:clrMapOvr>
+    <a:masterClrMapping/>
+  </p:clrMapOvr>
+</p:sld>
+</file>
+
+<file path=ppt/slides/slide34.xml><?xml version="1.0" encoding="utf-8"?>
+<p:sld xmlns:a="http://schemas.openxmlformats.org/drawingml/2006/main" xmlns:r="http://schemas.openxmlformats.org/officeDocument/2006/relationships" xmlns:p="http://schemas.openxmlformats.org/presentationml/2006/main">
+  <p:cSld>
+    <p:spTree>
+      <p:nvGrpSpPr>
+        <p:cNvPr id="1" name=""/>
+        <p:cNvGrpSpPr/>
+        <p:nvPr/>
+      </p:nvGrpSpPr>
+      <p:grpSpPr>
+        <a:xfrm>
+          <a:off x="0" y="0"/>
+          <a:ext cx="0" cy="0"/>
+          <a:chOff x="0" y="0"/>
+          <a:chExt cx="0" cy="0"/>
+        </a:xfrm>
+      </p:grpSpPr>
+      <p:sp>
+        <p:nvSpPr>
+          <p:cNvPr id="2" name="Titre 1">
+            <a:extLst>
+              <a:ext uri="{FF2B5EF4-FFF2-40B4-BE49-F238E27FC236}">
+                <a16:creationId xmlns:a16="http://schemas.microsoft.com/office/drawing/2014/main" id="{F4635651-7497-F308-4654-6B393CCB91FA}"/>
+              </a:ext>
+            </a:extLst>
+          </p:cNvPr>
+          <p:cNvSpPr>
+            <a:spLocks noGrp="1"/>
+          </p:cNvSpPr>
+          <p:nvPr>
+            <p:ph type="title"/>
+          </p:nvPr>
+        </p:nvSpPr>
+        <p:spPr/>
+        <p:txBody>
+          <a:bodyPr/>
+          <a:lstStyle/>
+          <a:p>
+            <a:r>
+              <a:rPr lang="fr-FR" dirty="0"/>
+              <a:t>4) DNA </a:t>
+            </a:r>
+            <a:r>
+              <a:rPr lang="fr-FR" dirty="0" err="1"/>
+              <a:t>sequence</a:t>
+            </a:r>
+            <a:r>
+              <a:rPr lang="fr-FR" dirty="0"/>
+              <a:t> </a:t>
+            </a:r>
+            <a:r>
+              <a:rPr lang="fr-FR" dirty="0" err="1"/>
+              <a:t>optimization</a:t>
+            </a:r>
+            <a:endParaRPr lang="en-US" dirty="0"/>
+          </a:p>
+        </p:txBody>
+      </p:sp>
+      <p:sp>
+        <p:nvSpPr>
+          <p:cNvPr id="3" name="Espace réservé du contenu 2">
+            <a:extLst>
+              <a:ext uri="{FF2B5EF4-FFF2-40B4-BE49-F238E27FC236}">
+                <a16:creationId xmlns:a16="http://schemas.microsoft.com/office/drawing/2014/main" id="{2FA5D0C4-F9F9-B153-FFD4-3262CC9E6747}"/>
+              </a:ext>
+            </a:extLst>
+          </p:cNvPr>
+          <p:cNvSpPr>
+            <a:spLocks noGrp="1"/>
+          </p:cNvSpPr>
+          <p:nvPr>
+            <p:ph idx="1"/>
+          </p:nvPr>
+        </p:nvSpPr>
+        <p:spPr/>
+        <p:txBody>
+          <a:bodyPr/>
+          <a:lstStyle/>
+          <a:p>
+            <a:r>
+              <a:rPr lang="fr-FR" dirty="0" err="1"/>
+              <a:t>We</a:t>
+            </a:r>
+            <a:r>
+              <a:rPr lang="fr-FR" dirty="0"/>
+              <a:t> can use black box </a:t>
+            </a:r>
+            <a:r>
+              <a:rPr lang="fr-FR" dirty="0" err="1"/>
+              <a:t>optimization</a:t>
+            </a:r>
+            <a:r>
+              <a:rPr lang="fr-FR" dirty="0"/>
+              <a:t> algos:</a:t>
+            </a:r>
+          </a:p>
+          <a:p>
+            <a:pPr lvl="1"/>
+            <a:r>
+              <a:rPr lang="fr-FR" dirty="0"/>
+              <a:t>For instance, </a:t>
+            </a:r>
+            <a:r>
+              <a:rPr lang="fr-FR" dirty="0" err="1"/>
+              <a:t>evolutionary</a:t>
+            </a:r>
+            <a:r>
+              <a:rPr lang="fr-FR" dirty="0"/>
+              <a:t> </a:t>
+            </a:r>
+            <a:r>
+              <a:rPr lang="fr-FR" dirty="0" err="1"/>
+              <a:t>algorithms</a:t>
+            </a:r>
+            <a:r>
+              <a:rPr lang="fr-FR" dirty="0"/>
+              <a:t>;</a:t>
+            </a:r>
+          </a:p>
+          <a:p>
+            <a:pPr lvl="1"/>
+            <a:r>
+              <a:rPr lang="en-US" dirty="0"/>
+              <a:t>Discrete optimization: A T G or C are not quantitative variables;</a:t>
+            </a:r>
+          </a:p>
+        </p:txBody>
+      </p:sp>
+      <p:pic>
+        <p:nvPicPr>
+          <p:cNvPr id="5" name="Image 4">
+            <a:extLst>
+              <a:ext uri="{FF2B5EF4-FFF2-40B4-BE49-F238E27FC236}">
+                <a16:creationId xmlns:a16="http://schemas.microsoft.com/office/drawing/2014/main" id="{792C3B7A-B721-996A-A576-1730407F8802}"/>
+              </a:ext>
+            </a:extLst>
+          </p:cNvPr>
+          <p:cNvPicPr>
+            <a:picLocks noChangeAspect="1"/>
+          </p:cNvPicPr>
+          <p:nvPr/>
+        </p:nvPicPr>
+        <p:blipFill>
+          <a:blip r:embed="rId2"/>
+          <a:stretch>
+            <a:fillRect/>
+          </a:stretch>
+        </p:blipFill>
+        <p:spPr>
+          <a:xfrm>
+            <a:off x="1981200" y="2896704"/>
+            <a:ext cx="4648200" cy="3501924"/>
+          </a:xfrm>
+          <a:prstGeom prst="rect">
+            <a:avLst/>
+          </a:prstGeom>
+        </p:spPr>
+      </p:pic>
+      <p:sp>
+        <p:nvSpPr>
+          <p:cNvPr id="6" name="ZoneTexte 5">
+            <a:extLst>
+              <a:ext uri="{FF2B5EF4-FFF2-40B4-BE49-F238E27FC236}">
+                <a16:creationId xmlns:a16="http://schemas.microsoft.com/office/drawing/2014/main" id="{00B36B7D-EE42-DB82-786D-DF52D82ED3C8}"/>
+              </a:ext>
+            </a:extLst>
+          </p:cNvPr>
+          <p:cNvSpPr txBox="1"/>
+          <p:nvPr/>
+        </p:nvSpPr>
+        <p:spPr>
+          <a:xfrm>
+            <a:off x="2628900" y="4873823"/>
+            <a:ext cx="1676400" cy="307777"/>
+          </a:xfrm>
+          <a:prstGeom prst="rect">
+            <a:avLst/>
+          </a:prstGeom>
+          <a:noFill/>
+        </p:spPr>
+        <p:txBody>
+          <a:bodyPr wrap="square" rtlCol="0">
+            <a:spAutoFit/>
+          </a:bodyPr>
+          <a:lstStyle/>
+          <a:p>
+            <a:r>
+              <a:rPr lang="fr-FR" sz="1400" dirty="0" err="1"/>
+              <a:t>Here</a:t>
+            </a:r>
+            <a:r>
+              <a:rPr lang="fr-FR" sz="1400" dirty="0"/>
+              <a:t> the classifier</a:t>
+            </a:r>
+            <a:endParaRPr lang="en-US" sz="1400" dirty="0"/>
+          </a:p>
+        </p:txBody>
+      </p:sp>
+    </p:spTree>
+    <p:extLst>
+      <p:ext uri="{BB962C8B-B14F-4D97-AF65-F5344CB8AC3E}">
+        <p14:creationId xmlns:p14="http://schemas.microsoft.com/office/powerpoint/2010/main" val="2328767455"/>
       </p:ext>
     </p:extLst>
   </p:cSld>

--- a/CM_llm_genomics.pptx
+++ b/CM_llm_genomics.pptx
@@ -5,7 +5,7 @@
     <p:sldMasterId id="2147483660" r:id="rId1"/>
   </p:sldMasterIdLst>
   <p:notesMasterIdLst>
-    <p:notesMasterId r:id="rId36"/>
+    <p:notesMasterId r:id="rId38"/>
   </p:notesMasterIdLst>
   <p:sldIdLst>
     <p:sldId id="296" r:id="rId2"/>
@@ -17,31 +17,33 @@
     <p:sldId id="469" r:id="rId8"/>
     <p:sldId id="474" r:id="rId9"/>
     <p:sldId id="478" r:id="rId10"/>
-    <p:sldId id="578" r:id="rId11"/>
-    <p:sldId id="508" r:id="rId12"/>
-    <p:sldId id="579" r:id="rId13"/>
-    <p:sldId id="608" r:id="rId14"/>
-    <p:sldId id="580" r:id="rId15"/>
-    <p:sldId id="581" r:id="rId16"/>
-    <p:sldId id="586" r:id="rId17"/>
-    <p:sldId id="587" r:id="rId18"/>
-    <p:sldId id="582" r:id="rId19"/>
-    <p:sldId id="486" r:id="rId20"/>
-    <p:sldId id="609" r:id="rId21"/>
-    <p:sldId id="497" r:id="rId22"/>
-    <p:sldId id="509" r:id="rId23"/>
-    <p:sldId id="619" r:id="rId24"/>
-    <p:sldId id="610" r:id="rId25"/>
-    <p:sldId id="611" r:id="rId26"/>
-    <p:sldId id="613" r:id="rId27"/>
-    <p:sldId id="612" r:id="rId28"/>
-    <p:sldId id="626" r:id="rId29"/>
-    <p:sldId id="627" r:id="rId30"/>
-    <p:sldId id="589" r:id="rId31"/>
-    <p:sldId id="614" r:id="rId32"/>
-    <p:sldId id="628" r:id="rId33"/>
-    <p:sldId id="630" r:id="rId34"/>
-    <p:sldId id="631" r:id="rId35"/>
+    <p:sldId id="632" r:id="rId11"/>
+    <p:sldId id="633" r:id="rId12"/>
+    <p:sldId id="578" r:id="rId13"/>
+    <p:sldId id="508" r:id="rId14"/>
+    <p:sldId id="579" r:id="rId15"/>
+    <p:sldId id="608" r:id="rId16"/>
+    <p:sldId id="580" r:id="rId17"/>
+    <p:sldId id="581" r:id="rId18"/>
+    <p:sldId id="586" r:id="rId19"/>
+    <p:sldId id="587" r:id="rId20"/>
+    <p:sldId id="582" r:id="rId21"/>
+    <p:sldId id="486" r:id="rId22"/>
+    <p:sldId id="609" r:id="rId23"/>
+    <p:sldId id="497" r:id="rId24"/>
+    <p:sldId id="509" r:id="rId25"/>
+    <p:sldId id="619" r:id="rId26"/>
+    <p:sldId id="610" r:id="rId27"/>
+    <p:sldId id="611" r:id="rId28"/>
+    <p:sldId id="613" r:id="rId29"/>
+    <p:sldId id="612" r:id="rId30"/>
+    <p:sldId id="626" r:id="rId31"/>
+    <p:sldId id="627" r:id="rId32"/>
+    <p:sldId id="589" r:id="rId33"/>
+    <p:sldId id="614" r:id="rId34"/>
+    <p:sldId id="628" r:id="rId35"/>
+    <p:sldId id="630" r:id="rId36"/>
+    <p:sldId id="631" r:id="rId37"/>
   </p:sldIdLst>
   <p:sldSz cx="9144000" cy="6858000" type="screen4x3"/>
   <p:notesSz cx="6858000" cy="9144000"/>
@@ -241,7 +243,7 @@
           <a:p>
             <a:fld id="{10262C5D-0A0A-4816-B566-CAF186D955C4}" type="datetimeFigureOut">
               <a:rPr lang="en-US" smtClean="0"/>
-              <a:t>3/4/2025</a:t>
+              <a:t>6/2/2025</a:t>
             </a:fld>
             <a:endParaRPr lang="en-US"/>
           </a:p>
@@ -697,7 +699,7 @@
             <a:fld id="{1D8BD707-D9CF-40AE-B4C6-C98DA3205C09}" type="datetimeFigureOut">
               <a:rPr lang="en-US" smtClean="0"/>
               <a:pPr/>
-              <a:t>3/4/2025</a:t>
+              <a:t>6/2/2025</a:t>
             </a:fld>
             <a:endParaRPr lang="en-US"/>
           </a:p>
@@ -897,7 +899,7 @@
             <a:fld id="{1D8BD707-D9CF-40AE-B4C6-C98DA3205C09}" type="datetimeFigureOut">
               <a:rPr lang="en-US" smtClean="0"/>
               <a:pPr/>
-              <a:t>3/4/2025</a:t>
+              <a:t>6/2/2025</a:t>
             </a:fld>
             <a:endParaRPr lang="en-US"/>
           </a:p>
@@ -1074,7 +1076,7 @@
             <a:fld id="{1D8BD707-D9CF-40AE-B4C6-C98DA3205C09}" type="datetimeFigureOut">
               <a:rPr lang="en-US" smtClean="0"/>
               <a:pPr/>
-              <a:t>3/4/2025</a:t>
+              <a:t>6/2/2025</a:t>
             </a:fld>
             <a:endParaRPr lang="en-US"/>
           </a:p>
@@ -1239,7 +1241,7 @@
             <a:fld id="{1D8BD707-D9CF-40AE-B4C6-C98DA3205C09}" type="datetimeFigureOut">
               <a:rPr lang="en-US" smtClean="0"/>
               <a:pPr/>
-              <a:t>3/4/2025</a:t>
+              <a:t>6/2/2025</a:t>
             </a:fld>
             <a:endParaRPr lang="en-US"/>
           </a:p>
@@ -1489,7 +1491,7 @@
             <a:fld id="{1D8BD707-D9CF-40AE-B4C6-C98DA3205C09}" type="datetimeFigureOut">
               <a:rPr lang="en-US" smtClean="0"/>
               <a:pPr/>
-              <a:t>3/4/2025</a:t>
+              <a:t>6/2/2025</a:t>
             </a:fld>
             <a:endParaRPr lang="en-US"/>
           </a:p>
@@ -1808,7 +1810,7 @@
             <a:fld id="{1D8BD707-D9CF-40AE-B4C6-C98DA3205C09}" type="datetimeFigureOut">
               <a:rPr lang="en-US" smtClean="0"/>
               <a:pPr/>
-              <a:t>3/4/2025</a:t>
+              <a:t>6/2/2025</a:t>
             </a:fld>
             <a:endParaRPr lang="en-US"/>
           </a:p>
@@ -2276,7 +2278,7 @@
             <a:fld id="{1D8BD707-D9CF-40AE-B4C6-C98DA3205C09}" type="datetimeFigureOut">
               <a:rPr lang="en-US" smtClean="0"/>
               <a:pPr/>
-              <a:t>3/4/2025</a:t>
+              <a:t>6/2/2025</a:t>
             </a:fld>
             <a:endParaRPr lang="en-US"/>
           </a:p>
@@ -2425,7 +2427,7 @@
             <a:fld id="{1D8BD707-D9CF-40AE-B4C6-C98DA3205C09}" type="datetimeFigureOut">
               <a:rPr lang="en-US" smtClean="0"/>
               <a:pPr/>
-              <a:t>3/4/2025</a:t>
+              <a:t>6/2/2025</a:t>
             </a:fld>
             <a:endParaRPr lang="en-US"/>
           </a:p>
@@ -2517,7 +2519,7 @@
             <a:fld id="{1D8BD707-D9CF-40AE-B4C6-C98DA3205C09}" type="datetimeFigureOut">
               <a:rPr lang="en-US" smtClean="0"/>
               <a:pPr/>
-              <a:t>3/4/2025</a:t>
+              <a:t>6/2/2025</a:t>
             </a:fld>
             <a:endParaRPr lang="en-US"/>
           </a:p>
@@ -2793,7 +2795,7 @@
             <a:fld id="{1D8BD707-D9CF-40AE-B4C6-C98DA3205C09}" type="datetimeFigureOut">
               <a:rPr lang="en-US" smtClean="0"/>
               <a:pPr/>
-              <a:t>3/4/2025</a:t>
+              <a:t>6/2/2025</a:t>
             </a:fld>
             <a:endParaRPr lang="en-US"/>
           </a:p>
@@ -3100,7 +3102,7 @@
             <a:fld id="{1D8BD707-D9CF-40AE-B4C6-C98DA3205C09}" type="datetimeFigureOut">
               <a:rPr lang="en-US" smtClean="0"/>
               <a:pPr/>
-              <a:t>3/4/2025</a:t>
+              <a:t>6/2/2025</a:t>
             </a:fld>
             <a:endParaRPr lang="en-US"/>
           </a:p>
@@ -3400,7 +3402,7 @@
             <a:fld id="{1D8BD707-D9CF-40AE-B4C6-C98DA3205C09}" type="datetimeFigureOut">
               <a:rPr lang="en-US" smtClean="0"/>
               <a:pPr/>
-              <a:t>3/4/2025</a:t>
+              <a:t>6/2/2025</a:t>
             </a:fld>
             <a:endParaRPr lang="en-US"/>
           </a:p>
@@ -3912,6 +3914,415 @@
           <p:cNvPr id="2" name="Titre 1">
             <a:extLst>
               <a:ext uri="{FF2B5EF4-FFF2-40B4-BE49-F238E27FC236}">
+                <a16:creationId xmlns:a16="http://schemas.microsoft.com/office/drawing/2014/main" id="{A1CF9029-BB39-5AD9-FA93-A55074C24E5B}"/>
+              </a:ext>
+            </a:extLst>
+          </p:cNvPr>
+          <p:cNvSpPr>
+            <a:spLocks noGrp="1"/>
+          </p:cNvSpPr>
+          <p:nvPr>
+            <p:ph type="title"/>
+          </p:nvPr>
+        </p:nvSpPr>
+        <p:spPr/>
+        <p:txBody>
+          <a:bodyPr/>
+          <a:lstStyle/>
+          <a:p>
+            <a:r>
+              <a:rPr lang="fr-FR" dirty="0"/>
+              <a:t>Word </a:t>
+            </a:r>
+            <a:r>
+              <a:rPr lang="fr-FR" dirty="0" err="1"/>
+              <a:t>embedding</a:t>
+            </a:r>
+            <a:endParaRPr lang="en-US" dirty="0"/>
+          </a:p>
+        </p:txBody>
+      </p:sp>
+      <p:sp>
+        <p:nvSpPr>
+          <p:cNvPr id="3" name="Espace réservé du contenu 2">
+            <a:extLst>
+              <a:ext uri="{FF2B5EF4-FFF2-40B4-BE49-F238E27FC236}">
+                <a16:creationId xmlns:a16="http://schemas.microsoft.com/office/drawing/2014/main" id="{105A7140-1741-1C9B-ABF0-7A2EDB573FFD}"/>
+              </a:ext>
+            </a:extLst>
+          </p:cNvPr>
+          <p:cNvSpPr>
+            <a:spLocks noGrp="1"/>
+          </p:cNvSpPr>
+          <p:nvPr>
+            <p:ph idx="1"/>
+          </p:nvPr>
+        </p:nvSpPr>
+        <p:spPr>
+          <a:xfrm>
+            <a:off x="914400" y="5333998"/>
+            <a:ext cx="7010400" cy="990601"/>
+          </a:xfrm>
+        </p:spPr>
+        <p:txBody>
+          <a:bodyPr>
+            <a:normAutofit fontScale="92500" lnSpcReduction="20000"/>
+          </a:bodyPr>
+          <a:lstStyle/>
+          <a:p>
+            <a:r>
+              <a:rPr lang="fr-FR" dirty="0" err="1"/>
+              <a:t>Embeddings</a:t>
+            </a:r>
+            <a:r>
+              <a:rPr lang="fr-FR" dirty="0"/>
+              <a:t> are </a:t>
+            </a:r>
+            <a:r>
+              <a:rPr lang="fr-FR" dirty="0" err="1"/>
+              <a:t>vectors</a:t>
+            </a:r>
+            <a:r>
+              <a:rPr lang="fr-FR" dirty="0"/>
+              <a:t> </a:t>
+            </a:r>
+            <a:r>
+              <a:rPr lang="fr-FR" dirty="0" err="1"/>
+              <a:t>representing</a:t>
+            </a:r>
+            <a:r>
+              <a:rPr lang="fr-FR" dirty="0"/>
+              <a:t> </a:t>
+            </a:r>
+            <a:r>
+              <a:rPr lang="fr-FR" dirty="0" err="1"/>
+              <a:t>word</a:t>
+            </a:r>
+            <a:r>
+              <a:rPr lang="fr-FR" dirty="0"/>
+              <a:t> </a:t>
+            </a:r>
+            <a:r>
+              <a:rPr lang="fr-FR" dirty="0" err="1"/>
+              <a:t>meaning</a:t>
+            </a:r>
+            <a:r>
+              <a:rPr lang="fr-FR" dirty="0"/>
+              <a:t> (</a:t>
+            </a:r>
+            <a:r>
+              <a:rPr lang="fr-FR" dirty="0" err="1"/>
+              <a:t>word</a:t>
+            </a:r>
+            <a:r>
+              <a:rPr lang="fr-FR" dirty="0"/>
+              <a:t> </a:t>
+            </a:r>
+            <a:r>
+              <a:rPr lang="fr-FR" dirty="0" err="1"/>
+              <a:t>semantic</a:t>
+            </a:r>
+            <a:r>
+              <a:rPr lang="fr-FR" dirty="0"/>
+              <a:t>). </a:t>
+            </a:r>
+            <a:r>
+              <a:rPr lang="fr-FR" dirty="0" err="1"/>
+              <a:t>Embeddings</a:t>
+            </a:r>
+            <a:r>
+              <a:rPr lang="fr-FR" dirty="0"/>
+              <a:t> can </a:t>
+            </a:r>
+            <a:r>
+              <a:rPr lang="fr-FR" dirty="0" err="1"/>
+              <a:t>be</a:t>
+            </a:r>
+            <a:r>
+              <a:rPr lang="fr-FR" dirty="0"/>
+              <a:t> </a:t>
+            </a:r>
+            <a:r>
+              <a:rPr lang="fr-FR" dirty="0" err="1"/>
+              <a:t>produced</a:t>
+            </a:r>
+            <a:r>
+              <a:rPr lang="fr-FR" dirty="0"/>
+              <a:t> by an LLM (last layer of the model).</a:t>
+            </a:r>
+            <a:endParaRPr lang="en-US" dirty="0"/>
+          </a:p>
+        </p:txBody>
+      </p:sp>
+      <p:pic>
+        <p:nvPicPr>
+          <p:cNvPr id="11" name="Image 10">
+            <a:extLst>
+              <a:ext uri="{FF2B5EF4-FFF2-40B4-BE49-F238E27FC236}">
+                <a16:creationId xmlns:a16="http://schemas.microsoft.com/office/drawing/2014/main" id="{02957CF3-CDAB-E6A0-A3C9-13BA6E847913}"/>
+              </a:ext>
+            </a:extLst>
+          </p:cNvPr>
+          <p:cNvPicPr>
+            <a:picLocks noChangeAspect="1"/>
+          </p:cNvPicPr>
+          <p:nvPr/>
+        </p:nvPicPr>
+        <p:blipFill>
+          <a:blip r:embed="rId2"/>
+          <a:stretch>
+            <a:fillRect/>
+          </a:stretch>
+        </p:blipFill>
+        <p:spPr>
+          <a:xfrm>
+            <a:off x="385762" y="1766887"/>
+            <a:ext cx="8372475" cy="3324225"/>
+          </a:xfrm>
+          <a:prstGeom prst="rect">
+            <a:avLst/>
+          </a:prstGeom>
+        </p:spPr>
+      </p:pic>
+    </p:spTree>
+    <p:extLst>
+      <p:ext uri="{BB962C8B-B14F-4D97-AF65-F5344CB8AC3E}">
+        <p14:creationId xmlns:p14="http://schemas.microsoft.com/office/powerpoint/2010/main" val="1204928494"/>
+      </p:ext>
+    </p:extLst>
+  </p:cSld>
+  <p:clrMapOvr>
+    <a:masterClrMapping/>
+  </p:clrMapOvr>
+</p:sld>
+</file>
+
+<file path=ppt/slides/slide11.xml><?xml version="1.0" encoding="utf-8"?>
+<p:sld xmlns:a="http://schemas.openxmlformats.org/drawingml/2006/main" xmlns:r="http://schemas.openxmlformats.org/officeDocument/2006/relationships" xmlns:p="http://schemas.openxmlformats.org/presentationml/2006/main">
+  <p:cSld>
+    <p:spTree>
+      <p:nvGrpSpPr>
+        <p:cNvPr id="1" name=""/>
+        <p:cNvGrpSpPr/>
+        <p:nvPr/>
+      </p:nvGrpSpPr>
+      <p:grpSpPr>
+        <a:xfrm>
+          <a:off x="0" y="0"/>
+          <a:ext cx="0" cy="0"/>
+          <a:chOff x="0" y="0"/>
+          <a:chExt cx="0" cy="0"/>
+        </a:xfrm>
+      </p:grpSpPr>
+      <p:sp>
+        <p:nvSpPr>
+          <p:cNvPr id="2" name="Titre 1">
+            <a:extLst>
+              <a:ext uri="{FF2B5EF4-FFF2-40B4-BE49-F238E27FC236}">
+                <a16:creationId xmlns:a16="http://schemas.microsoft.com/office/drawing/2014/main" id="{8FD0B445-541A-588F-C606-7BEF0D1FFA4F}"/>
+              </a:ext>
+            </a:extLst>
+          </p:cNvPr>
+          <p:cNvSpPr>
+            <a:spLocks noGrp="1"/>
+          </p:cNvSpPr>
+          <p:nvPr>
+            <p:ph type="title"/>
+          </p:nvPr>
+        </p:nvSpPr>
+        <p:spPr/>
+        <p:txBody>
+          <a:bodyPr/>
+          <a:lstStyle/>
+          <a:p>
+            <a:r>
+              <a:rPr lang="fr-FR" dirty="0"/>
+              <a:t>Word </a:t>
+            </a:r>
+            <a:r>
+              <a:rPr lang="fr-FR" dirty="0" err="1"/>
+              <a:t>embedding</a:t>
+            </a:r>
+            <a:endParaRPr lang="en-US" dirty="0"/>
+          </a:p>
+        </p:txBody>
+      </p:sp>
+      <p:sp>
+        <p:nvSpPr>
+          <p:cNvPr id="3" name="Espace réservé du contenu 2">
+            <a:extLst>
+              <a:ext uri="{FF2B5EF4-FFF2-40B4-BE49-F238E27FC236}">
+                <a16:creationId xmlns:a16="http://schemas.microsoft.com/office/drawing/2014/main" id="{DA65CDC4-E256-2985-B43B-C49B204D7661}"/>
+              </a:ext>
+            </a:extLst>
+          </p:cNvPr>
+          <p:cNvSpPr>
+            <a:spLocks noGrp="1"/>
+          </p:cNvSpPr>
+          <p:nvPr>
+            <p:ph idx="1"/>
+          </p:nvPr>
+        </p:nvSpPr>
+        <p:spPr/>
+        <p:txBody>
+          <a:bodyPr/>
+          <a:lstStyle/>
+          <a:p>
+            <a:r>
+              <a:rPr lang="fr-FR" dirty="0"/>
+              <a:t>The </a:t>
+            </a:r>
+            <a:r>
+              <a:rPr lang="fr-FR" dirty="0" err="1"/>
+              <a:t>embedding</a:t>
+            </a:r>
+            <a:r>
+              <a:rPr lang="fr-FR" dirty="0"/>
+              <a:t> of a </a:t>
+            </a:r>
+            <a:r>
+              <a:rPr lang="fr-FR" dirty="0" err="1"/>
+              <a:t>word</a:t>
+            </a:r>
+            <a:r>
+              <a:rPr lang="fr-FR" dirty="0"/>
+              <a:t> </a:t>
+            </a:r>
+            <a:r>
+              <a:rPr lang="fr-FR" dirty="0" err="1"/>
+              <a:t>is</a:t>
+            </a:r>
+            <a:r>
+              <a:rPr lang="fr-FR" dirty="0"/>
+              <a:t> </a:t>
+            </a:r>
+            <a:r>
+              <a:rPr lang="fr-FR" dirty="0" err="1"/>
+              <a:t>computed</a:t>
+            </a:r>
+            <a:r>
+              <a:rPr lang="fr-FR" dirty="0"/>
+              <a:t> </a:t>
+            </a:r>
+            <a:r>
+              <a:rPr lang="fr-FR" dirty="0" err="1"/>
+              <a:t>given</a:t>
+            </a:r>
+            <a:r>
+              <a:rPr lang="fr-FR" dirty="0"/>
+              <a:t> </a:t>
+            </a:r>
+            <a:r>
+              <a:rPr lang="fr-FR" dirty="0" err="1"/>
+              <a:t>its</a:t>
+            </a:r>
+            <a:r>
+              <a:rPr lang="fr-FR" dirty="0"/>
+              <a:t> </a:t>
+            </a:r>
+            <a:r>
+              <a:rPr lang="fr-FR" dirty="0" err="1"/>
+              <a:t>context</a:t>
+            </a:r>
+            <a:r>
+              <a:rPr lang="fr-FR" dirty="0"/>
+              <a:t> (</a:t>
+            </a:r>
+            <a:r>
+              <a:rPr lang="fr-FR" dirty="0" err="1"/>
+              <a:t>eg</a:t>
+            </a:r>
+            <a:r>
+              <a:rPr lang="fr-FR" dirty="0"/>
+              <a:t> the sentence or the </a:t>
+            </a:r>
+            <a:r>
+              <a:rPr lang="fr-FR" dirty="0" err="1"/>
+              <a:t>paragraph</a:t>
+            </a:r>
+            <a:r>
+              <a:rPr lang="fr-FR" dirty="0"/>
+              <a:t> of the </a:t>
+            </a:r>
+            <a:r>
+              <a:rPr lang="fr-FR" dirty="0" err="1"/>
+              <a:t>word</a:t>
+            </a:r>
+            <a:r>
+              <a:rPr lang="fr-FR" dirty="0"/>
+              <a:t>).</a:t>
+            </a:r>
+          </a:p>
+          <a:p>
+            <a:endParaRPr lang="en-US" dirty="0"/>
+          </a:p>
+          <a:p>
+            <a:r>
+              <a:rPr lang="en-US" dirty="0"/>
+              <a:t>For instance, the word “original” can mean:</a:t>
+            </a:r>
+          </a:p>
+          <a:p>
+            <a:pPr lvl="1"/>
+            <a:r>
+              <a:rPr lang="en-US" dirty="0"/>
+              <a:t>"authentic, traditional", or </a:t>
+            </a:r>
+          </a:p>
+          <a:p>
+            <a:pPr lvl="1"/>
+            <a:r>
+              <a:rPr lang="en-US" dirty="0"/>
+              <a:t>"novel, never done before“.</a:t>
+            </a:r>
+          </a:p>
+          <a:p>
+            <a:pPr lvl="1"/>
+            <a:endParaRPr lang="en-US" dirty="0"/>
+          </a:p>
+          <a:p>
+            <a:r>
+              <a:rPr lang="en-US" dirty="0"/>
+              <a:t>The embeddings of the same word but with different meanings depending on the context will have different values. </a:t>
+            </a:r>
+          </a:p>
+        </p:txBody>
+      </p:sp>
+    </p:spTree>
+    <p:extLst>
+      <p:ext uri="{BB962C8B-B14F-4D97-AF65-F5344CB8AC3E}">
+        <p14:creationId xmlns:p14="http://schemas.microsoft.com/office/powerpoint/2010/main" val="216316087"/>
+      </p:ext>
+    </p:extLst>
+  </p:cSld>
+  <p:clrMapOvr>
+    <a:masterClrMapping/>
+  </p:clrMapOvr>
+</p:sld>
+</file>
+
+<file path=ppt/slides/slide12.xml><?xml version="1.0" encoding="utf-8"?>
+<p:sld xmlns:a="http://schemas.openxmlformats.org/drawingml/2006/main" xmlns:r="http://schemas.openxmlformats.org/officeDocument/2006/relationships" xmlns:p="http://schemas.openxmlformats.org/presentationml/2006/main">
+  <p:cSld>
+    <p:spTree>
+      <p:nvGrpSpPr>
+        <p:cNvPr id="1" name=""/>
+        <p:cNvGrpSpPr/>
+        <p:nvPr/>
+      </p:nvGrpSpPr>
+      <p:grpSpPr>
+        <a:xfrm>
+          <a:off x="0" y="0"/>
+          <a:ext cx="0" cy="0"/>
+          <a:chOff x="0" y="0"/>
+          <a:chExt cx="0" cy="0"/>
+        </a:xfrm>
+      </p:grpSpPr>
+      <p:sp>
+        <p:nvSpPr>
+          <p:cNvPr id="2" name="Titre 1">
+            <a:extLst>
+              <a:ext uri="{FF2B5EF4-FFF2-40B4-BE49-F238E27FC236}">
                 <a16:creationId xmlns:a16="http://schemas.microsoft.com/office/drawing/2014/main" id="{6D545D46-20C4-0BDA-EA32-965EE495F8A1}"/>
               </a:ext>
             </a:extLst>
@@ -4255,7 +4666,7 @@
 </p:sld>
 </file>
 
-<file path=ppt/slides/slide11.xml><?xml version="1.0" encoding="utf-8"?>
+<file path=ppt/slides/slide13.xml><?xml version="1.0" encoding="utf-8"?>
 <p:sld xmlns:a="http://schemas.openxmlformats.org/drawingml/2006/main" xmlns:r="http://schemas.openxmlformats.org/officeDocument/2006/relationships" xmlns:p="http://schemas.openxmlformats.org/presentationml/2006/main">
   <p:cSld>
     <p:spTree>
@@ -4569,7 +4980,7 @@
 </p:sld>
 </file>
 
-<file path=ppt/slides/slide12.xml><?xml version="1.0" encoding="utf-8"?>
+<file path=ppt/slides/slide14.xml><?xml version="1.0" encoding="utf-8"?>
 <p:sld xmlns:a="http://schemas.openxmlformats.org/drawingml/2006/main" xmlns:r="http://schemas.openxmlformats.org/officeDocument/2006/relationships" xmlns:p="http://schemas.openxmlformats.org/presentationml/2006/main">
   <p:cSld>
     <p:spTree>
@@ -4881,7 +5292,7 @@
 </p:sld>
 </file>
 
-<file path=ppt/slides/slide13.xml><?xml version="1.0" encoding="utf-8"?>
+<file path=ppt/slides/slide15.xml><?xml version="1.0" encoding="utf-8"?>
 <p:sld xmlns:a="http://schemas.openxmlformats.org/drawingml/2006/main" xmlns:r="http://schemas.openxmlformats.org/officeDocument/2006/relationships" xmlns:p="http://schemas.openxmlformats.org/presentationml/2006/main">
   <p:cSld>
     <p:spTree>
@@ -5200,7 +5611,7 @@
 </p:sld>
 </file>
 
-<file path=ppt/slides/slide14.xml><?xml version="1.0" encoding="utf-8"?>
+<file path=ppt/slides/slide16.xml><?xml version="1.0" encoding="utf-8"?>
 <p:sld xmlns:a="http://schemas.openxmlformats.org/drawingml/2006/main" xmlns:r="http://schemas.openxmlformats.org/officeDocument/2006/relationships" xmlns:p="http://schemas.openxmlformats.org/presentationml/2006/main">
   <p:cSld>
     <p:spTree>
@@ -5522,7 +5933,7 @@
 </p:sld>
 </file>
 
-<file path=ppt/slides/slide15.xml><?xml version="1.0" encoding="utf-8"?>
+<file path=ppt/slides/slide17.xml><?xml version="1.0" encoding="utf-8"?>
 <p:sld xmlns:a="http://schemas.openxmlformats.org/drawingml/2006/main" xmlns:r="http://schemas.openxmlformats.org/officeDocument/2006/relationships" xmlns:p="http://schemas.openxmlformats.org/presentationml/2006/main">
   <p:cSld>
     <p:spTree>
@@ -5831,7 +6242,7 @@
 </p:sld>
 </file>
 
-<file path=ppt/slides/slide16.xml><?xml version="1.0" encoding="utf-8"?>
+<file path=ppt/slides/slide18.xml><?xml version="1.0" encoding="utf-8"?>
 <p:sld xmlns:a="http://schemas.openxmlformats.org/drawingml/2006/main" xmlns:r="http://schemas.openxmlformats.org/officeDocument/2006/relationships" xmlns:p="http://schemas.openxmlformats.org/presentationml/2006/main">
   <p:cSld>
     <p:spTree>
@@ -6129,7 +6540,7 @@
 </p:sld>
 </file>
 
-<file path=ppt/slides/slide17.xml><?xml version="1.0" encoding="utf-8"?>
+<file path=ppt/slides/slide19.xml><?xml version="1.0" encoding="utf-8"?>
 <p:sld xmlns:a="http://schemas.openxmlformats.org/drawingml/2006/main" xmlns:r="http://schemas.openxmlformats.org/officeDocument/2006/relationships" xmlns:p="http://schemas.openxmlformats.org/presentationml/2006/main">
   <p:cSld>
     <p:spTree>
@@ -6223,7 +6634,103 @@
 </p:sld>
 </file>
 
-<file path=ppt/slides/slide18.xml><?xml version="1.0" encoding="utf-8"?>
+<file path=ppt/slides/slide2.xml><?xml version="1.0" encoding="utf-8"?>
+<p:sld xmlns:a="http://schemas.openxmlformats.org/drawingml/2006/main" xmlns:r="http://schemas.openxmlformats.org/officeDocument/2006/relationships" xmlns:p="http://schemas.openxmlformats.org/presentationml/2006/main">
+  <p:cSld>
+    <p:spTree>
+      <p:nvGrpSpPr>
+        <p:cNvPr id="1" name=""/>
+        <p:cNvGrpSpPr/>
+        <p:nvPr/>
+      </p:nvGrpSpPr>
+      <p:grpSpPr>
+        <a:xfrm>
+          <a:off x="0" y="0"/>
+          <a:ext cx="0" cy="0"/>
+          <a:chOff x="0" y="0"/>
+          <a:chExt cx="0" cy="0"/>
+        </a:xfrm>
+      </p:grpSpPr>
+      <p:sp>
+        <p:nvSpPr>
+          <p:cNvPr id="2" name="Titre 1">
+            <a:extLst>
+              <a:ext uri="{FF2B5EF4-FFF2-40B4-BE49-F238E27FC236}">
+                <a16:creationId xmlns:a16="http://schemas.microsoft.com/office/drawing/2014/main" id="{922F6E59-29FB-42FD-B0CC-C2C4110A556E}"/>
+              </a:ext>
+            </a:extLst>
+          </p:cNvPr>
+          <p:cNvSpPr>
+            <a:spLocks noGrp="1"/>
+          </p:cNvSpPr>
+          <p:nvPr>
+            <p:ph type="title"/>
+          </p:nvPr>
+        </p:nvSpPr>
+        <p:spPr/>
+        <p:txBody>
+          <a:bodyPr/>
+          <a:lstStyle/>
+          <a:p>
+            <a:r>
+              <a:rPr lang="fr-FR" dirty="0"/>
+              <a:t>Quick intro to large </a:t>
+            </a:r>
+            <a:r>
+              <a:rPr lang="fr-FR" dirty="0" err="1"/>
+              <a:t>language</a:t>
+            </a:r>
+            <a:r>
+              <a:rPr lang="fr-FR" dirty="0"/>
+              <a:t> </a:t>
+            </a:r>
+            <a:r>
+              <a:rPr lang="fr-FR" dirty="0" err="1"/>
+              <a:t>models</a:t>
+            </a:r>
+            <a:endParaRPr lang="fr-FR" dirty="0"/>
+          </a:p>
+        </p:txBody>
+      </p:sp>
+      <p:sp>
+        <p:nvSpPr>
+          <p:cNvPr id="3" name="Espace réservé du texte 2">
+            <a:extLst>
+              <a:ext uri="{FF2B5EF4-FFF2-40B4-BE49-F238E27FC236}">
+                <a16:creationId xmlns:a16="http://schemas.microsoft.com/office/drawing/2014/main" id="{715A9052-78B0-4FAA-A71F-21B890512CCD}"/>
+              </a:ext>
+            </a:extLst>
+          </p:cNvPr>
+          <p:cNvSpPr>
+            <a:spLocks noGrp="1"/>
+          </p:cNvSpPr>
+          <p:nvPr>
+            <p:ph type="body" idx="1"/>
+          </p:nvPr>
+        </p:nvSpPr>
+        <p:spPr/>
+        <p:txBody>
+          <a:bodyPr/>
+          <a:lstStyle/>
+          <a:p>
+            <a:endParaRPr lang="fr-FR"/>
+          </a:p>
+        </p:txBody>
+      </p:sp>
+    </p:spTree>
+    <p:extLst>
+      <p:ext uri="{BB962C8B-B14F-4D97-AF65-F5344CB8AC3E}">
+        <p14:creationId xmlns:p14="http://schemas.microsoft.com/office/powerpoint/2010/main" val="1895250774"/>
+      </p:ext>
+    </p:extLst>
+  </p:cSld>
+  <p:clrMapOvr>
+    <a:masterClrMapping/>
+  </p:clrMapOvr>
+</p:sld>
+</file>
+
+<file path=ppt/slides/slide20.xml><?xml version="1.0" encoding="utf-8"?>
 <p:sld xmlns:a="http://schemas.openxmlformats.org/drawingml/2006/main" xmlns:r="http://schemas.openxmlformats.org/officeDocument/2006/relationships" xmlns:p="http://schemas.openxmlformats.org/presentationml/2006/main">
   <p:cSld>
     <p:spTree>
@@ -6408,7 +6915,7 @@
 </p:sld>
 </file>
 
-<file path=ppt/slides/slide19.xml><?xml version="1.0" encoding="utf-8"?>
+<file path=ppt/slides/slide21.xml><?xml version="1.0" encoding="utf-8"?>
 <p:sld xmlns:a="http://schemas.openxmlformats.org/drawingml/2006/main" xmlns:r="http://schemas.openxmlformats.org/officeDocument/2006/relationships" xmlns:p="http://schemas.openxmlformats.org/presentationml/2006/main">
   <p:cSld>
     <p:spTree>
@@ -6508,103 +7015,7 @@
 </p:sld>
 </file>
 
-<file path=ppt/slides/slide2.xml><?xml version="1.0" encoding="utf-8"?>
-<p:sld xmlns:a="http://schemas.openxmlformats.org/drawingml/2006/main" xmlns:r="http://schemas.openxmlformats.org/officeDocument/2006/relationships" xmlns:p="http://schemas.openxmlformats.org/presentationml/2006/main">
-  <p:cSld>
-    <p:spTree>
-      <p:nvGrpSpPr>
-        <p:cNvPr id="1" name=""/>
-        <p:cNvGrpSpPr/>
-        <p:nvPr/>
-      </p:nvGrpSpPr>
-      <p:grpSpPr>
-        <a:xfrm>
-          <a:off x="0" y="0"/>
-          <a:ext cx="0" cy="0"/>
-          <a:chOff x="0" y="0"/>
-          <a:chExt cx="0" cy="0"/>
-        </a:xfrm>
-      </p:grpSpPr>
-      <p:sp>
-        <p:nvSpPr>
-          <p:cNvPr id="2" name="Titre 1">
-            <a:extLst>
-              <a:ext uri="{FF2B5EF4-FFF2-40B4-BE49-F238E27FC236}">
-                <a16:creationId xmlns:a16="http://schemas.microsoft.com/office/drawing/2014/main" id="{922F6E59-29FB-42FD-B0CC-C2C4110A556E}"/>
-              </a:ext>
-            </a:extLst>
-          </p:cNvPr>
-          <p:cNvSpPr>
-            <a:spLocks noGrp="1"/>
-          </p:cNvSpPr>
-          <p:nvPr>
-            <p:ph type="title"/>
-          </p:nvPr>
-        </p:nvSpPr>
-        <p:spPr/>
-        <p:txBody>
-          <a:bodyPr/>
-          <a:lstStyle/>
-          <a:p>
-            <a:r>
-              <a:rPr lang="fr-FR" dirty="0"/>
-              <a:t>Quick intro to large </a:t>
-            </a:r>
-            <a:r>
-              <a:rPr lang="fr-FR" dirty="0" err="1"/>
-              <a:t>language</a:t>
-            </a:r>
-            <a:r>
-              <a:rPr lang="fr-FR" dirty="0"/>
-              <a:t> </a:t>
-            </a:r>
-            <a:r>
-              <a:rPr lang="fr-FR" dirty="0" err="1"/>
-              <a:t>models</a:t>
-            </a:r>
-            <a:endParaRPr lang="fr-FR" dirty="0"/>
-          </a:p>
-        </p:txBody>
-      </p:sp>
-      <p:sp>
-        <p:nvSpPr>
-          <p:cNvPr id="3" name="Espace réservé du texte 2">
-            <a:extLst>
-              <a:ext uri="{FF2B5EF4-FFF2-40B4-BE49-F238E27FC236}">
-                <a16:creationId xmlns:a16="http://schemas.microsoft.com/office/drawing/2014/main" id="{715A9052-78B0-4FAA-A71F-21B890512CCD}"/>
-              </a:ext>
-            </a:extLst>
-          </p:cNvPr>
-          <p:cNvSpPr>
-            <a:spLocks noGrp="1"/>
-          </p:cNvSpPr>
-          <p:nvPr>
-            <p:ph type="body" idx="1"/>
-          </p:nvPr>
-        </p:nvSpPr>
-        <p:spPr/>
-        <p:txBody>
-          <a:bodyPr/>
-          <a:lstStyle/>
-          <a:p>
-            <a:endParaRPr lang="fr-FR"/>
-          </a:p>
-        </p:txBody>
-      </p:sp>
-    </p:spTree>
-    <p:extLst>
-      <p:ext uri="{BB962C8B-B14F-4D97-AF65-F5344CB8AC3E}">
-        <p14:creationId xmlns:p14="http://schemas.microsoft.com/office/powerpoint/2010/main" val="1895250774"/>
-      </p:ext>
-    </p:extLst>
-  </p:cSld>
-  <p:clrMapOvr>
-    <a:masterClrMapping/>
-  </p:clrMapOvr>
-</p:sld>
-</file>
-
-<file path=ppt/slides/slide20.xml><?xml version="1.0" encoding="utf-8"?>
+<file path=ppt/slides/slide22.xml><?xml version="1.0" encoding="utf-8"?>
 <p:sld xmlns:a="http://schemas.openxmlformats.org/drawingml/2006/main" xmlns:r="http://schemas.openxmlformats.org/officeDocument/2006/relationships" xmlns:p="http://schemas.openxmlformats.org/presentationml/2006/main">
   <p:cSld>
     <p:spTree>
@@ -6846,7 +7257,7 @@
 </p:sld>
 </file>
 
-<file path=ppt/slides/slide21.xml><?xml version="1.0" encoding="utf-8"?>
+<file path=ppt/slides/slide23.xml><?xml version="1.0" encoding="utf-8"?>
 <p:sld xmlns:a="http://schemas.openxmlformats.org/drawingml/2006/main" xmlns:r="http://schemas.openxmlformats.org/officeDocument/2006/relationships" xmlns:p="http://schemas.openxmlformats.org/presentationml/2006/main">
   <p:cSld>
     <p:spTree>
@@ -7082,7 +7493,7 @@
 </p:sld>
 </file>
 
-<file path=ppt/slides/slide22.xml><?xml version="1.0" encoding="utf-8"?>
+<file path=ppt/slides/slide24.xml><?xml version="1.0" encoding="utf-8"?>
 <p:sld xmlns:a="http://schemas.openxmlformats.org/drawingml/2006/main" xmlns:r="http://schemas.openxmlformats.org/officeDocument/2006/relationships" xmlns:p="http://schemas.openxmlformats.org/presentationml/2006/main">
   <p:cSld>
     <p:spTree>
@@ -7398,7 +7809,7 @@
 </p:sld>
 </file>
 
-<file path=ppt/slides/slide23.xml><?xml version="1.0" encoding="utf-8"?>
+<file path=ppt/slides/slide25.xml><?xml version="1.0" encoding="utf-8"?>
 <p:sld xmlns:a="http://schemas.openxmlformats.org/drawingml/2006/main" xmlns:r="http://schemas.openxmlformats.org/officeDocument/2006/relationships" xmlns:p="http://schemas.openxmlformats.org/presentationml/2006/main">
   <p:cSld>
     <p:spTree>
@@ -7682,7 +8093,7 @@
 </p:sld>
 </file>
 
-<file path=ppt/slides/slide24.xml><?xml version="1.0" encoding="utf-8"?>
+<file path=ppt/slides/slide26.xml><?xml version="1.0" encoding="utf-8"?>
 <p:sld xmlns:a="http://schemas.openxmlformats.org/drawingml/2006/main" xmlns:r="http://schemas.openxmlformats.org/officeDocument/2006/relationships" xmlns:p="http://schemas.openxmlformats.org/presentationml/2006/main">
   <p:cSld>
     <p:spTree>
@@ -7884,7 +8295,7 @@
 </p:sld>
 </file>
 
-<file path=ppt/slides/slide25.xml><?xml version="1.0" encoding="utf-8"?>
+<file path=ppt/slides/slide27.xml><?xml version="1.0" encoding="utf-8"?>
 <p:sld xmlns:a="http://schemas.openxmlformats.org/drawingml/2006/main" xmlns:r="http://schemas.openxmlformats.org/officeDocument/2006/relationships" xmlns:p="http://schemas.openxmlformats.org/presentationml/2006/main">
   <p:cSld>
     <p:spTree>
@@ -8681,7 +9092,7 @@
 </p:sld>
 </file>
 
-<file path=ppt/slides/slide26.xml><?xml version="1.0" encoding="utf-8"?>
+<file path=ppt/slides/slide28.xml><?xml version="1.0" encoding="utf-8"?>
 <p:sld xmlns:a="http://schemas.openxmlformats.org/drawingml/2006/main" xmlns:r="http://schemas.openxmlformats.org/officeDocument/2006/relationships" xmlns:p="http://schemas.openxmlformats.org/presentationml/2006/main">
   <p:cSld>
     <p:spTree>
@@ -8772,7 +9183,7 @@
 </p:sld>
 </file>
 
-<file path=ppt/slides/slide27.xml><?xml version="1.0" encoding="utf-8"?>
+<file path=ppt/slides/slide29.xml><?xml version="1.0" encoding="utf-8"?>
 <p:sld xmlns:a="http://schemas.openxmlformats.org/drawingml/2006/main" xmlns:r="http://schemas.openxmlformats.org/officeDocument/2006/relationships" xmlns:p="http://schemas.openxmlformats.org/presentationml/2006/main">
   <p:cSld>
     <p:spTree>
@@ -9325,7 +9736,121 @@
 </p:sld>
 </file>
 
-<file path=ppt/slides/slide28.xml><?xml version="1.0" encoding="utf-8"?>
+<file path=ppt/slides/slide3.xml><?xml version="1.0" encoding="utf-8"?>
+<p:sld xmlns:a="http://schemas.openxmlformats.org/drawingml/2006/main" xmlns:r="http://schemas.openxmlformats.org/officeDocument/2006/relationships" xmlns:p="http://schemas.openxmlformats.org/presentationml/2006/main">
+  <p:cSld>
+    <p:spTree>
+      <p:nvGrpSpPr>
+        <p:cNvPr id="1" name=""/>
+        <p:cNvGrpSpPr/>
+        <p:nvPr/>
+      </p:nvGrpSpPr>
+      <p:grpSpPr>
+        <a:xfrm>
+          <a:off x="0" y="0"/>
+          <a:ext cx="0" cy="0"/>
+          <a:chOff x="0" y="0"/>
+          <a:chExt cx="0" cy="0"/>
+        </a:xfrm>
+      </p:grpSpPr>
+      <p:sp>
+        <p:nvSpPr>
+          <p:cNvPr id="2" name="Titre 1">
+            <a:extLst>
+              <a:ext uri="{FF2B5EF4-FFF2-40B4-BE49-F238E27FC236}">
+                <a16:creationId xmlns:a16="http://schemas.microsoft.com/office/drawing/2014/main" id="{CB408BB5-3DB9-46FF-AFE9-1725FB975D46}"/>
+              </a:ext>
+            </a:extLst>
+          </p:cNvPr>
+          <p:cNvSpPr>
+            <a:spLocks noGrp="1"/>
+          </p:cNvSpPr>
+          <p:nvPr>
+            <p:ph type="title"/>
+          </p:nvPr>
+        </p:nvSpPr>
+        <p:spPr/>
+        <p:txBody>
+          <a:bodyPr/>
+          <a:lstStyle/>
+          <a:p>
+            <a:r>
+              <a:rPr lang="fr-FR" dirty="0" err="1"/>
+              <a:t>Deep</a:t>
+            </a:r>
+            <a:r>
+              <a:rPr lang="fr-FR" dirty="0"/>
+              <a:t> </a:t>
+            </a:r>
+            <a:r>
+              <a:rPr lang="fr-FR" dirty="0" err="1"/>
+              <a:t>learning</a:t>
+            </a:r>
+            <a:r>
+              <a:rPr lang="fr-FR" dirty="0"/>
+              <a:t> as a </a:t>
+            </a:r>
+            <a:r>
+              <a:rPr lang="fr-FR" dirty="0" err="1"/>
+              <a:t>branch</a:t>
+            </a:r>
+            <a:r>
+              <a:rPr lang="fr-FR" dirty="0"/>
+              <a:t> of AI</a:t>
+            </a:r>
+            <a:endParaRPr lang="en-US" dirty="0"/>
+          </a:p>
+        </p:txBody>
+      </p:sp>
+      <p:pic>
+        <p:nvPicPr>
+          <p:cNvPr id="5" name="Espace réservé du contenu 4">
+            <a:extLst>
+              <a:ext uri="{FF2B5EF4-FFF2-40B4-BE49-F238E27FC236}">
+                <a16:creationId xmlns:a16="http://schemas.microsoft.com/office/drawing/2014/main" id="{33074E2E-225D-4BD0-BAB4-766BEAAFBBE0}"/>
+              </a:ext>
+            </a:extLst>
+          </p:cNvPr>
+          <p:cNvPicPr>
+            <a:picLocks noGrp="1" noChangeAspect="1"/>
+          </p:cNvPicPr>
+          <p:nvPr>
+            <p:ph idx="1"/>
+          </p:nvPr>
+        </p:nvPicPr>
+        <p:blipFill>
+          <a:blip r:embed="rId2">
+            <a:extLst>
+              <a:ext uri="{28A0092B-C50C-407E-A947-70E740481C1C}">
+                <a14:useLocalDpi xmlns:a14="http://schemas.microsoft.com/office/drawing/2010/main" val="0"/>
+              </a:ext>
+            </a:extLst>
+          </a:blip>
+          <a:stretch>
+            <a:fillRect/>
+          </a:stretch>
+        </p:blipFill>
+        <p:spPr>
+          <a:xfrm>
+            <a:off x="1259309" y="1828800"/>
+            <a:ext cx="6625382" cy="4343400"/>
+          </a:xfrm>
+        </p:spPr>
+      </p:pic>
+    </p:spTree>
+    <p:extLst>
+      <p:ext uri="{BB962C8B-B14F-4D97-AF65-F5344CB8AC3E}">
+        <p14:creationId xmlns:p14="http://schemas.microsoft.com/office/powerpoint/2010/main" val="1363182354"/>
+      </p:ext>
+    </p:extLst>
+  </p:cSld>
+  <p:clrMapOvr>
+    <a:masterClrMapping/>
+  </p:clrMapOvr>
+</p:sld>
+</file>
+
+<file path=ppt/slides/slide30.xml><?xml version="1.0" encoding="utf-8"?>
 <p:sld xmlns:a="http://schemas.openxmlformats.org/drawingml/2006/main" xmlns:r="http://schemas.openxmlformats.org/officeDocument/2006/relationships" xmlns:p="http://schemas.openxmlformats.org/presentationml/2006/main">
   <p:cSld>
     <p:spTree>
@@ -9944,7 +10469,7 @@
 </p:sld>
 </file>
 
-<file path=ppt/slides/slide29.xml><?xml version="1.0" encoding="utf-8"?>
+<file path=ppt/slides/slide31.xml><?xml version="1.0" encoding="utf-8"?>
 <p:sld xmlns:a="http://schemas.openxmlformats.org/drawingml/2006/main" xmlns:r="http://schemas.openxmlformats.org/officeDocument/2006/relationships" xmlns:p="http://schemas.openxmlformats.org/presentationml/2006/main">
   <p:cSld>
     <p:spTree>
@@ -10406,7 +10931,7 @@
 </p:sld>
 </file>
 
-<file path=ppt/slides/slide3.xml><?xml version="1.0" encoding="utf-8"?>
+<file path=ppt/slides/slide32.xml><?xml version="1.0" encoding="utf-8"?>
 <p:sld xmlns:a="http://schemas.openxmlformats.org/drawingml/2006/main" xmlns:r="http://schemas.openxmlformats.org/officeDocument/2006/relationships" xmlns:p="http://schemas.openxmlformats.org/presentationml/2006/main">
   <p:cSld>
     <p:spTree>
@@ -10428,120 +10953,6 @@
           <p:cNvPr id="2" name="Titre 1">
             <a:extLst>
               <a:ext uri="{FF2B5EF4-FFF2-40B4-BE49-F238E27FC236}">
-                <a16:creationId xmlns:a16="http://schemas.microsoft.com/office/drawing/2014/main" id="{CB408BB5-3DB9-46FF-AFE9-1725FB975D46}"/>
-              </a:ext>
-            </a:extLst>
-          </p:cNvPr>
-          <p:cNvSpPr>
-            <a:spLocks noGrp="1"/>
-          </p:cNvSpPr>
-          <p:nvPr>
-            <p:ph type="title"/>
-          </p:nvPr>
-        </p:nvSpPr>
-        <p:spPr/>
-        <p:txBody>
-          <a:bodyPr/>
-          <a:lstStyle/>
-          <a:p>
-            <a:r>
-              <a:rPr lang="fr-FR" dirty="0" err="1"/>
-              <a:t>Deep</a:t>
-            </a:r>
-            <a:r>
-              <a:rPr lang="fr-FR" dirty="0"/>
-              <a:t> </a:t>
-            </a:r>
-            <a:r>
-              <a:rPr lang="fr-FR" dirty="0" err="1"/>
-              <a:t>learning</a:t>
-            </a:r>
-            <a:r>
-              <a:rPr lang="fr-FR" dirty="0"/>
-              <a:t> as a </a:t>
-            </a:r>
-            <a:r>
-              <a:rPr lang="fr-FR" dirty="0" err="1"/>
-              <a:t>branch</a:t>
-            </a:r>
-            <a:r>
-              <a:rPr lang="fr-FR" dirty="0"/>
-              <a:t> of AI</a:t>
-            </a:r>
-            <a:endParaRPr lang="en-US" dirty="0"/>
-          </a:p>
-        </p:txBody>
-      </p:sp>
-      <p:pic>
-        <p:nvPicPr>
-          <p:cNvPr id="5" name="Espace réservé du contenu 4">
-            <a:extLst>
-              <a:ext uri="{FF2B5EF4-FFF2-40B4-BE49-F238E27FC236}">
-                <a16:creationId xmlns:a16="http://schemas.microsoft.com/office/drawing/2014/main" id="{33074E2E-225D-4BD0-BAB4-766BEAAFBBE0}"/>
-              </a:ext>
-            </a:extLst>
-          </p:cNvPr>
-          <p:cNvPicPr>
-            <a:picLocks noGrp="1" noChangeAspect="1"/>
-          </p:cNvPicPr>
-          <p:nvPr>
-            <p:ph idx="1"/>
-          </p:nvPr>
-        </p:nvPicPr>
-        <p:blipFill>
-          <a:blip r:embed="rId2">
-            <a:extLst>
-              <a:ext uri="{28A0092B-C50C-407E-A947-70E740481C1C}">
-                <a14:useLocalDpi xmlns:a14="http://schemas.microsoft.com/office/drawing/2010/main" val="0"/>
-              </a:ext>
-            </a:extLst>
-          </a:blip>
-          <a:stretch>
-            <a:fillRect/>
-          </a:stretch>
-        </p:blipFill>
-        <p:spPr>
-          <a:xfrm>
-            <a:off x="1259309" y="1828800"/>
-            <a:ext cx="6625382" cy="4343400"/>
-          </a:xfrm>
-        </p:spPr>
-      </p:pic>
-    </p:spTree>
-    <p:extLst>
-      <p:ext uri="{BB962C8B-B14F-4D97-AF65-F5344CB8AC3E}">
-        <p14:creationId xmlns:p14="http://schemas.microsoft.com/office/powerpoint/2010/main" val="1363182354"/>
-      </p:ext>
-    </p:extLst>
-  </p:cSld>
-  <p:clrMapOvr>
-    <a:masterClrMapping/>
-  </p:clrMapOvr>
-</p:sld>
-</file>
-
-<file path=ppt/slides/slide30.xml><?xml version="1.0" encoding="utf-8"?>
-<p:sld xmlns:a="http://schemas.openxmlformats.org/drawingml/2006/main" xmlns:r="http://schemas.openxmlformats.org/officeDocument/2006/relationships" xmlns:p="http://schemas.openxmlformats.org/presentationml/2006/main">
-  <p:cSld>
-    <p:spTree>
-      <p:nvGrpSpPr>
-        <p:cNvPr id="1" name=""/>
-        <p:cNvGrpSpPr/>
-        <p:nvPr/>
-      </p:nvGrpSpPr>
-      <p:grpSpPr>
-        <a:xfrm>
-          <a:off x="0" y="0"/>
-          <a:ext cx="0" cy="0"/>
-          <a:chOff x="0" y="0"/>
-          <a:chExt cx="0" cy="0"/>
-        </a:xfrm>
-      </p:grpSpPr>
-      <p:sp>
-        <p:nvSpPr>
-          <p:cNvPr id="2" name="Titre 1">
-            <a:extLst>
-              <a:ext uri="{FF2B5EF4-FFF2-40B4-BE49-F238E27FC236}">
                 <a16:creationId xmlns:a16="http://schemas.microsoft.com/office/drawing/2014/main" id="{5EB65F60-DDC6-6968-7765-E648F6BD88FE}"/>
               </a:ext>
             </a:extLst>
@@ -10891,7 +11302,7 @@
 </p:sld>
 </file>
 
-<file path=ppt/slides/slide31.xml><?xml version="1.0" encoding="utf-8"?>
+<file path=ppt/slides/slide33.xml><?xml version="1.0" encoding="utf-8"?>
 <p:sld xmlns:a="http://schemas.openxmlformats.org/drawingml/2006/main" xmlns:r="http://schemas.openxmlformats.org/officeDocument/2006/relationships" xmlns:p="http://schemas.openxmlformats.org/presentationml/2006/main">
   <p:cSld>
     <p:spTree>
@@ -12114,7 +12525,7 @@
 </p:sld>
 </file>
 
-<file path=ppt/slides/slide32.xml><?xml version="1.0" encoding="utf-8"?>
+<file path=ppt/slides/slide34.xml><?xml version="1.0" encoding="utf-8"?>
 <p:sld xmlns:a="http://schemas.openxmlformats.org/drawingml/2006/main" xmlns:r="http://schemas.openxmlformats.org/officeDocument/2006/relationships" xmlns:p="http://schemas.openxmlformats.org/presentationml/2006/main">
   <p:cSld>
     <p:spTree>
@@ -12329,7 +12740,7 @@
 </p:sld>
 </file>
 
-<file path=ppt/slides/slide33.xml><?xml version="1.0" encoding="utf-8"?>
+<file path=ppt/slides/slide35.xml><?xml version="1.0" encoding="utf-8"?>
 <p:sld xmlns:a="http://schemas.openxmlformats.org/drawingml/2006/main" xmlns:r="http://schemas.openxmlformats.org/officeDocument/2006/relationships" xmlns:p="http://schemas.openxmlformats.org/presentationml/2006/main">
   <p:cSld>
     <p:spTree>
@@ -13606,7 +14017,7 @@
 </p:sld>
 </file>
 
-<file path=ppt/slides/slide34.xml><?xml version="1.0" encoding="utf-8"?>
+<file path=ppt/slides/slide36.xml><?xml version="1.0" encoding="utf-8"?>
 <p:sld xmlns:a="http://schemas.openxmlformats.org/drawingml/2006/main" xmlns:r="http://schemas.openxmlformats.org/officeDocument/2006/relationships" xmlns:p="http://schemas.openxmlformats.org/presentationml/2006/main">
   <p:cSld>
     <p:spTree>
